--- a/PowerPoint_Generator/myapp/static/presentations/simple.pptx
+++ b/PowerPoint_Generator/myapp/static/presentations/simple.pptx
@@ -2,7 +2,7 @@
 <file path=ppt/presentation.xml><?xml version="1.0" encoding="utf-8"?>
 <p:presentation xmlns:a="http://schemas.openxmlformats.org/drawingml/2006/main" xmlns:r="http://schemas.openxmlformats.org/officeDocument/2006/relationships" xmlns:p="http://schemas.openxmlformats.org/presentationml/2006/main" embedTrueTypeFonts="1" saveSubsetFonts="1">
   <p:sldMasterIdLst>
-    <p:sldMasterId id="2147483677" r:id="rId1"/>
+    <p:sldMasterId id="2147483808" r:id="rId1"/>
   </p:sldMasterIdLst>
   <p:sldIdLst>
     <p:sldId id="256" r:id="rId2"/>
@@ -12,23 +12,18 @@
   <p:notesSz cx="6858000" cy="9144000"/>
   <p:embeddedFontLst>
     <p:embeddedFont>
-      <p:font typeface="Calibri" panose="020F0502020204030204" pitchFamily="34" charset="0"/>
+      <p:font typeface="Century Gothic" panose="020B0502020202020204" pitchFamily="34" charset="0"/>
       <p:regular r:id="rId4"/>
       <p:bold r:id="rId5"/>
       <p:italic r:id="rId6"/>
       <p:boldItalic r:id="rId7"/>
     </p:embeddedFont>
-    <p:embeddedFont>
-      <p:font typeface="Calibri Light" panose="020F0302020204030204" pitchFamily="34" charset="0"/>
-      <p:regular r:id="rId8"/>
-      <p:italic r:id="rId9"/>
-    </p:embeddedFont>
   </p:embeddedFontLst>
   <p:defaultTextStyle>
     <a:defPPr>
-      <a:defRPr lang="en-JP"/>
+      <a:defRPr lang="en-US"/>
     </a:defPPr>
-    <a:lvl1pPr marL="0" algn="l" defTabSz="914400" rtl="0" eaLnBrk="1" latinLnBrk="0" hangingPunct="1">
+    <a:lvl1pPr marL="0" algn="l" defTabSz="457200" rtl="0" eaLnBrk="1" latinLnBrk="0" hangingPunct="1">
       <a:defRPr sz="1800" kern="1200">
         <a:solidFill>
           <a:schemeClr val="tx1"/>
@@ -38,7 +33,7 @@
         <a:cs typeface="+mn-cs"/>
       </a:defRPr>
     </a:lvl1pPr>
-    <a:lvl2pPr marL="457200" algn="l" defTabSz="914400" rtl="0" eaLnBrk="1" latinLnBrk="0" hangingPunct="1">
+    <a:lvl2pPr marL="457200" algn="l" defTabSz="457200" rtl="0" eaLnBrk="1" latinLnBrk="0" hangingPunct="1">
       <a:defRPr sz="1800" kern="1200">
         <a:solidFill>
           <a:schemeClr val="tx1"/>
@@ -48,7 +43,7 @@
         <a:cs typeface="+mn-cs"/>
       </a:defRPr>
     </a:lvl2pPr>
-    <a:lvl3pPr marL="914400" algn="l" defTabSz="914400" rtl="0" eaLnBrk="1" latinLnBrk="0" hangingPunct="1">
+    <a:lvl3pPr marL="914400" algn="l" defTabSz="457200" rtl="0" eaLnBrk="1" latinLnBrk="0" hangingPunct="1">
       <a:defRPr sz="1800" kern="1200">
         <a:solidFill>
           <a:schemeClr val="tx1"/>
@@ -58,7 +53,7 @@
         <a:cs typeface="+mn-cs"/>
       </a:defRPr>
     </a:lvl3pPr>
-    <a:lvl4pPr marL="1371600" algn="l" defTabSz="914400" rtl="0" eaLnBrk="1" latinLnBrk="0" hangingPunct="1">
+    <a:lvl4pPr marL="1371600" algn="l" defTabSz="457200" rtl="0" eaLnBrk="1" latinLnBrk="0" hangingPunct="1">
       <a:defRPr sz="1800" kern="1200">
         <a:solidFill>
           <a:schemeClr val="tx1"/>
@@ -68,7 +63,7 @@
         <a:cs typeface="+mn-cs"/>
       </a:defRPr>
     </a:lvl4pPr>
-    <a:lvl5pPr marL="1828800" algn="l" defTabSz="914400" rtl="0" eaLnBrk="1" latinLnBrk="0" hangingPunct="1">
+    <a:lvl5pPr marL="1828800" algn="l" defTabSz="457200" rtl="0" eaLnBrk="1" latinLnBrk="0" hangingPunct="1">
       <a:defRPr sz="1800" kern="1200">
         <a:solidFill>
           <a:schemeClr val="tx1"/>
@@ -78,7 +73,7 @@
         <a:cs typeface="+mn-cs"/>
       </a:defRPr>
     </a:lvl5pPr>
-    <a:lvl6pPr marL="2286000" algn="l" defTabSz="914400" rtl="0" eaLnBrk="1" latinLnBrk="0" hangingPunct="1">
+    <a:lvl6pPr marL="2286000" algn="l" defTabSz="457200" rtl="0" eaLnBrk="1" latinLnBrk="0" hangingPunct="1">
       <a:defRPr sz="1800" kern="1200">
         <a:solidFill>
           <a:schemeClr val="tx1"/>
@@ -88,7 +83,7 @@
         <a:cs typeface="+mn-cs"/>
       </a:defRPr>
     </a:lvl6pPr>
-    <a:lvl7pPr marL="2743200" algn="l" defTabSz="914400" rtl="0" eaLnBrk="1" latinLnBrk="0" hangingPunct="1">
+    <a:lvl7pPr marL="2743200" algn="l" defTabSz="457200" rtl="0" eaLnBrk="1" latinLnBrk="0" hangingPunct="1">
       <a:defRPr sz="1800" kern="1200">
         <a:solidFill>
           <a:schemeClr val="tx1"/>
@@ -98,7 +93,7 @@
         <a:cs typeface="+mn-cs"/>
       </a:defRPr>
     </a:lvl7pPr>
-    <a:lvl8pPr marL="3200400" algn="l" defTabSz="914400" rtl="0" eaLnBrk="1" latinLnBrk="0" hangingPunct="1">
+    <a:lvl8pPr marL="3200400" algn="l" defTabSz="457200" rtl="0" eaLnBrk="1" latinLnBrk="0" hangingPunct="1">
       <a:defRPr sz="1800" kern="1200">
         <a:solidFill>
           <a:schemeClr val="tx1"/>
@@ -108,7 +103,7 @@
         <a:cs typeface="+mn-cs"/>
       </a:defRPr>
     </a:lvl8pPr>
-    <a:lvl9pPr marL="3657600" algn="l" defTabSz="914400" rtl="0" eaLnBrk="1" latinLnBrk="0" hangingPunct="1">
+    <a:lvl9pPr marL="3657600" algn="l" defTabSz="457200" rtl="0" eaLnBrk="1" latinLnBrk="0" hangingPunct="1">
       <a:defRPr sz="1800" kern="1200">
         <a:solidFill>
           <a:schemeClr val="tx1"/>
@@ -157,13 +152,7 @@
       </p:grpSpPr>
       <p:sp>
         <p:nvSpPr>
-          <p:cNvPr id="2" name="Title 1">
-            <a:extLst>
-              <a:ext uri="{FF2B5EF4-FFF2-40B4-BE49-F238E27FC236}">
-                <a16:creationId xmlns:a16="http://schemas.microsoft.com/office/drawing/2014/main" id="{D7BE80E8-4D37-1029-785F-9A622BBBBEC5}"/>
-              </a:ext>
-            </a:extLst>
-          </p:cNvPr>
+          <p:cNvPr id="2" name="Title 1"/>
           <p:cNvSpPr>
             <a:spLocks noGrp="1"/>
           </p:cNvSpPr>
@@ -173,15 +162,32 @@
         </p:nvSpPr>
         <p:spPr>
           <a:xfrm>
-            <a:off x="2286000" y="1683544"/>
-            <a:ext cx="13716000" cy="3581400"/>
+            <a:off x="2626518" y="914402"/>
+            <a:ext cx="13014333" cy="4800600"/>
           </a:xfrm>
         </p:spPr>
         <p:txBody>
-          <a:bodyPr anchor="b"/>
+          <a:bodyPr anchor="b">
+            <a:normAutofit/>
+          </a:bodyPr>
           <a:lstStyle>
             <a:lvl1pPr algn="ctr">
-              <a:defRPr sz="9000"/>
+              <a:defRPr sz="7200">
+                <a:effectLst>
+                  <a:glow rad="38100">
+                    <a:schemeClr val="bg1">
+                      <a:lumMod val="65000"/>
+                      <a:lumOff val="35000"/>
+                      <a:alpha val="50000"/>
+                    </a:schemeClr>
+                  </a:glow>
+                  <a:outerShdw blurRad="28575" dist="31750" dir="13200000" algn="tl" rotWithShape="0">
+                    <a:srgbClr val="000000">
+                      <a:alpha val="25000"/>
+                    </a:srgbClr>
+                  </a:outerShdw>
+                </a:effectLst>
+              </a:defRPr>
             </a:lvl1pPr>
           </a:lstStyle>
           <a:p>
@@ -189,19 +195,13 @@
               <a:rPr lang="en-US"/>
               <a:t>Click to edit Master title style</a:t>
             </a:r>
-            <a:endParaRPr lang="en-JP"/>
-          </a:p>
-        </p:txBody>
-      </p:sp>
-      <p:sp>
-        <p:nvSpPr>
-          <p:cNvPr id="3" name="Subtitle 2">
-            <a:extLst>
-              <a:ext uri="{FF2B5EF4-FFF2-40B4-BE49-F238E27FC236}">
-                <a16:creationId xmlns:a16="http://schemas.microsoft.com/office/drawing/2014/main" id="{DDCCD93C-2F44-B09A-79FD-04E62381A80B}"/>
-              </a:ext>
-            </a:extLst>
-          </p:cNvPr>
+            <a:endParaRPr lang="en-US" dirty="0"/>
+          </a:p>
+        </p:txBody>
+      </p:sp>
+      <p:sp>
+        <p:nvSpPr>
+          <p:cNvPr id="3" name="Subtitle 2"/>
           <p:cNvSpPr>
             <a:spLocks noGrp="1"/>
           </p:cNvSpPr>
@@ -211,48 +211,113 @@
         </p:nvSpPr>
         <p:spPr>
           <a:xfrm>
-            <a:off x="2286000" y="5403057"/>
-            <a:ext cx="13716000" cy="2483643"/>
+            <a:off x="2626518" y="5829300"/>
+            <a:ext cx="13014333" cy="2857500"/>
           </a:xfrm>
         </p:spPr>
         <p:txBody>
-          <a:bodyPr/>
+          <a:bodyPr anchor="t">
+            <a:normAutofit/>
+          </a:bodyPr>
           <a:lstStyle>
             <a:lvl1pPr marL="0" indent="0" algn="ctr">
               <a:buNone/>
-              <a:defRPr sz="3600"/>
+              <a:defRPr sz="3150">
+                <a:gradFill flip="none" rotWithShape="1">
+                  <a:gsLst>
+                    <a:gs pos="0">
+                      <a:schemeClr val="tx1"/>
+                    </a:gs>
+                    <a:gs pos="100000">
+                      <a:schemeClr val="tx1">
+                        <a:lumMod val="75000"/>
+                      </a:schemeClr>
+                    </a:gs>
+                  </a:gsLst>
+                  <a:lin ang="5400000" scaled="0"/>
+                  <a:tileRect/>
+                </a:gradFill>
+              </a:defRPr>
             </a:lvl1pPr>
             <a:lvl2pPr marL="685800" indent="0" algn="ctr">
               <a:buNone/>
-              <a:defRPr sz="3000"/>
+              <a:defRPr>
+                <a:solidFill>
+                  <a:schemeClr val="tx1">
+                    <a:tint val="75000"/>
+                  </a:schemeClr>
+                </a:solidFill>
+              </a:defRPr>
             </a:lvl2pPr>
             <a:lvl3pPr marL="1371600" indent="0" algn="ctr">
               <a:buNone/>
-              <a:defRPr sz="2700"/>
+              <a:defRPr>
+                <a:solidFill>
+                  <a:schemeClr val="tx1">
+                    <a:tint val="75000"/>
+                  </a:schemeClr>
+                </a:solidFill>
+              </a:defRPr>
             </a:lvl3pPr>
             <a:lvl4pPr marL="2057400" indent="0" algn="ctr">
               <a:buNone/>
-              <a:defRPr sz="2400"/>
+              <a:defRPr>
+                <a:solidFill>
+                  <a:schemeClr val="tx1">
+                    <a:tint val="75000"/>
+                  </a:schemeClr>
+                </a:solidFill>
+              </a:defRPr>
             </a:lvl4pPr>
             <a:lvl5pPr marL="2743200" indent="0" algn="ctr">
               <a:buNone/>
-              <a:defRPr sz="2400"/>
+              <a:defRPr>
+                <a:solidFill>
+                  <a:schemeClr val="tx1">
+                    <a:tint val="75000"/>
+                  </a:schemeClr>
+                </a:solidFill>
+              </a:defRPr>
             </a:lvl5pPr>
             <a:lvl6pPr marL="3429000" indent="0" algn="ctr">
               <a:buNone/>
-              <a:defRPr sz="2400"/>
+              <a:defRPr>
+                <a:solidFill>
+                  <a:schemeClr val="tx1">
+                    <a:tint val="75000"/>
+                  </a:schemeClr>
+                </a:solidFill>
+              </a:defRPr>
             </a:lvl6pPr>
             <a:lvl7pPr marL="4114800" indent="0" algn="ctr">
               <a:buNone/>
-              <a:defRPr sz="2400"/>
+              <a:defRPr>
+                <a:solidFill>
+                  <a:schemeClr val="tx1">
+                    <a:tint val="75000"/>
+                  </a:schemeClr>
+                </a:solidFill>
+              </a:defRPr>
             </a:lvl7pPr>
             <a:lvl8pPr marL="4800600" indent="0" algn="ctr">
               <a:buNone/>
-              <a:defRPr sz="2400"/>
+              <a:defRPr>
+                <a:solidFill>
+                  <a:schemeClr val="tx1">
+                    <a:tint val="75000"/>
+                  </a:schemeClr>
+                </a:solidFill>
+              </a:defRPr>
             </a:lvl8pPr>
             <a:lvl9pPr marL="5486400" indent="0" algn="ctr">
               <a:buNone/>
-              <a:defRPr sz="2400"/>
+              <a:defRPr>
+                <a:solidFill>
+                  <a:schemeClr val="tx1">
+                    <a:tint val="75000"/>
+                  </a:schemeClr>
+                </a:solidFill>
+              </a:defRPr>
             </a:lvl9pPr>
           </a:lstStyle>
           <a:p>
@@ -260,19 +325,13 @@
               <a:rPr lang="en-US"/>
               <a:t>Click to edit Master subtitle style</a:t>
             </a:r>
-            <a:endParaRPr lang="en-JP"/>
-          </a:p>
-        </p:txBody>
-      </p:sp>
-      <p:sp>
-        <p:nvSpPr>
-          <p:cNvPr id="4" name="Date Placeholder 3">
-            <a:extLst>
-              <a:ext uri="{FF2B5EF4-FFF2-40B4-BE49-F238E27FC236}">
-                <a16:creationId xmlns:a16="http://schemas.microsoft.com/office/drawing/2014/main" id="{B4940116-4509-770E-3E90-C6B50AE64A4C}"/>
-              </a:ext>
-            </a:extLst>
-          </p:cNvPr>
+            <a:endParaRPr lang="en-US" dirty="0"/>
+          </a:p>
+        </p:txBody>
+      </p:sp>
+      <p:sp>
+        <p:nvSpPr>
+          <p:cNvPr id="4" name="Date Placeholder 3"/>
           <p:cNvSpPr>
             <a:spLocks noGrp="1"/>
           </p:cNvSpPr>
@@ -288,7 +347,7 @@
             <a:fld id="{1D8BD707-D9CF-40AE-B4C6-C98DA3205C09}" type="datetimeFigureOut">
               <a:rPr lang="en-US" smtClean="0"/>
               <a:pPr/>
-              <a:t>7/3/23</a:t>
+              <a:t>9/30/2023</a:t>
             </a:fld>
             <a:endParaRPr lang="en-US"/>
           </a:p>
@@ -296,13 +355,7 @@
       </p:sp>
       <p:sp>
         <p:nvSpPr>
-          <p:cNvPr id="5" name="Footer Placeholder 4">
-            <a:extLst>
-              <a:ext uri="{FF2B5EF4-FFF2-40B4-BE49-F238E27FC236}">
-                <a16:creationId xmlns:a16="http://schemas.microsoft.com/office/drawing/2014/main" id="{7D4EF4DE-C972-9E7E-38CD-3A894043F9A8}"/>
-              </a:ext>
-            </a:extLst>
-          </p:cNvPr>
+          <p:cNvPr id="5" name="Footer Placeholder 4"/>
           <p:cNvSpPr>
             <a:spLocks noGrp="1"/>
           </p:cNvSpPr>
@@ -321,13 +374,7 @@
       </p:sp>
       <p:sp>
         <p:nvSpPr>
-          <p:cNvPr id="6" name="Slide Number Placeholder 5">
-            <a:extLst>
-              <a:ext uri="{FF2B5EF4-FFF2-40B4-BE49-F238E27FC236}">
-                <a16:creationId xmlns:a16="http://schemas.microsoft.com/office/drawing/2014/main" id="{1E5154AE-1761-CAD5-0552-A9E2D93FE005}"/>
-              </a:ext>
-            </a:extLst>
-          </p:cNvPr>
+          <p:cNvPr id="6" name="Slide Number Placeholder 5"/>
           <p:cNvSpPr>
             <a:spLocks noGrp="1"/>
           </p:cNvSpPr>
@@ -352,7 +399,7 @@
     </p:spTree>
     <p:extLst>
       <p:ext uri="{BB962C8B-B14F-4D97-AF65-F5344CB8AC3E}">
-        <p14:creationId xmlns:p14="http://schemas.microsoft.com/office/powerpoint/2010/main" val="4079123242"/>
+        <p14:creationId xmlns:p14="http://schemas.microsoft.com/office/powerpoint/2010/main" val="2764364936"/>
       </p:ext>
     </p:extLst>
   </p:cSld>
@@ -363,6 +410,2125 @@
 </file>
 
 <file path=ppt/slideLayouts/slideLayout10.xml><?xml version="1.0" encoding="utf-8"?>
+<p:sldLayout xmlns:a="http://schemas.openxmlformats.org/drawingml/2006/main" xmlns:r="http://schemas.openxmlformats.org/officeDocument/2006/relationships" xmlns:p="http://schemas.openxmlformats.org/presentationml/2006/main" preserve="1">
+  <p:cSld name="Panoramic Picture with Caption">
+    <p:spTree>
+      <p:nvGrpSpPr>
+        <p:cNvPr id="1" name=""/>
+        <p:cNvGrpSpPr/>
+        <p:nvPr/>
+      </p:nvGrpSpPr>
+      <p:grpSpPr>
+        <a:xfrm>
+          <a:off x="0" y="0"/>
+          <a:ext cx="0" cy="0"/>
+          <a:chOff x="0" y="0"/>
+          <a:chExt cx="0" cy="0"/>
+        </a:xfrm>
+      </p:grpSpPr>
+      <p:sp>
+        <p:nvSpPr>
+          <p:cNvPr id="2" name="Title 1"/>
+          <p:cNvSpPr>
+            <a:spLocks noGrp="1"/>
+          </p:cNvSpPr>
+          <p:nvPr>
+            <p:ph type="title"/>
+          </p:nvPr>
+        </p:nvSpPr>
+        <p:spPr>
+          <a:xfrm>
+            <a:off x="1712120" y="7099298"/>
+            <a:ext cx="14859000" cy="850107"/>
+          </a:xfrm>
+        </p:spPr>
+        <p:txBody>
+          <a:bodyPr anchor="b">
+            <a:normAutofit/>
+          </a:bodyPr>
+          <a:lstStyle>
+            <a:lvl1pPr algn="l">
+              <a:defRPr sz="3600" b="0"/>
+            </a:lvl1pPr>
+          </a:lstStyle>
+          <a:p>
+            <a:r>
+              <a:rPr lang="en-US"/>
+              <a:t>Click to edit Master title style</a:t>
+            </a:r>
+            <a:endParaRPr lang="en-US" dirty="0"/>
+          </a:p>
+        </p:txBody>
+      </p:sp>
+      <p:sp>
+        <p:nvSpPr>
+          <p:cNvPr id="3" name="Picture Placeholder 2"/>
+          <p:cNvSpPr>
+            <a:spLocks noGrp="1" noChangeAspect="1"/>
+          </p:cNvSpPr>
+          <p:nvPr>
+            <p:ph type="pic" idx="1"/>
+          </p:nvPr>
+        </p:nvSpPr>
+        <p:spPr>
+          <a:xfrm>
+            <a:off x="2969418" y="1398168"/>
+            <a:ext cx="12338916" cy="4747464"/>
+          </a:xfrm>
+          <a:prstGeom prst="roundRect">
+            <a:avLst>
+              <a:gd name="adj" fmla="val 4380"/>
+            </a:avLst>
+          </a:prstGeom>
+          <a:ln w="38100">
+            <a:gradFill flip="none" rotWithShape="1">
+              <a:gsLst>
+                <a:gs pos="0">
+                  <a:schemeClr val="bg2"/>
+                </a:gs>
+                <a:gs pos="100000">
+                  <a:schemeClr val="bg2">
+                    <a:lumMod val="75000"/>
+                  </a:schemeClr>
+                </a:gs>
+              </a:gsLst>
+              <a:lin ang="5400000" scaled="0"/>
+              <a:tileRect/>
+            </a:gradFill>
+          </a:ln>
+          <a:effectLst>
+            <a:innerShdw blurRad="57150" dist="38100" dir="14460000">
+              <a:srgbClr val="000000">
+                <a:alpha val="70000"/>
+              </a:srgbClr>
+            </a:innerShdw>
+          </a:effectLst>
+        </p:spPr>
+        <p:txBody>
+          <a:bodyPr anchor="t">
+            <a:normAutofit/>
+          </a:bodyPr>
+          <a:lstStyle>
+            <a:lvl1pPr marL="0" indent="0" algn="ctr">
+              <a:buNone/>
+              <a:defRPr sz="2400"/>
+            </a:lvl1pPr>
+            <a:lvl2pPr marL="685800" indent="0">
+              <a:buNone/>
+              <a:defRPr sz="2400"/>
+            </a:lvl2pPr>
+            <a:lvl3pPr marL="1371600" indent="0">
+              <a:buNone/>
+              <a:defRPr sz="2400"/>
+            </a:lvl3pPr>
+            <a:lvl4pPr marL="2057400" indent="0">
+              <a:buNone/>
+              <a:defRPr sz="2400"/>
+            </a:lvl4pPr>
+            <a:lvl5pPr marL="2743200" indent="0">
+              <a:buNone/>
+              <a:defRPr sz="2400"/>
+            </a:lvl5pPr>
+            <a:lvl6pPr marL="3429000" indent="0">
+              <a:buNone/>
+              <a:defRPr sz="2400"/>
+            </a:lvl6pPr>
+            <a:lvl7pPr marL="4114800" indent="0">
+              <a:buNone/>
+              <a:defRPr sz="2400"/>
+            </a:lvl7pPr>
+            <a:lvl8pPr marL="4800600" indent="0">
+              <a:buNone/>
+              <a:defRPr sz="2400"/>
+            </a:lvl8pPr>
+            <a:lvl9pPr marL="5486400" indent="0">
+              <a:buNone/>
+              <a:defRPr sz="2400"/>
+            </a:lvl9pPr>
+          </a:lstStyle>
+          <a:p>
+            <a:r>
+              <a:rPr lang="en-US"/>
+              <a:t>Click icon to add picture</a:t>
+            </a:r>
+            <a:endParaRPr lang="en-US" dirty="0"/>
+          </a:p>
+        </p:txBody>
+      </p:sp>
+      <p:sp>
+        <p:nvSpPr>
+          <p:cNvPr id="4" name="Text Placeholder 3"/>
+          <p:cNvSpPr>
+            <a:spLocks noGrp="1"/>
+          </p:cNvSpPr>
+          <p:nvPr>
+            <p:ph type="body" sz="half" idx="2"/>
+          </p:nvPr>
+        </p:nvSpPr>
+        <p:spPr>
+          <a:xfrm>
+            <a:off x="1712120" y="7949405"/>
+            <a:ext cx="14859000" cy="740568"/>
+          </a:xfrm>
+        </p:spPr>
+        <p:txBody>
+          <a:bodyPr>
+            <a:normAutofit/>
+          </a:bodyPr>
+          <a:lstStyle>
+            <a:lvl1pPr marL="0" indent="0">
+              <a:buNone/>
+              <a:defRPr sz="2100"/>
+            </a:lvl1pPr>
+            <a:lvl2pPr marL="685800" indent="0">
+              <a:buNone/>
+              <a:defRPr sz="1800"/>
+            </a:lvl2pPr>
+            <a:lvl3pPr marL="1371600" indent="0">
+              <a:buNone/>
+              <a:defRPr sz="1500"/>
+            </a:lvl3pPr>
+            <a:lvl4pPr marL="2057400" indent="0">
+              <a:buNone/>
+              <a:defRPr sz="1350"/>
+            </a:lvl4pPr>
+            <a:lvl5pPr marL="2743200" indent="0">
+              <a:buNone/>
+              <a:defRPr sz="1350"/>
+            </a:lvl5pPr>
+            <a:lvl6pPr marL="3429000" indent="0">
+              <a:buNone/>
+              <a:defRPr sz="1350"/>
+            </a:lvl6pPr>
+            <a:lvl7pPr marL="4114800" indent="0">
+              <a:buNone/>
+              <a:defRPr sz="1350"/>
+            </a:lvl7pPr>
+            <a:lvl8pPr marL="4800600" indent="0">
+              <a:buNone/>
+              <a:defRPr sz="1350"/>
+            </a:lvl8pPr>
+            <a:lvl9pPr marL="5486400" indent="0">
+              <a:buNone/>
+              <a:defRPr sz="1350"/>
+            </a:lvl9pPr>
+          </a:lstStyle>
+          <a:p>
+            <a:pPr lvl="0"/>
+            <a:r>
+              <a:rPr lang="en-US"/>
+              <a:t>Click to edit Master text styles</a:t>
+            </a:r>
+          </a:p>
+        </p:txBody>
+      </p:sp>
+      <p:sp>
+        <p:nvSpPr>
+          <p:cNvPr id="5" name="Date Placeholder 4"/>
+          <p:cNvSpPr>
+            <a:spLocks noGrp="1"/>
+          </p:cNvSpPr>
+          <p:nvPr>
+            <p:ph type="dt" sz="half" idx="10"/>
+          </p:nvPr>
+        </p:nvSpPr>
+        <p:spPr/>
+        <p:txBody>
+          <a:bodyPr/>
+          <a:lstStyle/>
+          <a:p>
+            <a:fld id="{1D8BD707-D9CF-40AE-B4C6-C98DA3205C09}" type="datetimeFigureOut">
+              <a:rPr lang="en-US" smtClean="0"/>
+              <a:pPr/>
+              <a:t>9/30/2023</a:t>
+            </a:fld>
+            <a:endParaRPr lang="en-US"/>
+          </a:p>
+        </p:txBody>
+      </p:sp>
+      <p:sp>
+        <p:nvSpPr>
+          <p:cNvPr id="6" name="Footer Placeholder 5"/>
+          <p:cNvSpPr>
+            <a:spLocks noGrp="1"/>
+          </p:cNvSpPr>
+          <p:nvPr>
+            <p:ph type="ftr" sz="quarter" idx="11"/>
+          </p:nvPr>
+        </p:nvSpPr>
+        <p:spPr/>
+        <p:txBody>
+          <a:bodyPr/>
+          <a:lstStyle/>
+          <a:p>
+            <a:endParaRPr lang="en-US"/>
+          </a:p>
+        </p:txBody>
+      </p:sp>
+      <p:sp>
+        <p:nvSpPr>
+          <p:cNvPr id="7" name="Slide Number Placeholder 6"/>
+          <p:cNvSpPr>
+            <a:spLocks noGrp="1"/>
+          </p:cNvSpPr>
+          <p:nvPr>
+            <p:ph type="sldNum" sz="quarter" idx="12"/>
+          </p:nvPr>
+        </p:nvSpPr>
+        <p:spPr/>
+        <p:txBody>
+          <a:bodyPr/>
+          <a:lstStyle/>
+          <a:p>
+            <a:fld id="{B6F15528-21DE-4FAA-801E-634DDDAF4B2B}" type="slidenum">
+              <a:rPr lang="en-US" smtClean="0"/>
+              <a:pPr/>
+              <a:t>‹#›</a:t>
+            </a:fld>
+            <a:endParaRPr lang="en-US"/>
+          </a:p>
+        </p:txBody>
+      </p:sp>
+    </p:spTree>
+    <p:extLst>
+      <p:ext uri="{BB962C8B-B14F-4D97-AF65-F5344CB8AC3E}">
+        <p14:creationId xmlns:p14="http://schemas.microsoft.com/office/powerpoint/2010/main" val="4081735813"/>
+      </p:ext>
+    </p:extLst>
+  </p:cSld>
+  <p:clrMapOvr>
+    <a:masterClrMapping/>
+  </p:clrMapOvr>
+</p:sldLayout>
+</file>
+
+<file path=ppt/slideLayouts/slideLayout11.xml><?xml version="1.0" encoding="utf-8"?>
+<p:sldLayout xmlns:a="http://schemas.openxmlformats.org/drawingml/2006/main" xmlns:r="http://schemas.openxmlformats.org/officeDocument/2006/relationships" xmlns:p="http://schemas.openxmlformats.org/presentationml/2006/main" preserve="1">
+  <p:cSld name="Title and Caption">
+    <p:spTree>
+      <p:nvGrpSpPr>
+        <p:cNvPr id="1" name=""/>
+        <p:cNvGrpSpPr/>
+        <p:nvPr/>
+      </p:nvGrpSpPr>
+      <p:grpSpPr>
+        <a:xfrm>
+          <a:off x="0" y="0"/>
+          <a:ext cx="0" cy="0"/>
+          <a:chOff x="0" y="0"/>
+          <a:chExt cx="0" cy="0"/>
+        </a:xfrm>
+      </p:grpSpPr>
+      <p:sp>
+        <p:nvSpPr>
+          <p:cNvPr id="2" name="Title 1"/>
+          <p:cNvSpPr>
+            <a:spLocks noGrp="1"/>
+          </p:cNvSpPr>
+          <p:nvPr>
+            <p:ph type="title"/>
+          </p:nvPr>
+        </p:nvSpPr>
+        <p:spPr>
+          <a:xfrm>
+            <a:off x="1712119" y="914402"/>
+            <a:ext cx="14858999" cy="4686299"/>
+          </a:xfrm>
+        </p:spPr>
+        <p:txBody>
+          <a:bodyPr anchor="ctr">
+            <a:normAutofit/>
+          </a:bodyPr>
+          <a:lstStyle>
+            <a:lvl1pPr algn="l">
+              <a:defRPr sz="4800" b="0" cap="all"/>
+            </a:lvl1pPr>
+          </a:lstStyle>
+          <a:p>
+            <a:r>
+              <a:rPr lang="en-US"/>
+              <a:t>Click to edit Master title style</a:t>
+            </a:r>
+            <a:endParaRPr lang="en-US" dirty="0"/>
+          </a:p>
+        </p:txBody>
+      </p:sp>
+      <p:sp>
+        <p:nvSpPr>
+          <p:cNvPr id="3" name="Text Placeholder 2"/>
+          <p:cNvSpPr>
+            <a:spLocks noGrp="1"/>
+          </p:cNvSpPr>
+          <p:nvPr>
+            <p:ph type="body" idx="1"/>
+          </p:nvPr>
+        </p:nvSpPr>
+        <p:spPr>
+          <a:xfrm>
+            <a:off x="1712117" y="6515100"/>
+            <a:ext cx="14859000" cy="2171700"/>
+          </a:xfrm>
+        </p:spPr>
+        <p:txBody>
+          <a:bodyPr anchor="ctr">
+            <a:normAutofit/>
+          </a:bodyPr>
+          <a:lstStyle>
+            <a:lvl1pPr marL="0" indent="0" algn="l">
+              <a:buNone/>
+              <a:defRPr sz="3000">
+                <a:gradFill flip="none" rotWithShape="1">
+                  <a:gsLst>
+                    <a:gs pos="0">
+                      <a:schemeClr val="tx1"/>
+                    </a:gs>
+                    <a:gs pos="100000">
+                      <a:schemeClr val="tx1">
+                        <a:lumMod val="75000"/>
+                      </a:schemeClr>
+                    </a:gs>
+                  </a:gsLst>
+                  <a:lin ang="5400000" scaled="0"/>
+                  <a:tileRect/>
+                </a:gradFill>
+              </a:defRPr>
+            </a:lvl1pPr>
+            <a:lvl2pPr marL="685800" indent="0">
+              <a:buNone/>
+              <a:defRPr sz="2700">
+                <a:solidFill>
+                  <a:schemeClr val="tx1">
+                    <a:tint val="75000"/>
+                  </a:schemeClr>
+                </a:solidFill>
+              </a:defRPr>
+            </a:lvl2pPr>
+            <a:lvl3pPr marL="1371600" indent="0">
+              <a:buNone/>
+              <a:defRPr sz="2400">
+                <a:solidFill>
+                  <a:schemeClr val="tx1">
+                    <a:tint val="75000"/>
+                  </a:schemeClr>
+                </a:solidFill>
+              </a:defRPr>
+            </a:lvl3pPr>
+            <a:lvl4pPr marL="2057400" indent="0">
+              <a:buNone/>
+              <a:defRPr sz="2100">
+                <a:solidFill>
+                  <a:schemeClr val="tx1">
+                    <a:tint val="75000"/>
+                  </a:schemeClr>
+                </a:solidFill>
+              </a:defRPr>
+            </a:lvl4pPr>
+            <a:lvl5pPr marL="2743200" indent="0">
+              <a:buNone/>
+              <a:defRPr sz="2100">
+                <a:solidFill>
+                  <a:schemeClr val="tx1">
+                    <a:tint val="75000"/>
+                  </a:schemeClr>
+                </a:solidFill>
+              </a:defRPr>
+            </a:lvl5pPr>
+            <a:lvl6pPr marL="3429000" indent="0">
+              <a:buNone/>
+              <a:defRPr sz="2100">
+                <a:solidFill>
+                  <a:schemeClr val="tx1">
+                    <a:tint val="75000"/>
+                  </a:schemeClr>
+                </a:solidFill>
+              </a:defRPr>
+            </a:lvl6pPr>
+            <a:lvl7pPr marL="4114800" indent="0">
+              <a:buNone/>
+              <a:defRPr sz="2100">
+                <a:solidFill>
+                  <a:schemeClr val="tx1">
+                    <a:tint val="75000"/>
+                  </a:schemeClr>
+                </a:solidFill>
+              </a:defRPr>
+            </a:lvl7pPr>
+            <a:lvl8pPr marL="4800600" indent="0">
+              <a:buNone/>
+              <a:defRPr sz="2100">
+                <a:solidFill>
+                  <a:schemeClr val="tx1">
+                    <a:tint val="75000"/>
+                  </a:schemeClr>
+                </a:solidFill>
+              </a:defRPr>
+            </a:lvl8pPr>
+            <a:lvl9pPr marL="5486400" indent="0">
+              <a:buNone/>
+              <a:defRPr sz="2100">
+                <a:solidFill>
+                  <a:schemeClr val="tx1">
+                    <a:tint val="75000"/>
+                  </a:schemeClr>
+                </a:solidFill>
+              </a:defRPr>
+            </a:lvl9pPr>
+          </a:lstStyle>
+          <a:p>
+            <a:pPr lvl="0"/>
+            <a:r>
+              <a:rPr lang="en-US"/>
+              <a:t>Click to edit Master text styles</a:t>
+            </a:r>
+          </a:p>
+        </p:txBody>
+      </p:sp>
+      <p:sp>
+        <p:nvSpPr>
+          <p:cNvPr id="4" name="Date Placeholder 3"/>
+          <p:cNvSpPr>
+            <a:spLocks noGrp="1"/>
+          </p:cNvSpPr>
+          <p:nvPr>
+            <p:ph type="dt" sz="half" idx="10"/>
+          </p:nvPr>
+        </p:nvSpPr>
+        <p:spPr/>
+        <p:txBody>
+          <a:bodyPr/>
+          <a:lstStyle/>
+          <a:p>
+            <a:fld id="{1D8BD707-D9CF-40AE-B4C6-C98DA3205C09}" type="datetimeFigureOut">
+              <a:rPr lang="en-US" smtClean="0"/>
+              <a:pPr/>
+              <a:t>9/30/2023</a:t>
+            </a:fld>
+            <a:endParaRPr lang="en-US"/>
+          </a:p>
+        </p:txBody>
+      </p:sp>
+      <p:sp>
+        <p:nvSpPr>
+          <p:cNvPr id="5" name="Footer Placeholder 4"/>
+          <p:cNvSpPr>
+            <a:spLocks noGrp="1"/>
+          </p:cNvSpPr>
+          <p:nvPr>
+            <p:ph type="ftr" sz="quarter" idx="11"/>
+          </p:nvPr>
+        </p:nvSpPr>
+        <p:spPr/>
+        <p:txBody>
+          <a:bodyPr/>
+          <a:lstStyle/>
+          <a:p>
+            <a:endParaRPr lang="en-US"/>
+          </a:p>
+        </p:txBody>
+      </p:sp>
+      <p:sp>
+        <p:nvSpPr>
+          <p:cNvPr id="6" name="Slide Number Placeholder 5"/>
+          <p:cNvSpPr>
+            <a:spLocks noGrp="1"/>
+          </p:cNvSpPr>
+          <p:nvPr>
+            <p:ph type="sldNum" sz="quarter" idx="12"/>
+          </p:nvPr>
+        </p:nvSpPr>
+        <p:spPr/>
+        <p:txBody>
+          <a:bodyPr/>
+          <a:lstStyle/>
+          <a:p>
+            <a:fld id="{B6F15528-21DE-4FAA-801E-634DDDAF4B2B}" type="slidenum">
+              <a:rPr lang="en-US" smtClean="0"/>
+              <a:pPr/>
+              <a:t>‹#›</a:t>
+            </a:fld>
+            <a:endParaRPr lang="en-US"/>
+          </a:p>
+        </p:txBody>
+      </p:sp>
+    </p:spTree>
+    <p:extLst>
+      <p:ext uri="{BB962C8B-B14F-4D97-AF65-F5344CB8AC3E}">
+        <p14:creationId xmlns:p14="http://schemas.microsoft.com/office/powerpoint/2010/main" val="3986059901"/>
+      </p:ext>
+    </p:extLst>
+  </p:cSld>
+  <p:clrMapOvr>
+    <a:masterClrMapping/>
+  </p:clrMapOvr>
+</p:sldLayout>
+</file>
+
+<file path=ppt/slideLayouts/slideLayout12.xml><?xml version="1.0" encoding="utf-8"?>
+<p:sldLayout xmlns:a="http://schemas.openxmlformats.org/drawingml/2006/main" xmlns:r="http://schemas.openxmlformats.org/officeDocument/2006/relationships" xmlns:p="http://schemas.openxmlformats.org/presentationml/2006/main" preserve="1">
+  <p:cSld name="Quote with Caption">
+    <p:spTree>
+      <p:nvGrpSpPr>
+        <p:cNvPr id="1" name=""/>
+        <p:cNvGrpSpPr/>
+        <p:nvPr/>
+      </p:nvGrpSpPr>
+      <p:grpSpPr>
+        <a:xfrm>
+          <a:off x="0" y="0"/>
+          <a:ext cx="0" cy="0"/>
+          <a:chOff x="0" y="0"/>
+          <a:chExt cx="0" cy="0"/>
+        </a:xfrm>
+      </p:grpSpPr>
+      <p:sp>
+        <p:nvSpPr>
+          <p:cNvPr id="14" name="TextBox 13"/>
+          <p:cNvSpPr txBox="1"/>
+          <p:nvPr/>
+        </p:nvSpPr>
+        <p:spPr>
+          <a:xfrm>
+            <a:off x="1254918" y="1180236"/>
+            <a:ext cx="914400" cy="877164"/>
+          </a:xfrm>
+          <a:prstGeom prst="rect">
+            <a:avLst/>
+          </a:prstGeom>
+        </p:spPr>
+        <p:txBody>
+          <a:bodyPr vert="horz" lIns="137160" tIns="68580" rIns="137160" bIns="68580" rtlCol="0" anchor="ctr">
+            <a:noAutofit/>
+          </a:bodyPr>
+          <a:lstStyle>
+            <a:lvl1pPr>
+              <a:spcBef>
+                <a:spcPct val="0"/>
+              </a:spcBef>
+              <a:buNone/>
+              <a:defRPr sz="3200" b="0" cap="all">
+                <a:ln w="3175" cmpd="sng">
+                  <a:noFill/>
+                </a:ln>
+                <a:effectLst>
+                  <a:glow rad="38100">
+                    <a:schemeClr val="bg1">
+                      <a:lumMod val="65000"/>
+                      <a:lumOff val="35000"/>
+                      <a:alpha val="40000"/>
+                    </a:schemeClr>
+                  </a:glow>
+                  <a:outerShdw blurRad="28575" dist="38100" dir="14040000" algn="tl" rotWithShape="0">
+                    <a:srgbClr val="000000">
+                      <a:alpha val="25000"/>
+                    </a:srgbClr>
+                  </a:outerShdw>
+                </a:effectLst>
+              </a:defRPr>
+            </a:lvl1pPr>
+            <a:lvl2pPr>
+              <a:defRPr>
+                <a:solidFill>
+                  <a:schemeClr val="tx2"/>
+                </a:solidFill>
+              </a:defRPr>
+            </a:lvl2pPr>
+            <a:lvl3pPr>
+              <a:defRPr>
+                <a:solidFill>
+                  <a:schemeClr val="tx2"/>
+                </a:solidFill>
+              </a:defRPr>
+            </a:lvl3pPr>
+            <a:lvl4pPr>
+              <a:defRPr>
+                <a:solidFill>
+                  <a:schemeClr val="tx2"/>
+                </a:solidFill>
+              </a:defRPr>
+            </a:lvl4pPr>
+            <a:lvl5pPr>
+              <a:defRPr>
+                <a:solidFill>
+                  <a:schemeClr val="tx2"/>
+                </a:solidFill>
+              </a:defRPr>
+            </a:lvl5pPr>
+            <a:lvl6pPr>
+              <a:defRPr>
+                <a:solidFill>
+                  <a:schemeClr val="tx2"/>
+                </a:solidFill>
+              </a:defRPr>
+            </a:lvl6pPr>
+            <a:lvl7pPr>
+              <a:defRPr>
+                <a:solidFill>
+                  <a:schemeClr val="tx2"/>
+                </a:solidFill>
+              </a:defRPr>
+            </a:lvl7pPr>
+            <a:lvl8pPr>
+              <a:defRPr>
+                <a:solidFill>
+                  <a:schemeClr val="tx2"/>
+                </a:solidFill>
+              </a:defRPr>
+            </a:lvl8pPr>
+            <a:lvl9pPr>
+              <a:defRPr>
+                <a:solidFill>
+                  <a:schemeClr val="tx2"/>
+                </a:solidFill>
+              </a:defRPr>
+            </a:lvl9pPr>
+          </a:lstStyle>
+          <a:p>
+            <a:pPr lvl="0"/>
+            <a:r>
+              <a:rPr lang="en-US" sz="12000" dirty="0">
+                <a:solidFill>
+                  <a:schemeClr val="accent1"/>
+                </a:solidFill>
+              </a:rPr>
+              <a:t>“</a:t>
+            </a:r>
+          </a:p>
+        </p:txBody>
+      </p:sp>
+      <p:sp>
+        <p:nvSpPr>
+          <p:cNvPr id="15" name="TextBox 14"/>
+          <p:cNvSpPr txBox="1"/>
+          <p:nvPr/>
+        </p:nvSpPr>
+        <p:spPr>
+          <a:xfrm>
+            <a:off x="15656718" y="4114800"/>
+            <a:ext cx="914400" cy="877164"/>
+          </a:xfrm>
+          <a:prstGeom prst="rect">
+            <a:avLst/>
+          </a:prstGeom>
+        </p:spPr>
+        <p:txBody>
+          <a:bodyPr vert="horz" lIns="137160" tIns="68580" rIns="137160" bIns="68580" rtlCol="0" anchor="ctr">
+            <a:noAutofit/>
+          </a:bodyPr>
+          <a:lstStyle>
+            <a:lvl1pPr>
+              <a:spcBef>
+                <a:spcPct val="0"/>
+              </a:spcBef>
+              <a:buNone/>
+              <a:defRPr sz="3200" b="0" cap="all">
+                <a:ln w="3175" cmpd="sng">
+                  <a:noFill/>
+                </a:ln>
+                <a:effectLst>
+                  <a:glow rad="38100">
+                    <a:schemeClr val="bg1">
+                      <a:lumMod val="65000"/>
+                      <a:lumOff val="35000"/>
+                      <a:alpha val="40000"/>
+                    </a:schemeClr>
+                  </a:glow>
+                  <a:outerShdw blurRad="28575" dist="38100" dir="14040000" algn="tl" rotWithShape="0">
+                    <a:srgbClr val="000000">
+                      <a:alpha val="25000"/>
+                    </a:srgbClr>
+                  </a:outerShdw>
+                </a:effectLst>
+              </a:defRPr>
+            </a:lvl1pPr>
+            <a:lvl2pPr>
+              <a:defRPr>
+                <a:solidFill>
+                  <a:schemeClr val="tx2"/>
+                </a:solidFill>
+              </a:defRPr>
+            </a:lvl2pPr>
+            <a:lvl3pPr>
+              <a:defRPr>
+                <a:solidFill>
+                  <a:schemeClr val="tx2"/>
+                </a:solidFill>
+              </a:defRPr>
+            </a:lvl3pPr>
+            <a:lvl4pPr>
+              <a:defRPr>
+                <a:solidFill>
+                  <a:schemeClr val="tx2"/>
+                </a:solidFill>
+              </a:defRPr>
+            </a:lvl4pPr>
+            <a:lvl5pPr>
+              <a:defRPr>
+                <a:solidFill>
+                  <a:schemeClr val="tx2"/>
+                </a:solidFill>
+              </a:defRPr>
+            </a:lvl5pPr>
+            <a:lvl6pPr>
+              <a:defRPr>
+                <a:solidFill>
+                  <a:schemeClr val="tx2"/>
+                </a:solidFill>
+              </a:defRPr>
+            </a:lvl6pPr>
+            <a:lvl7pPr>
+              <a:defRPr>
+                <a:solidFill>
+                  <a:schemeClr val="tx2"/>
+                </a:solidFill>
+              </a:defRPr>
+            </a:lvl7pPr>
+            <a:lvl8pPr>
+              <a:defRPr>
+                <a:solidFill>
+                  <a:schemeClr val="tx2"/>
+                </a:solidFill>
+              </a:defRPr>
+            </a:lvl8pPr>
+            <a:lvl9pPr>
+              <a:defRPr>
+                <a:solidFill>
+                  <a:schemeClr val="tx2"/>
+                </a:solidFill>
+              </a:defRPr>
+            </a:lvl9pPr>
+          </a:lstStyle>
+          <a:p>
+            <a:pPr lvl="0" algn="r"/>
+            <a:r>
+              <a:rPr lang="en-US" sz="12000" dirty="0">
+                <a:solidFill>
+                  <a:schemeClr val="accent1"/>
+                </a:solidFill>
+              </a:rPr>
+              <a:t>”</a:t>
+            </a:r>
+          </a:p>
+        </p:txBody>
+      </p:sp>
+      <p:sp>
+        <p:nvSpPr>
+          <p:cNvPr id="2" name="Title 1"/>
+          <p:cNvSpPr>
+            <a:spLocks noGrp="1"/>
+          </p:cNvSpPr>
+          <p:nvPr>
+            <p:ph type="title"/>
+          </p:nvPr>
+        </p:nvSpPr>
+        <p:spPr>
+          <a:xfrm>
+            <a:off x="2169320" y="914402"/>
+            <a:ext cx="13944597" cy="4114799"/>
+          </a:xfrm>
+        </p:spPr>
+        <p:txBody>
+          <a:bodyPr anchor="ctr">
+            <a:normAutofit/>
+          </a:bodyPr>
+          <a:lstStyle>
+            <a:lvl1pPr algn="l">
+              <a:defRPr sz="4800" b="0" cap="all">
+                <a:solidFill>
+                  <a:schemeClr val="tx1"/>
+                </a:solidFill>
+              </a:defRPr>
+            </a:lvl1pPr>
+          </a:lstStyle>
+          <a:p>
+            <a:r>
+              <a:rPr lang="en-US"/>
+              <a:t>Click to edit Master title style</a:t>
+            </a:r>
+            <a:endParaRPr lang="en-US" dirty="0"/>
+          </a:p>
+        </p:txBody>
+      </p:sp>
+      <p:sp>
+        <p:nvSpPr>
+          <p:cNvPr id="10" name="Text Placeholder 9"/>
+          <p:cNvSpPr>
+            <a:spLocks noGrp="1"/>
+          </p:cNvSpPr>
+          <p:nvPr>
+            <p:ph type="body" sz="quarter" idx="13"/>
+          </p:nvPr>
+        </p:nvSpPr>
+        <p:spPr>
+          <a:xfrm>
+            <a:off x="2512218" y="5029200"/>
+            <a:ext cx="13258803" cy="571500"/>
+          </a:xfrm>
+        </p:spPr>
+        <p:txBody>
+          <a:bodyPr anchor="ctr"/>
+          <a:lstStyle>
+            <a:lvl1pPr marL="0" indent="0">
+              <a:buFontTx/>
+              <a:buNone/>
+              <a:defRPr/>
+            </a:lvl1pPr>
+            <a:lvl2pPr marL="685800" indent="0">
+              <a:buFontTx/>
+              <a:buNone/>
+              <a:defRPr/>
+            </a:lvl2pPr>
+            <a:lvl3pPr marL="1371600" indent="0">
+              <a:buFontTx/>
+              <a:buNone/>
+              <a:defRPr/>
+            </a:lvl3pPr>
+            <a:lvl4pPr marL="2057400" indent="0">
+              <a:buFontTx/>
+              <a:buNone/>
+              <a:defRPr/>
+            </a:lvl4pPr>
+            <a:lvl5pPr marL="2743200" indent="0">
+              <a:buFontTx/>
+              <a:buNone/>
+              <a:defRPr/>
+            </a:lvl5pPr>
+          </a:lstStyle>
+          <a:p>
+            <a:pPr lvl="0"/>
+            <a:r>
+              <a:rPr lang="en-US"/>
+              <a:t>Click to edit Master text styles</a:t>
+            </a:r>
+          </a:p>
+        </p:txBody>
+      </p:sp>
+      <p:sp>
+        <p:nvSpPr>
+          <p:cNvPr id="3" name="Text Placeholder 2"/>
+          <p:cNvSpPr>
+            <a:spLocks noGrp="1"/>
+          </p:cNvSpPr>
+          <p:nvPr>
+            <p:ph type="body" idx="1"/>
+          </p:nvPr>
+        </p:nvSpPr>
+        <p:spPr>
+          <a:xfrm>
+            <a:off x="1712117" y="6515100"/>
+            <a:ext cx="14859000" cy="2171700"/>
+          </a:xfrm>
+        </p:spPr>
+        <p:txBody>
+          <a:bodyPr vert="horz" lIns="91440" tIns="45720" rIns="91440" bIns="45720" rtlCol="0" anchor="ctr">
+            <a:normAutofit/>
+          </a:bodyPr>
+          <a:lstStyle>
+            <a:lvl1pPr>
+              <a:buNone/>
+              <a:defRPr lang="en-US" sz="3000">
+                <a:gradFill flip="none" rotWithShape="1">
+                  <a:gsLst>
+                    <a:gs pos="0">
+                      <a:schemeClr val="tx1"/>
+                    </a:gs>
+                    <a:gs pos="100000">
+                      <a:schemeClr val="tx1">
+                        <a:lumMod val="75000"/>
+                      </a:schemeClr>
+                    </a:gs>
+                  </a:gsLst>
+                  <a:lin ang="5400000" scaled="0"/>
+                  <a:tileRect/>
+                </a:gradFill>
+              </a:defRPr>
+            </a:lvl1pPr>
+          </a:lstStyle>
+          <a:p>
+            <a:pPr marL="0" lvl="0" indent="0">
+              <a:buNone/>
+            </a:pPr>
+            <a:r>
+              <a:rPr lang="en-US"/>
+              <a:t>Click to edit Master text styles</a:t>
+            </a:r>
+          </a:p>
+        </p:txBody>
+      </p:sp>
+      <p:sp>
+        <p:nvSpPr>
+          <p:cNvPr id="4" name="Date Placeholder 3"/>
+          <p:cNvSpPr>
+            <a:spLocks noGrp="1"/>
+          </p:cNvSpPr>
+          <p:nvPr>
+            <p:ph type="dt" sz="half" idx="10"/>
+          </p:nvPr>
+        </p:nvSpPr>
+        <p:spPr/>
+        <p:txBody>
+          <a:bodyPr/>
+          <a:lstStyle/>
+          <a:p>
+            <a:fld id="{1D8BD707-D9CF-40AE-B4C6-C98DA3205C09}" type="datetimeFigureOut">
+              <a:rPr lang="en-US" smtClean="0"/>
+              <a:pPr/>
+              <a:t>9/30/2023</a:t>
+            </a:fld>
+            <a:endParaRPr lang="en-US"/>
+          </a:p>
+        </p:txBody>
+      </p:sp>
+      <p:sp>
+        <p:nvSpPr>
+          <p:cNvPr id="5" name="Footer Placeholder 4"/>
+          <p:cNvSpPr>
+            <a:spLocks noGrp="1"/>
+          </p:cNvSpPr>
+          <p:nvPr>
+            <p:ph type="ftr" sz="quarter" idx="11"/>
+          </p:nvPr>
+        </p:nvSpPr>
+        <p:spPr/>
+        <p:txBody>
+          <a:bodyPr/>
+          <a:lstStyle/>
+          <a:p>
+            <a:endParaRPr lang="en-US"/>
+          </a:p>
+        </p:txBody>
+      </p:sp>
+      <p:sp>
+        <p:nvSpPr>
+          <p:cNvPr id="6" name="Slide Number Placeholder 5"/>
+          <p:cNvSpPr>
+            <a:spLocks noGrp="1"/>
+          </p:cNvSpPr>
+          <p:nvPr>
+            <p:ph type="sldNum" sz="quarter" idx="12"/>
+          </p:nvPr>
+        </p:nvSpPr>
+        <p:spPr/>
+        <p:txBody>
+          <a:bodyPr/>
+          <a:lstStyle/>
+          <a:p>
+            <a:fld id="{B6F15528-21DE-4FAA-801E-634DDDAF4B2B}" type="slidenum">
+              <a:rPr lang="en-US" smtClean="0"/>
+              <a:pPr/>
+              <a:t>‹#›</a:t>
+            </a:fld>
+            <a:endParaRPr lang="en-US"/>
+          </a:p>
+        </p:txBody>
+      </p:sp>
+    </p:spTree>
+    <p:extLst>
+      <p:ext uri="{BB962C8B-B14F-4D97-AF65-F5344CB8AC3E}">
+        <p14:creationId xmlns:p14="http://schemas.microsoft.com/office/powerpoint/2010/main" val="1745521370"/>
+      </p:ext>
+    </p:extLst>
+  </p:cSld>
+  <p:clrMapOvr>
+    <a:masterClrMapping/>
+  </p:clrMapOvr>
+</p:sldLayout>
+</file>
+
+<file path=ppt/slideLayouts/slideLayout13.xml><?xml version="1.0" encoding="utf-8"?>
+<p:sldLayout xmlns:a="http://schemas.openxmlformats.org/drawingml/2006/main" xmlns:r="http://schemas.openxmlformats.org/officeDocument/2006/relationships" xmlns:p="http://schemas.openxmlformats.org/presentationml/2006/main" preserve="1">
+  <p:cSld name="Name Card">
+    <p:spTree>
+      <p:nvGrpSpPr>
+        <p:cNvPr id="1" name=""/>
+        <p:cNvGrpSpPr/>
+        <p:nvPr/>
+      </p:nvGrpSpPr>
+      <p:grpSpPr>
+        <a:xfrm>
+          <a:off x="0" y="0"/>
+          <a:ext cx="0" cy="0"/>
+          <a:chOff x="0" y="0"/>
+          <a:chExt cx="0" cy="0"/>
+        </a:xfrm>
+      </p:grpSpPr>
+      <p:sp>
+        <p:nvSpPr>
+          <p:cNvPr id="2" name="Title 1"/>
+          <p:cNvSpPr>
+            <a:spLocks noGrp="1"/>
+          </p:cNvSpPr>
+          <p:nvPr>
+            <p:ph type="title"/>
+          </p:nvPr>
+        </p:nvSpPr>
+        <p:spPr>
+          <a:xfrm>
+            <a:off x="1712118" y="4962872"/>
+            <a:ext cx="14859000" cy="2203200"/>
+          </a:xfrm>
+        </p:spPr>
+        <p:txBody>
+          <a:bodyPr anchor="b">
+            <a:normAutofit/>
+          </a:bodyPr>
+          <a:lstStyle>
+            <a:lvl1pPr algn="l">
+              <a:defRPr sz="4800" b="0" cap="all"/>
+            </a:lvl1pPr>
+          </a:lstStyle>
+          <a:p>
+            <a:r>
+              <a:rPr lang="en-US"/>
+              <a:t>Click to edit Master title style</a:t>
+            </a:r>
+            <a:endParaRPr lang="en-US" dirty="0"/>
+          </a:p>
+        </p:txBody>
+      </p:sp>
+      <p:sp>
+        <p:nvSpPr>
+          <p:cNvPr id="3" name="Text Placeholder 2"/>
+          <p:cNvSpPr>
+            <a:spLocks noGrp="1"/>
+          </p:cNvSpPr>
+          <p:nvPr>
+            <p:ph type="body" idx="1"/>
+          </p:nvPr>
+        </p:nvSpPr>
+        <p:spPr>
+          <a:xfrm>
+            <a:off x="1712116" y="7166072"/>
+            <a:ext cx="14859002" cy="1290600"/>
+          </a:xfrm>
+        </p:spPr>
+        <p:txBody>
+          <a:bodyPr vert="horz" lIns="91440" tIns="45720" rIns="91440" bIns="45720" rtlCol="0" anchor="t">
+            <a:normAutofit/>
+          </a:bodyPr>
+          <a:lstStyle>
+            <a:lvl1pPr>
+              <a:defRPr lang="en-US" sz="3000">
+                <a:gradFill flip="none" rotWithShape="1">
+                  <a:gsLst>
+                    <a:gs pos="0">
+                      <a:schemeClr val="tx1"/>
+                    </a:gs>
+                    <a:gs pos="100000">
+                      <a:schemeClr val="tx1">
+                        <a:lumMod val="75000"/>
+                      </a:schemeClr>
+                    </a:gs>
+                  </a:gsLst>
+                  <a:lin ang="5400000" scaled="0"/>
+                  <a:tileRect/>
+                </a:gradFill>
+              </a:defRPr>
+            </a:lvl1pPr>
+          </a:lstStyle>
+          <a:p>
+            <a:pPr marL="0" lvl="0" indent="0">
+              <a:buNone/>
+            </a:pPr>
+            <a:r>
+              <a:rPr lang="en-US"/>
+              <a:t>Click to edit Master text styles</a:t>
+            </a:r>
+          </a:p>
+        </p:txBody>
+      </p:sp>
+      <p:sp>
+        <p:nvSpPr>
+          <p:cNvPr id="4" name="Date Placeholder 3"/>
+          <p:cNvSpPr>
+            <a:spLocks noGrp="1"/>
+          </p:cNvSpPr>
+          <p:nvPr>
+            <p:ph type="dt" sz="half" idx="10"/>
+          </p:nvPr>
+        </p:nvSpPr>
+        <p:spPr/>
+        <p:txBody>
+          <a:bodyPr/>
+          <a:lstStyle/>
+          <a:p>
+            <a:fld id="{1D8BD707-D9CF-40AE-B4C6-C98DA3205C09}" type="datetimeFigureOut">
+              <a:rPr lang="en-US" smtClean="0"/>
+              <a:pPr/>
+              <a:t>9/30/2023</a:t>
+            </a:fld>
+            <a:endParaRPr lang="en-US"/>
+          </a:p>
+        </p:txBody>
+      </p:sp>
+      <p:sp>
+        <p:nvSpPr>
+          <p:cNvPr id="5" name="Footer Placeholder 4"/>
+          <p:cNvSpPr>
+            <a:spLocks noGrp="1"/>
+          </p:cNvSpPr>
+          <p:nvPr>
+            <p:ph type="ftr" sz="quarter" idx="11"/>
+          </p:nvPr>
+        </p:nvSpPr>
+        <p:spPr/>
+        <p:txBody>
+          <a:bodyPr/>
+          <a:lstStyle/>
+          <a:p>
+            <a:endParaRPr lang="en-US"/>
+          </a:p>
+        </p:txBody>
+      </p:sp>
+      <p:sp>
+        <p:nvSpPr>
+          <p:cNvPr id="6" name="Slide Number Placeholder 5"/>
+          <p:cNvSpPr>
+            <a:spLocks noGrp="1"/>
+          </p:cNvSpPr>
+          <p:nvPr>
+            <p:ph type="sldNum" sz="quarter" idx="12"/>
+          </p:nvPr>
+        </p:nvSpPr>
+        <p:spPr/>
+        <p:txBody>
+          <a:bodyPr/>
+          <a:lstStyle/>
+          <a:p>
+            <a:fld id="{B6F15528-21DE-4FAA-801E-634DDDAF4B2B}" type="slidenum">
+              <a:rPr lang="en-US" smtClean="0"/>
+              <a:pPr/>
+              <a:t>‹#›</a:t>
+            </a:fld>
+            <a:endParaRPr lang="en-US"/>
+          </a:p>
+        </p:txBody>
+      </p:sp>
+    </p:spTree>
+    <p:extLst>
+      <p:ext uri="{BB962C8B-B14F-4D97-AF65-F5344CB8AC3E}">
+        <p14:creationId xmlns:p14="http://schemas.microsoft.com/office/powerpoint/2010/main" val="2025771838"/>
+      </p:ext>
+    </p:extLst>
+  </p:cSld>
+  <p:clrMapOvr>
+    <a:masterClrMapping/>
+  </p:clrMapOvr>
+</p:sldLayout>
+</file>
+
+<file path=ppt/slideLayouts/slideLayout14.xml><?xml version="1.0" encoding="utf-8"?>
+<p:sldLayout xmlns:a="http://schemas.openxmlformats.org/drawingml/2006/main" xmlns:r="http://schemas.openxmlformats.org/officeDocument/2006/relationships" xmlns:p="http://schemas.openxmlformats.org/presentationml/2006/main" preserve="1">
+  <p:cSld name="Quote Name Card">
+    <p:spTree>
+      <p:nvGrpSpPr>
+        <p:cNvPr id="1" name=""/>
+        <p:cNvGrpSpPr/>
+        <p:nvPr/>
+      </p:nvGrpSpPr>
+      <p:grpSpPr>
+        <a:xfrm>
+          <a:off x="0" y="0"/>
+          <a:ext cx="0" cy="0"/>
+          <a:chOff x="0" y="0"/>
+          <a:chExt cx="0" cy="0"/>
+        </a:xfrm>
+      </p:grpSpPr>
+      <p:sp>
+        <p:nvSpPr>
+          <p:cNvPr id="14" name="TextBox 13"/>
+          <p:cNvSpPr txBox="1"/>
+          <p:nvPr/>
+        </p:nvSpPr>
+        <p:spPr>
+          <a:xfrm>
+            <a:off x="1254918" y="1180236"/>
+            <a:ext cx="914400" cy="877164"/>
+          </a:xfrm>
+          <a:prstGeom prst="rect">
+            <a:avLst/>
+          </a:prstGeom>
+        </p:spPr>
+        <p:txBody>
+          <a:bodyPr vert="horz" lIns="137160" tIns="68580" rIns="137160" bIns="68580" rtlCol="0" anchor="ctr">
+            <a:noAutofit/>
+          </a:bodyPr>
+          <a:lstStyle>
+            <a:lvl1pPr>
+              <a:spcBef>
+                <a:spcPct val="0"/>
+              </a:spcBef>
+              <a:buNone/>
+              <a:defRPr sz="3200" b="0" cap="all">
+                <a:ln w="3175" cmpd="sng">
+                  <a:noFill/>
+                </a:ln>
+                <a:effectLst>
+                  <a:glow rad="38100">
+                    <a:schemeClr val="bg1">
+                      <a:lumMod val="65000"/>
+                      <a:lumOff val="35000"/>
+                      <a:alpha val="40000"/>
+                    </a:schemeClr>
+                  </a:glow>
+                  <a:outerShdw blurRad="28575" dist="38100" dir="14040000" algn="tl" rotWithShape="0">
+                    <a:srgbClr val="000000">
+                      <a:alpha val="25000"/>
+                    </a:srgbClr>
+                  </a:outerShdw>
+                </a:effectLst>
+              </a:defRPr>
+            </a:lvl1pPr>
+            <a:lvl2pPr>
+              <a:defRPr>
+                <a:solidFill>
+                  <a:schemeClr val="tx2"/>
+                </a:solidFill>
+              </a:defRPr>
+            </a:lvl2pPr>
+            <a:lvl3pPr>
+              <a:defRPr>
+                <a:solidFill>
+                  <a:schemeClr val="tx2"/>
+                </a:solidFill>
+              </a:defRPr>
+            </a:lvl3pPr>
+            <a:lvl4pPr>
+              <a:defRPr>
+                <a:solidFill>
+                  <a:schemeClr val="tx2"/>
+                </a:solidFill>
+              </a:defRPr>
+            </a:lvl4pPr>
+            <a:lvl5pPr>
+              <a:defRPr>
+                <a:solidFill>
+                  <a:schemeClr val="tx2"/>
+                </a:solidFill>
+              </a:defRPr>
+            </a:lvl5pPr>
+            <a:lvl6pPr>
+              <a:defRPr>
+                <a:solidFill>
+                  <a:schemeClr val="tx2"/>
+                </a:solidFill>
+              </a:defRPr>
+            </a:lvl6pPr>
+            <a:lvl7pPr>
+              <a:defRPr>
+                <a:solidFill>
+                  <a:schemeClr val="tx2"/>
+                </a:solidFill>
+              </a:defRPr>
+            </a:lvl7pPr>
+            <a:lvl8pPr>
+              <a:defRPr>
+                <a:solidFill>
+                  <a:schemeClr val="tx2"/>
+                </a:solidFill>
+              </a:defRPr>
+            </a:lvl8pPr>
+            <a:lvl9pPr>
+              <a:defRPr>
+                <a:solidFill>
+                  <a:schemeClr val="tx2"/>
+                </a:solidFill>
+              </a:defRPr>
+            </a:lvl9pPr>
+          </a:lstStyle>
+          <a:p>
+            <a:pPr lvl="0"/>
+            <a:r>
+              <a:rPr lang="en-US" sz="12000" dirty="0">
+                <a:solidFill>
+                  <a:schemeClr val="accent1"/>
+                </a:solidFill>
+              </a:rPr>
+              <a:t>“</a:t>
+            </a:r>
+          </a:p>
+        </p:txBody>
+      </p:sp>
+      <p:sp>
+        <p:nvSpPr>
+          <p:cNvPr id="15" name="TextBox 14"/>
+          <p:cNvSpPr txBox="1"/>
+          <p:nvPr/>
+        </p:nvSpPr>
+        <p:spPr>
+          <a:xfrm>
+            <a:off x="15656718" y="4114800"/>
+            <a:ext cx="914400" cy="877164"/>
+          </a:xfrm>
+          <a:prstGeom prst="rect">
+            <a:avLst/>
+          </a:prstGeom>
+        </p:spPr>
+        <p:txBody>
+          <a:bodyPr vert="horz" lIns="137160" tIns="68580" rIns="137160" bIns="68580" rtlCol="0" anchor="ctr">
+            <a:noAutofit/>
+          </a:bodyPr>
+          <a:lstStyle>
+            <a:lvl1pPr>
+              <a:spcBef>
+                <a:spcPct val="0"/>
+              </a:spcBef>
+              <a:buNone/>
+              <a:defRPr sz="3200" b="0" cap="all">
+                <a:ln w="3175" cmpd="sng">
+                  <a:noFill/>
+                </a:ln>
+                <a:effectLst>
+                  <a:glow rad="38100">
+                    <a:schemeClr val="bg1">
+                      <a:lumMod val="65000"/>
+                      <a:lumOff val="35000"/>
+                      <a:alpha val="40000"/>
+                    </a:schemeClr>
+                  </a:glow>
+                  <a:outerShdw blurRad="28575" dist="38100" dir="14040000" algn="tl" rotWithShape="0">
+                    <a:srgbClr val="000000">
+                      <a:alpha val="25000"/>
+                    </a:srgbClr>
+                  </a:outerShdw>
+                </a:effectLst>
+              </a:defRPr>
+            </a:lvl1pPr>
+            <a:lvl2pPr>
+              <a:defRPr>
+                <a:solidFill>
+                  <a:schemeClr val="tx2"/>
+                </a:solidFill>
+              </a:defRPr>
+            </a:lvl2pPr>
+            <a:lvl3pPr>
+              <a:defRPr>
+                <a:solidFill>
+                  <a:schemeClr val="tx2"/>
+                </a:solidFill>
+              </a:defRPr>
+            </a:lvl3pPr>
+            <a:lvl4pPr>
+              <a:defRPr>
+                <a:solidFill>
+                  <a:schemeClr val="tx2"/>
+                </a:solidFill>
+              </a:defRPr>
+            </a:lvl4pPr>
+            <a:lvl5pPr>
+              <a:defRPr>
+                <a:solidFill>
+                  <a:schemeClr val="tx2"/>
+                </a:solidFill>
+              </a:defRPr>
+            </a:lvl5pPr>
+            <a:lvl6pPr>
+              <a:defRPr>
+                <a:solidFill>
+                  <a:schemeClr val="tx2"/>
+                </a:solidFill>
+              </a:defRPr>
+            </a:lvl6pPr>
+            <a:lvl7pPr>
+              <a:defRPr>
+                <a:solidFill>
+                  <a:schemeClr val="tx2"/>
+                </a:solidFill>
+              </a:defRPr>
+            </a:lvl7pPr>
+            <a:lvl8pPr>
+              <a:defRPr>
+                <a:solidFill>
+                  <a:schemeClr val="tx2"/>
+                </a:solidFill>
+              </a:defRPr>
+            </a:lvl8pPr>
+            <a:lvl9pPr>
+              <a:defRPr>
+                <a:solidFill>
+                  <a:schemeClr val="tx2"/>
+                </a:solidFill>
+              </a:defRPr>
+            </a:lvl9pPr>
+          </a:lstStyle>
+          <a:p>
+            <a:pPr lvl="0" algn="r"/>
+            <a:r>
+              <a:rPr lang="en-US" sz="12000" dirty="0">
+                <a:solidFill>
+                  <a:schemeClr val="accent1"/>
+                </a:solidFill>
+              </a:rPr>
+              <a:t>”</a:t>
+            </a:r>
+          </a:p>
+        </p:txBody>
+      </p:sp>
+      <p:sp>
+        <p:nvSpPr>
+          <p:cNvPr id="2" name="Title 1"/>
+          <p:cNvSpPr>
+            <a:spLocks noGrp="1"/>
+          </p:cNvSpPr>
+          <p:nvPr>
+            <p:ph type="title"/>
+          </p:nvPr>
+        </p:nvSpPr>
+        <p:spPr>
+          <a:xfrm>
+            <a:off x="2169320" y="914402"/>
+            <a:ext cx="13944597" cy="4114799"/>
+          </a:xfrm>
+        </p:spPr>
+        <p:txBody>
+          <a:bodyPr anchor="ctr">
+            <a:normAutofit/>
+          </a:bodyPr>
+          <a:lstStyle>
+            <a:lvl1pPr algn="l">
+              <a:defRPr sz="4800" b="0" cap="all">
+                <a:gradFill flip="none" rotWithShape="1">
+                  <a:gsLst>
+                    <a:gs pos="0">
+                      <a:schemeClr val="tx1"/>
+                    </a:gs>
+                    <a:gs pos="100000">
+                      <a:schemeClr val="tx1">
+                        <a:lumMod val="75000"/>
+                      </a:schemeClr>
+                    </a:gs>
+                  </a:gsLst>
+                  <a:lin ang="5400000" scaled="0"/>
+                  <a:tileRect/>
+                </a:gradFill>
+              </a:defRPr>
+            </a:lvl1pPr>
+          </a:lstStyle>
+          <a:p>
+            <a:r>
+              <a:rPr lang="en-US"/>
+              <a:t>Click to edit Master title style</a:t>
+            </a:r>
+            <a:endParaRPr lang="en-US" dirty="0"/>
+          </a:p>
+        </p:txBody>
+      </p:sp>
+      <p:sp>
+        <p:nvSpPr>
+          <p:cNvPr id="10" name="Text Placeholder 9"/>
+          <p:cNvSpPr>
+            <a:spLocks noGrp="1"/>
+          </p:cNvSpPr>
+          <p:nvPr>
+            <p:ph type="body" sz="quarter" idx="13"/>
+          </p:nvPr>
+        </p:nvSpPr>
+        <p:spPr>
+          <a:xfrm>
+            <a:off x="1712118" y="5829300"/>
+            <a:ext cx="14859000" cy="1333500"/>
+          </a:xfrm>
+        </p:spPr>
+        <p:txBody>
+          <a:bodyPr vert="horz" lIns="91440" tIns="45720" rIns="91440" bIns="45720" rtlCol="0" anchor="b">
+            <a:normAutofit/>
+          </a:bodyPr>
+          <a:lstStyle>
+            <a:lvl1pPr>
+              <a:buNone/>
+              <a:defRPr lang="en-US" sz="3600" b="0" cap="all" dirty="0">
+                <a:ln w="3175" cmpd="sng">
+                  <a:noFill/>
+                </a:ln>
+                <a:gradFill flip="none" rotWithShape="1">
+                  <a:gsLst>
+                    <a:gs pos="0">
+                      <a:schemeClr val="tx1"/>
+                    </a:gs>
+                    <a:gs pos="100000">
+                      <a:schemeClr val="tx1">
+                        <a:lumMod val="75000"/>
+                      </a:schemeClr>
+                    </a:gs>
+                  </a:gsLst>
+                  <a:lin ang="5400000" scaled="0"/>
+                  <a:tileRect/>
+                </a:gradFill>
+                <a:effectLst>
+                  <a:glow rad="38100">
+                    <a:schemeClr val="bg1">
+                      <a:lumMod val="65000"/>
+                      <a:lumOff val="35000"/>
+                      <a:alpha val="40000"/>
+                    </a:schemeClr>
+                  </a:glow>
+                  <a:outerShdw blurRad="28575" dist="38100" dir="14040000" algn="tl" rotWithShape="0">
+                    <a:srgbClr val="000000">
+                      <a:alpha val="25000"/>
+                    </a:srgbClr>
+                  </a:outerShdw>
+                </a:effectLst>
+              </a:defRPr>
+            </a:lvl1pPr>
+          </a:lstStyle>
+          <a:p>
+            <a:pPr marL="0" lvl="0">
+              <a:spcBef>
+                <a:spcPct val="0"/>
+              </a:spcBef>
+              <a:buNone/>
+            </a:pPr>
+            <a:r>
+              <a:rPr lang="en-US"/>
+              <a:t>Click to edit Master text styles</a:t>
+            </a:r>
+          </a:p>
+        </p:txBody>
+      </p:sp>
+      <p:sp>
+        <p:nvSpPr>
+          <p:cNvPr id="3" name="Text Placeholder 2"/>
+          <p:cNvSpPr>
+            <a:spLocks noGrp="1"/>
+          </p:cNvSpPr>
+          <p:nvPr>
+            <p:ph type="body" idx="1"/>
+          </p:nvPr>
+        </p:nvSpPr>
+        <p:spPr>
+          <a:xfrm>
+            <a:off x="1712117" y="7162800"/>
+            <a:ext cx="14859000" cy="1524000"/>
+          </a:xfrm>
+        </p:spPr>
+        <p:txBody>
+          <a:bodyPr anchor="t">
+            <a:normAutofit/>
+          </a:bodyPr>
+          <a:lstStyle>
+            <a:lvl1pPr marL="0" indent="0" algn="l">
+              <a:buNone/>
+              <a:defRPr sz="2700">
+                <a:gradFill flip="none" rotWithShape="1">
+                  <a:gsLst>
+                    <a:gs pos="0">
+                      <a:schemeClr val="tx1"/>
+                    </a:gs>
+                    <a:gs pos="100000">
+                      <a:schemeClr val="tx1">
+                        <a:lumMod val="75000"/>
+                      </a:schemeClr>
+                    </a:gs>
+                  </a:gsLst>
+                  <a:lin ang="5400000" scaled="0"/>
+                  <a:tileRect/>
+                </a:gradFill>
+              </a:defRPr>
+            </a:lvl1pPr>
+            <a:lvl2pPr marL="685800" indent="0">
+              <a:buNone/>
+              <a:defRPr sz="2700">
+                <a:solidFill>
+                  <a:schemeClr val="tx1">
+                    <a:tint val="75000"/>
+                  </a:schemeClr>
+                </a:solidFill>
+              </a:defRPr>
+            </a:lvl2pPr>
+            <a:lvl3pPr marL="1371600" indent="0">
+              <a:buNone/>
+              <a:defRPr sz="2400">
+                <a:solidFill>
+                  <a:schemeClr val="tx1">
+                    <a:tint val="75000"/>
+                  </a:schemeClr>
+                </a:solidFill>
+              </a:defRPr>
+            </a:lvl3pPr>
+            <a:lvl4pPr marL="2057400" indent="0">
+              <a:buNone/>
+              <a:defRPr sz="2100">
+                <a:solidFill>
+                  <a:schemeClr val="tx1">
+                    <a:tint val="75000"/>
+                  </a:schemeClr>
+                </a:solidFill>
+              </a:defRPr>
+            </a:lvl4pPr>
+            <a:lvl5pPr marL="2743200" indent="0">
+              <a:buNone/>
+              <a:defRPr sz="2100">
+                <a:solidFill>
+                  <a:schemeClr val="tx1">
+                    <a:tint val="75000"/>
+                  </a:schemeClr>
+                </a:solidFill>
+              </a:defRPr>
+            </a:lvl5pPr>
+            <a:lvl6pPr marL="3429000" indent="0">
+              <a:buNone/>
+              <a:defRPr sz="2100">
+                <a:solidFill>
+                  <a:schemeClr val="tx1">
+                    <a:tint val="75000"/>
+                  </a:schemeClr>
+                </a:solidFill>
+              </a:defRPr>
+            </a:lvl6pPr>
+            <a:lvl7pPr marL="4114800" indent="0">
+              <a:buNone/>
+              <a:defRPr sz="2100">
+                <a:solidFill>
+                  <a:schemeClr val="tx1">
+                    <a:tint val="75000"/>
+                  </a:schemeClr>
+                </a:solidFill>
+              </a:defRPr>
+            </a:lvl7pPr>
+            <a:lvl8pPr marL="4800600" indent="0">
+              <a:buNone/>
+              <a:defRPr sz="2100">
+                <a:solidFill>
+                  <a:schemeClr val="tx1">
+                    <a:tint val="75000"/>
+                  </a:schemeClr>
+                </a:solidFill>
+              </a:defRPr>
+            </a:lvl8pPr>
+            <a:lvl9pPr marL="5486400" indent="0">
+              <a:buNone/>
+              <a:defRPr sz="2100">
+                <a:solidFill>
+                  <a:schemeClr val="tx1">
+                    <a:tint val="75000"/>
+                  </a:schemeClr>
+                </a:solidFill>
+              </a:defRPr>
+            </a:lvl9pPr>
+          </a:lstStyle>
+          <a:p>
+            <a:pPr lvl="0"/>
+            <a:r>
+              <a:rPr lang="en-US"/>
+              <a:t>Click to edit Master text styles</a:t>
+            </a:r>
+          </a:p>
+        </p:txBody>
+      </p:sp>
+      <p:sp>
+        <p:nvSpPr>
+          <p:cNvPr id="4" name="Date Placeholder 3"/>
+          <p:cNvSpPr>
+            <a:spLocks noGrp="1"/>
+          </p:cNvSpPr>
+          <p:nvPr>
+            <p:ph type="dt" sz="half" idx="10"/>
+          </p:nvPr>
+        </p:nvSpPr>
+        <p:spPr/>
+        <p:txBody>
+          <a:bodyPr/>
+          <a:lstStyle/>
+          <a:p>
+            <a:fld id="{1D8BD707-D9CF-40AE-B4C6-C98DA3205C09}" type="datetimeFigureOut">
+              <a:rPr lang="en-US" smtClean="0"/>
+              <a:pPr/>
+              <a:t>9/30/2023</a:t>
+            </a:fld>
+            <a:endParaRPr lang="en-US"/>
+          </a:p>
+        </p:txBody>
+      </p:sp>
+      <p:sp>
+        <p:nvSpPr>
+          <p:cNvPr id="5" name="Footer Placeholder 4"/>
+          <p:cNvSpPr>
+            <a:spLocks noGrp="1"/>
+          </p:cNvSpPr>
+          <p:nvPr>
+            <p:ph type="ftr" sz="quarter" idx="11"/>
+          </p:nvPr>
+        </p:nvSpPr>
+        <p:spPr/>
+        <p:txBody>
+          <a:bodyPr/>
+          <a:lstStyle/>
+          <a:p>
+            <a:endParaRPr lang="en-US"/>
+          </a:p>
+        </p:txBody>
+      </p:sp>
+      <p:sp>
+        <p:nvSpPr>
+          <p:cNvPr id="6" name="Slide Number Placeholder 5"/>
+          <p:cNvSpPr>
+            <a:spLocks noGrp="1"/>
+          </p:cNvSpPr>
+          <p:nvPr>
+            <p:ph type="sldNum" sz="quarter" idx="12"/>
+          </p:nvPr>
+        </p:nvSpPr>
+        <p:spPr/>
+        <p:txBody>
+          <a:bodyPr/>
+          <a:lstStyle/>
+          <a:p>
+            <a:fld id="{B6F15528-21DE-4FAA-801E-634DDDAF4B2B}" type="slidenum">
+              <a:rPr lang="en-US" smtClean="0"/>
+              <a:pPr/>
+              <a:t>‹#›</a:t>
+            </a:fld>
+            <a:endParaRPr lang="en-US"/>
+          </a:p>
+        </p:txBody>
+      </p:sp>
+    </p:spTree>
+    <p:extLst>
+      <p:ext uri="{BB962C8B-B14F-4D97-AF65-F5344CB8AC3E}">
+        <p14:creationId xmlns:p14="http://schemas.microsoft.com/office/powerpoint/2010/main" val="2256410324"/>
+      </p:ext>
+    </p:extLst>
+  </p:cSld>
+  <p:clrMapOvr>
+    <a:masterClrMapping/>
+  </p:clrMapOvr>
+</p:sldLayout>
+</file>
+
+<file path=ppt/slideLayouts/slideLayout15.xml><?xml version="1.0" encoding="utf-8"?>
+<p:sldLayout xmlns:a="http://schemas.openxmlformats.org/drawingml/2006/main" xmlns:r="http://schemas.openxmlformats.org/officeDocument/2006/relationships" xmlns:p="http://schemas.openxmlformats.org/presentationml/2006/main" preserve="1">
+  <p:cSld name="True or False">
+    <p:spTree>
+      <p:nvGrpSpPr>
+        <p:cNvPr id="1" name=""/>
+        <p:cNvGrpSpPr/>
+        <p:nvPr/>
+      </p:nvGrpSpPr>
+      <p:grpSpPr>
+        <a:xfrm>
+          <a:off x="0" y="0"/>
+          <a:ext cx="0" cy="0"/>
+          <a:chOff x="0" y="0"/>
+          <a:chExt cx="0" cy="0"/>
+        </a:xfrm>
+      </p:grpSpPr>
+      <p:sp>
+        <p:nvSpPr>
+          <p:cNvPr id="2" name="Title 1"/>
+          <p:cNvSpPr>
+            <a:spLocks noGrp="1"/>
+          </p:cNvSpPr>
+          <p:nvPr>
+            <p:ph type="title"/>
+          </p:nvPr>
+        </p:nvSpPr>
+        <p:spPr>
+          <a:xfrm>
+            <a:off x="1712119" y="914402"/>
+            <a:ext cx="14858999" cy="4114799"/>
+          </a:xfrm>
+        </p:spPr>
+        <p:txBody>
+          <a:bodyPr vert="horz" lIns="91440" tIns="45720" rIns="91440" bIns="45720" rtlCol="0" anchor="ctr">
+            <a:normAutofit/>
+          </a:bodyPr>
+          <a:lstStyle>
+            <a:lvl1pPr>
+              <a:defRPr lang="en-US" b="0" dirty="0"/>
+            </a:lvl1pPr>
+          </a:lstStyle>
+          <a:p>
+            <a:pPr marL="0" lvl="0"/>
+            <a:r>
+              <a:rPr lang="en-US"/>
+              <a:t>Click to edit Master title style</a:t>
+            </a:r>
+            <a:endParaRPr lang="en-US" dirty="0"/>
+          </a:p>
+        </p:txBody>
+      </p:sp>
+      <p:sp>
+        <p:nvSpPr>
+          <p:cNvPr id="10" name="Text Placeholder 9"/>
+          <p:cNvSpPr>
+            <a:spLocks noGrp="1"/>
+          </p:cNvSpPr>
+          <p:nvPr>
+            <p:ph type="body" sz="quarter" idx="13"/>
+          </p:nvPr>
+        </p:nvSpPr>
+        <p:spPr>
+          <a:xfrm>
+            <a:off x="1712118" y="5257800"/>
+            <a:ext cx="14859000" cy="1257300"/>
+          </a:xfrm>
+        </p:spPr>
+        <p:txBody>
+          <a:bodyPr vert="horz" lIns="91440" tIns="45720" rIns="91440" bIns="45720" rtlCol="0" anchor="b">
+            <a:normAutofit/>
+          </a:bodyPr>
+          <a:lstStyle>
+            <a:lvl1pPr>
+              <a:buNone/>
+              <a:defRPr lang="en-US" sz="4200" b="0" cap="all" dirty="0">
+                <a:ln w="3175" cmpd="sng">
+                  <a:noFill/>
+                </a:ln>
+                <a:gradFill flip="none" rotWithShape="1">
+                  <a:gsLst>
+                    <a:gs pos="0">
+                      <a:schemeClr val="tx1"/>
+                    </a:gs>
+                    <a:gs pos="100000">
+                      <a:schemeClr val="tx1">
+                        <a:lumMod val="75000"/>
+                      </a:schemeClr>
+                    </a:gs>
+                  </a:gsLst>
+                  <a:lin ang="5400000" scaled="0"/>
+                  <a:tileRect/>
+                </a:gradFill>
+                <a:effectLst>
+                  <a:glow rad="38100">
+                    <a:schemeClr val="bg1">
+                      <a:lumMod val="65000"/>
+                      <a:lumOff val="35000"/>
+                      <a:alpha val="40000"/>
+                    </a:schemeClr>
+                  </a:glow>
+                  <a:outerShdw blurRad="28575" dist="38100" dir="14040000" algn="tl" rotWithShape="0">
+                    <a:srgbClr val="000000">
+                      <a:alpha val="25000"/>
+                    </a:srgbClr>
+                  </a:outerShdw>
+                </a:effectLst>
+              </a:defRPr>
+            </a:lvl1pPr>
+          </a:lstStyle>
+          <a:p>
+            <a:pPr marL="0" lvl="0">
+              <a:spcBef>
+                <a:spcPct val="0"/>
+              </a:spcBef>
+              <a:buNone/>
+            </a:pPr>
+            <a:r>
+              <a:rPr lang="en-US"/>
+              <a:t>Click to edit Master text styles</a:t>
+            </a:r>
+          </a:p>
+        </p:txBody>
+      </p:sp>
+      <p:sp>
+        <p:nvSpPr>
+          <p:cNvPr id="3" name="Text Placeholder 2"/>
+          <p:cNvSpPr>
+            <a:spLocks noGrp="1"/>
+          </p:cNvSpPr>
+          <p:nvPr>
+            <p:ph type="body" idx="1"/>
+          </p:nvPr>
+        </p:nvSpPr>
+        <p:spPr>
+          <a:xfrm>
+            <a:off x="1712117" y="6515100"/>
+            <a:ext cx="14859000" cy="2171700"/>
+          </a:xfrm>
+        </p:spPr>
+        <p:txBody>
+          <a:bodyPr anchor="t">
+            <a:normAutofit/>
+          </a:bodyPr>
+          <a:lstStyle>
+            <a:lvl1pPr marL="0" indent="0" algn="l">
+              <a:buNone/>
+              <a:defRPr sz="2700">
+                <a:gradFill flip="none" rotWithShape="1">
+                  <a:gsLst>
+                    <a:gs pos="0">
+                      <a:schemeClr val="tx1"/>
+                    </a:gs>
+                    <a:gs pos="100000">
+                      <a:schemeClr val="tx1">
+                        <a:lumMod val="75000"/>
+                      </a:schemeClr>
+                    </a:gs>
+                  </a:gsLst>
+                  <a:lin ang="5400000" scaled="0"/>
+                  <a:tileRect/>
+                </a:gradFill>
+              </a:defRPr>
+            </a:lvl1pPr>
+            <a:lvl2pPr marL="685800" indent="0">
+              <a:buNone/>
+              <a:defRPr sz="2700">
+                <a:solidFill>
+                  <a:schemeClr val="tx1">
+                    <a:tint val="75000"/>
+                  </a:schemeClr>
+                </a:solidFill>
+              </a:defRPr>
+            </a:lvl2pPr>
+            <a:lvl3pPr marL="1371600" indent="0">
+              <a:buNone/>
+              <a:defRPr sz="2400">
+                <a:solidFill>
+                  <a:schemeClr val="tx1">
+                    <a:tint val="75000"/>
+                  </a:schemeClr>
+                </a:solidFill>
+              </a:defRPr>
+            </a:lvl3pPr>
+            <a:lvl4pPr marL="2057400" indent="0">
+              <a:buNone/>
+              <a:defRPr sz="2100">
+                <a:solidFill>
+                  <a:schemeClr val="tx1">
+                    <a:tint val="75000"/>
+                  </a:schemeClr>
+                </a:solidFill>
+              </a:defRPr>
+            </a:lvl4pPr>
+            <a:lvl5pPr marL="2743200" indent="0">
+              <a:buNone/>
+              <a:defRPr sz="2100">
+                <a:solidFill>
+                  <a:schemeClr val="tx1">
+                    <a:tint val="75000"/>
+                  </a:schemeClr>
+                </a:solidFill>
+              </a:defRPr>
+            </a:lvl5pPr>
+            <a:lvl6pPr marL="3429000" indent="0">
+              <a:buNone/>
+              <a:defRPr sz="2100">
+                <a:solidFill>
+                  <a:schemeClr val="tx1">
+                    <a:tint val="75000"/>
+                  </a:schemeClr>
+                </a:solidFill>
+              </a:defRPr>
+            </a:lvl6pPr>
+            <a:lvl7pPr marL="4114800" indent="0">
+              <a:buNone/>
+              <a:defRPr sz="2100">
+                <a:solidFill>
+                  <a:schemeClr val="tx1">
+                    <a:tint val="75000"/>
+                  </a:schemeClr>
+                </a:solidFill>
+              </a:defRPr>
+            </a:lvl7pPr>
+            <a:lvl8pPr marL="4800600" indent="0">
+              <a:buNone/>
+              <a:defRPr sz="2100">
+                <a:solidFill>
+                  <a:schemeClr val="tx1">
+                    <a:tint val="75000"/>
+                  </a:schemeClr>
+                </a:solidFill>
+              </a:defRPr>
+            </a:lvl8pPr>
+            <a:lvl9pPr marL="5486400" indent="0">
+              <a:buNone/>
+              <a:defRPr sz="2100">
+                <a:solidFill>
+                  <a:schemeClr val="tx1">
+                    <a:tint val="75000"/>
+                  </a:schemeClr>
+                </a:solidFill>
+              </a:defRPr>
+            </a:lvl9pPr>
+          </a:lstStyle>
+          <a:p>
+            <a:pPr lvl="0"/>
+            <a:r>
+              <a:rPr lang="en-US"/>
+              <a:t>Click to edit Master text styles</a:t>
+            </a:r>
+          </a:p>
+        </p:txBody>
+      </p:sp>
+      <p:sp>
+        <p:nvSpPr>
+          <p:cNvPr id="4" name="Date Placeholder 3"/>
+          <p:cNvSpPr>
+            <a:spLocks noGrp="1"/>
+          </p:cNvSpPr>
+          <p:nvPr>
+            <p:ph type="dt" sz="half" idx="10"/>
+          </p:nvPr>
+        </p:nvSpPr>
+        <p:spPr/>
+        <p:txBody>
+          <a:bodyPr/>
+          <a:lstStyle/>
+          <a:p>
+            <a:fld id="{1D8BD707-D9CF-40AE-B4C6-C98DA3205C09}" type="datetimeFigureOut">
+              <a:rPr lang="en-US" smtClean="0"/>
+              <a:pPr/>
+              <a:t>9/30/2023</a:t>
+            </a:fld>
+            <a:endParaRPr lang="en-US"/>
+          </a:p>
+        </p:txBody>
+      </p:sp>
+      <p:sp>
+        <p:nvSpPr>
+          <p:cNvPr id="5" name="Footer Placeholder 4"/>
+          <p:cNvSpPr>
+            <a:spLocks noGrp="1"/>
+          </p:cNvSpPr>
+          <p:nvPr>
+            <p:ph type="ftr" sz="quarter" idx="11"/>
+          </p:nvPr>
+        </p:nvSpPr>
+        <p:spPr/>
+        <p:txBody>
+          <a:bodyPr/>
+          <a:lstStyle/>
+          <a:p>
+            <a:endParaRPr lang="en-US"/>
+          </a:p>
+        </p:txBody>
+      </p:sp>
+      <p:sp>
+        <p:nvSpPr>
+          <p:cNvPr id="6" name="Slide Number Placeholder 5"/>
+          <p:cNvSpPr>
+            <a:spLocks noGrp="1"/>
+          </p:cNvSpPr>
+          <p:nvPr>
+            <p:ph type="sldNum" sz="quarter" idx="12"/>
+          </p:nvPr>
+        </p:nvSpPr>
+        <p:spPr/>
+        <p:txBody>
+          <a:bodyPr/>
+          <a:lstStyle/>
+          <a:p>
+            <a:fld id="{B6F15528-21DE-4FAA-801E-634DDDAF4B2B}" type="slidenum">
+              <a:rPr lang="en-US" smtClean="0"/>
+              <a:pPr/>
+              <a:t>‹#›</a:t>
+            </a:fld>
+            <a:endParaRPr lang="en-US"/>
+          </a:p>
+        </p:txBody>
+      </p:sp>
+    </p:spTree>
+    <p:extLst>
+      <p:ext uri="{BB962C8B-B14F-4D97-AF65-F5344CB8AC3E}">
+        <p14:creationId xmlns:p14="http://schemas.microsoft.com/office/powerpoint/2010/main" val="435791499"/>
+      </p:ext>
+    </p:extLst>
+  </p:cSld>
+  <p:clrMapOvr>
+    <a:masterClrMapping/>
+  </p:clrMapOvr>
+</p:sldLayout>
+</file>
+
+<file path=ppt/slideLayouts/slideLayout16.xml><?xml version="1.0" encoding="utf-8"?>
 <p:sldLayout xmlns:a="http://schemas.openxmlformats.org/drawingml/2006/main" xmlns:r="http://schemas.openxmlformats.org/officeDocument/2006/relationships" xmlns:p="http://schemas.openxmlformats.org/presentationml/2006/main" type="vertTx" preserve="1">
   <p:cSld name="Title and Vertical Text">
     <p:spTree>
@@ -381,13 +2547,7 @@
       </p:grpSpPr>
       <p:sp>
         <p:nvSpPr>
-          <p:cNvPr id="2" name="Title 1">
-            <a:extLst>
-              <a:ext uri="{FF2B5EF4-FFF2-40B4-BE49-F238E27FC236}">
-                <a16:creationId xmlns:a16="http://schemas.microsoft.com/office/drawing/2014/main" id="{FA91ED33-2C58-041C-93C7-5AE4777BCF95}"/>
-              </a:ext>
-            </a:extLst>
-          </p:cNvPr>
+          <p:cNvPr id="7" name="Title 1"/>
           <p:cNvSpPr>
             <a:spLocks noGrp="1"/>
           </p:cNvSpPr>
@@ -395,38 +2555,37 @@
             <p:ph type="title"/>
           </p:nvPr>
         </p:nvSpPr>
+        <p:spPr>
+          <a:xfrm>
+            <a:off x="1712120" y="914400"/>
+            <a:ext cx="14858997" cy="2857500"/>
+          </a:xfrm>
+        </p:spPr>
+        <p:txBody>
+          <a:bodyPr/>
+          <a:lstStyle/>
+          <a:p>
+            <a:r>
+              <a:rPr lang="en-US"/>
+              <a:t>Click to edit Master title style</a:t>
+            </a:r>
+            <a:endParaRPr lang="en-US" dirty="0"/>
+          </a:p>
+        </p:txBody>
+      </p:sp>
+      <p:sp>
+        <p:nvSpPr>
+          <p:cNvPr id="3" name="Vertical Text Placeholder 2"/>
+          <p:cNvSpPr>
+            <a:spLocks noGrp="1"/>
+          </p:cNvSpPr>
+          <p:nvPr>
+            <p:ph type="body" orient="vert" idx="1"/>
+          </p:nvPr>
+        </p:nvSpPr>
         <p:spPr/>
         <p:txBody>
-          <a:bodyPr/>
-          <a:lstStyle/>
-          <a:p>
-            <a:r>
-              <a:rPr lang="en-US"/>
-              <a:t>Click to edit Master title style</a:t>
-            </a:r>
-            <a:endParaRPr lang="en-JP"/>
-          </a:p>
-        </p:txBody>
-      </p:sp>
-      <p:sp>
-        <p:nvSpPr>
-          <p:cNvPr id="3" name="Vertical Text Placeholder 2">
-            <a:extLst>
-              <a:ext uri="{FF2B5EF4-FFF2-40B4-BE49-F238E27FC236}">
-                <a16:creationId xmlns:a16="http://schemas.microsoft.com/office/drawing/2014/main" id="{453B1849-4657-F8FC-A25F-2EB41BCDAFAB}"/>
-              </a:ext>
-            </a:extLst>
-          </p:cNvPr>
-          <p:cNvSpPr>
-            <a:spLocks noGrp="1"/>
-          </p:cNvSpPr>
-          <p:nvPr>
-            <p:ph type="body" orient="vert" idx="1"/>
-          </p:nvPr>
-        </p:nvSpPr>
-        <p:spPr/>
-        <p:txBody>
-          <a:bodyPr vert="eaVert"/>
+          <a:bodyPr vert="eaVert" anchor="t"/>
           <a:lstStyle/>
           <a:p>
             <a:pPr lvl="0"/>
@@ -462,19 +2621,13 @@
               <a:rPr lang="en-US"/>
               <a:t>Fifth level</a:t>
             </a:r>
-            <a:endParaRPr lang="en-JP"/>
-          </a:p>
-        </p:txBody>
-      </p:sp>
-      <p:sp>
-        <p:nvSpPr>
-          <p:cNvPr id="4" name="Date Placeholder 3">
-            <a:extLst>
-              <a:ext uri="{FF2B5EF4-FFF2-40B4-BE49-F238E27FC236}">
-                <a16:creationId xmlns:a16="http://schemas.microsoft.com/office/drawing/2014/main" id="{6D33BE37-34E7-C301-9375-5130A549CC8D}"/>
-              </a:ext>
-            </a:extLst>
-          </p:cNvPr>
+            <a:endParaRPr lang="en-US" dirty="0"/>
+          </a:p>
+        </p:txBody>
+      </p:sp>
+      <p:sp>
+        <p:nvSpPr>
+          <p:cNvPr id="4" name="Date Placeholder 3"/>
           <p:cNvSpPr>
             <a:spLocks noGrp="1"/>
           </p:cNvSpPr>
@@ -490,7 +2643,7 @@
             <a:fld id="{1D8BD707-D9CF-40AE-B4C6-C98DA3205C09}" type="datetimeFigureOut">
               <a:rPr lang="en-US" smtClean="0"/>
               <a:pPr/>
-              <a:t>7/3/23</a:t>
+              <a:t>9/30/2023</a:t>
             </a:fld>
             <a:endParaRPr lang="en-US"/>
           </a:p>
@@ -498,13 +2651,7 @@
       </p:sp>
       <p:sp>
         <p:nvSpPr>
-          <p:cNvPr id="5" name="Footer Placeholder 4">
-            <a:extLst>
-              <a:ext uri="{FF2B5EF4-FFF2-40B4-BE49-F238E27FC236}">
-                <a16:creationId xmlns:a16="http://schemas.microsoft.com/office/drawing/2014/main" id="{575D94AE-BBBD-1484-0317-AB0D5B37EF57}"/>
-              </a:ext>
-            </a:extLst>
-          </p:cNvPr>
+          <p:cNvPr id="5" name="Footer Placeholder 4"/>
           <p:cNvSpPr>
             <a:spLocks noGrp="1"/>
           </p:cNvSpPr>
@@ -523,13 +2670,7 @@
       </p:sp>
       <p:sp>
         <p:nvSpPr>
-          <p:cNvPr id="6" name="Slide Number Placeholder 5">
-            <a:extLst>
-              <a:ext uri="{FF2B5EF4-FFF2-40B4-BE49-F238E27FC236}">
-                <a16:creationId xmlns:a16="http://schemas.microsoft.com/office/drawing/2014/main" id="{1686749E-D646-D9AA-53F2-B36EF1365A98}"/>
-              </a:ext>
-            </a:extLst>
-          </p:cNvPr>
+          <p:cNvPr id="6" name="Slide Number Placeholder 5"/>
           <p:cNvSpPr>
             <a:spLocks noGrp="1"/>
           </p:cNvSpPr>
@@ -554,7 +2695,7 @@
     </p:spTree>
     <p:extLst>
       <p:ext uri="{BB962C8B-B14F-4D97-AF65-F5344CB8AC3E}">
-        <p14:creationId xmlns:p14="http://schemas.microsoft.com/office/powerpoint/2010/main" val="2787625980"/>
+        <p14:creationId xmlns:p14="http://schemas.microsoft.com/office/powerpoint/2010/main" val="493535664"/>
       </p:ext>
     </p:extLst>
   </p:cSld>
@@ -564,7 +2705,7 @@
 </p:sldLayout>
 </file>
 
-<file path=ppt/slideLayouts/slideLayout11.xml><?xml version="1.0" encoding="utf-8"?>
+<file path=ppt/slideLayouts/slideLayout17.xml><?xml version="1.0" encoding="utf-8"?>
 <p:sldLayout xmlns:a="http://schemas.openxmlformats.org/drawingml/2006/main" xmlns:r="http://schemas.openxmlformats.org/officeDocument/2006/relationships" xmlns:p="http://schemas.openxmlformats.org/presentationml/2006/main" type="vertTitleAndTx" preserve="1">
   <p:cSld name="Vertical Title and Text">
     <p:spTree>
@@ -583,13 +2724,7 @@
       </p:grpSpPr>
       <p:sp>
         <p:nvSpPr>
-          <p:cNvPr id="2" name="Vertical Title 1">
-            <a:extLst>
-              <a:ext uri="{FF2B5EF4-FFF2-40B4-BE49-F238E27FC236}">
-                <a16:creationId xmlns:a16="http://schemas.microsoft.com/office/drawing/2014/main" id="{2AF03B20-49A8-6E2F-A78A-E3781FB45354}"/>
-              </a:ext>
-            </a:extLst>
-          </p:cNvPr>
+          <p:cNvPr id="2" name="Vertical Title 1"/>
           <p:cNvSpPr>
             <a:spLocks noGrp="1"/>
           </p:cNvSpPr>
@@ -599,8 +2734,8 @@
         </p:nvSpPr>
         <p:spPr>
           <a:xfrm>
-            <a:off x="13087350" y="547687"/>
-            <a:ext cx="3943350" cy="8717757"/>
+            <a:off x="13255347" y="914399"/>
+            <a:ext cx="3315771" cy="7772402"/>
           </a:xfrm>
         </p:spPr>
         <p:txBody>
@@ -611,19 +2746,13 @@
               <a:rPr lang="en-US"/>
               <a:t>Click to edit Master title style</a:t>
             </a:r>
-            <a:endParaRPr lang="en-JP"/>
-          </a:p>
-        </p:txBody>
-      </p:sp>
-      <p:sp>
-        <p:nvSpPr>
-          <p:cNvPr id="3" name="Vertical Text Placeholder 2">
-            <a:extLst>
-              <a:ext uri="{FF2B5EF4-FFF2-40B4-BE49-F238E27FC236}">
-                <a16:creationId xmlns:a16="http://schemas.microsoft.com/office/drawing/2014/main" id="{8726DDA0-8A97-A018-829A-F1FECA8D624B}"/>
-              </a:ext>
-            </a:extLst>
-          </p:cNvPr>
+            <a:endParaRPr lang="en-US" dirty="0"/>
+          </a:p>
+        </p:txBody>
+      </p:sp>
+      <p:sp>
+        <p:nvSpPr>
+          <p:cNvPr id="3" name="Vertical Text Placeholder 2"/>
           <p:cNvSpPr>
             <a:spLocks noGrp="1"/>
           </p:cNvSpPr>
@@ -633,12 +2762,12 @@
         </p:nvSpPr>
         <p:spPr>
           <a:xfrm>
-            <a:off x="1257300" y="547687"/>
-            <a:ext cx="11601450" cy="8717757"/>
+            <a:off x="1712118" y="914400"/>
+            <a:ext cx="11315700" cy="7772400"/>
           </a:xfrm>
         </p:spPr>
         <p:txBody>
-          <a:bodyPr vert="eaVert"/>
+          <a:bodyPr vert="eaVert" anchor="t"/>
           <a:lstStyle/>
           <a:p>
             <a:pPr lvl="0"/>
@@ -674,19 +2803,13 @@
               <a:rPr lang="en-US"/>
               <a:t>Fifth level</a:t>
             </a:r>
-            <a:endParaRPr lang="en-JP"/>
-          </a:p>
-        </p:txBody>
-      </p:sp>
-      <p:sp>
-        <p:nvSpPr>
-          <p:cNvPr id="4" name="Date Placeholder 3">
-            <a:extLst>
-              <a:ext uri="{FF2B5EF4-FFF2-40B4-BE49-F238E27FC236}">
-                <a16:creationId xmlns:a16="http://schemas.microsoft.com/office/drawing/2014/main" id="{6E231BD6-F8C9-AB89-CB83-42F2C556223F}"/>
-              </a:ext>
-            </a:extLst>
-          </p:cNvPr>
+            <a:endParaRPr lang="en-US" dirty="0"/>
+          </a:p>
+        </p:txBody>
+      </p:sp>
+      <p:sp>
+        <p:nvSpPr>
+          <p:cNvPr id="4" name="Date Placeholder 3"/>
           <p:cNvSpPr>
             <a:spLocks noGrp="1"/>
           </p:cNvSpPr>
@@ -702,7 +2825,7 @@
             <a:fld id="{1D8BD707-D9CF-40AE-B4C6-C98DA3205C09}" type="datetimeFigureOut">
               <a:rPr lang="en-US" smtClean="0"/>
               <a:pPr/>
-              <a:t>7/3/23</a:t>
+              <a:t>9/30/2023</a:t>
             </a:fld>
             <a:endParaRPr lang="en-US"/>
           </a:p>
@@ -710,13 +2833,7 @@
       </p:sp>
       <p:sp>
         <p:nvSpPr>
-          <p:cNvPr id="5" name="Footer Placeholder 4">
-            <a:extLst>
-              <a:ext uri="{FF2B5EF4-FFF2-40B4-BE49-F238E27FC236}">
-                <a16:creationId xmlns:a16="http://schemas.microsoft.com/office/drawing/2014/main" id="{DF5406B3-1550-F363-8C1E-D4F6EB7F4C19}"/>
-              </a:ext>
-            </a:extLst>
-          </p:cNvPr>
+          <p:cNvPr id="5" name="Footer Placeholder 4"/>
           <p:cNvSpPr>
             <a:spLocks noGrp="1"/>
           </p:cNvSpPr>
@@ -735,13 +2852,7 @@
       </p:sp>
       <p:sp>
         <p:nvSpPr>
-          <p:cNvPr id="6" name="Slide Number Placeholder 5">
-            <a:extLst>
-              <a:ext uri="{FF2B5EF4-FFF2-40B4-BE49-F238E27FC236}">
-                <a16:creationId xmlns:a16="http://schemas.microsoft.com/office/drawing/2014/main" id="{974F5625-3CC3-2388-9CFA-53DA6F86D5D5}"/>
-              </a:ext>
-            </a:extLst>
-          </p:cNvPr>
+          <p:cNvPr id="6" name="Slide Number Placeholder 5"/>
           <p:cNvSpPr>
             <a:spLocks noGrp="1"/>
           </p:cNvSpPr>
@@ -766,7 +2877,7 @@
     </p:spTree>
     <p:extLst>
       <p:ext uri="{BB962C8B-B14F-4D97-AF65-F5344CB8AC3E}">
-        <p14:creationId xmlns:p14="http://schemas.microsoft.com/office/powerpoint/2010/main" val="3988451808"/>
+        <p14:creationId xmlns:p14="http://schemas.microsoft.com/office/powerpoint/2010/main" val="2578306923"/>
       </p:ext>
     </p:extLst>
   </p:cSld>
@@ -795,13 +2906,7 @@
       </p:grpSpPr>
       <p:sp>
         <p:nvSpPr>
-          <p:cNvPr id="2" name="Title 1">
-            <a:extLst>
-              <a:ext uri="{FF2B5EF4-FFF2-40B4-BE49-F238E27FC236}">
-                <a16:creationId xmlns:a16="http://schemas.microsoft.com/office/drawing/2014/main" id="{94E65DEF-B168-A077-4A20-A92C68983045}"/>
-              </a:ext>
-            </a:extLst>
-          </p:cNvPr>
+          <p:cNvPr id="2" name="Title 1"/>
           <p:cNvSpPr>
             <a:spLocks noGrp="1"/>
           </p:cNvSpPr>
@@ -818,19 +2923,13 @@
               <a:rPr lang="en-US"/>
               <a:t>Click to edit Master title style</a:t>
             </a:r>
-            <a:endParaRPr lang="en-JP"/>
-          </a:p>
-        </p:txBody>
-      </p:sp>
-      <p:sp>
-        <p:nvSpPr>
-          <p:cNvPr id="3" name="Content Placeholder 2">
-            <a:extLst>
-              <a:ext uri="{FF2B5EF4-FFF2-40B4-BE49-F238E27FC236}">
-                <a16:creationId xmlns:a16="http://schemas.microsoft.com/office/drawing/2014/main" id="{FE4B0432-5C60-EAF5-3B5C-2B6E34530A45}"/>
-              </a:ext>
-            </a:extLst>
-          </p:cNvPr>
+            <a:endParaRPr lang="en-US" dirty="0"/>
+          </a:p>
+        </p:txBody>
+      </p:sp>
+      <p:sp>
+        <p:nvSpPr>
+          <p:cNvPr id="3" name="Content Placeholder 2"/>
           <p:cNvSpPr>
             <a:spLocks noGrp="1"/>
           </p:cNvSpPr>
@@ -840,7 +2939,7 @@
         </p:nvSpPr>
         <p:spPr/>
         <p:txBody>
-          <a:bodyPr/>
+          <a:bodyPr anchor="ctr"/>
           <a:lstStyle/>
           <a:p>
             <a:pPr lvl="0"/>
@@ -876,19 +2975,13 @@
               <a:rPr lang="en-US"/>
               <a:t>Fifth level</a:t>
             </a:r>
-            <a:endParaRPr lang="en-JP"/>
-          </a:p>
-        </p:txBody>
-      </p:sp>
-      <p:sp>
-        <p:nvSpPr>
-          <p:cNvPr id="4" name="Date Placeholder 3">
-            <a:extLst>
-              <a:ext uri="{FF2B5EF4-FFF2-40B4-BE49-F238E27FC236}">
-                <a16:creationId xmlns:a16="http://schemas.microsoft.com/office/drawing/2014/main" id="{6A382D91-93E7-AEA8-1373-C235DA31EEE7}"/>
-              </a:ext>
-            </a:extLst>
-          </p:cNvPr>
+            <a:endParaRPr lang="en-US" dirty="0"/>
+          </a:p>
+        </p:txBody>
+      </p:sp>
+      <p:sp>
+        <p:nvSpPr>
+          <p:cNvPr id="4" name="Date Placeholder 3"/>
           <p:cNvSpPr>
             <a:spLocks noGrp="1"/>
           </p:cNvSpPr>
@@ -904,7 +2997,7 @@
             <a:fld id="{1D8BD707-D9CF-40AE-B4C6-C98DA3205C09}" type="datetimeFigureOut">
               <a:rPr lang="en-US" smtClean="0"/>
               <a:pPr/>
-              <a:t>7/3/23</a:t>
+              <a:t>9/30/2023</a:t>
             </a:fld>
             <a:endParaRPr lang="en-US"/>
           </a:p>
@@ -912,13 +3005,7 @@
       </p:sp>
       <p:sp>
         <p:nvSpPr>
-          <p:cNvPr id="5" name="Footer Placeholder 4">
-            <a:extLst>
-              <a:ext uri="{FF2B5EF4-FFF2-40B4-BE49-F238E27FC236}">
-                <a16:creationId xmlns:a16="http://schemas.microsoft.com/office/drawing/2014/main" id="{4D272168-49B9-ED43-C878-25FDBA440648}"/>
-              </a:ext>
-            </a:extLst>
-          </p:cNvPr>
+          <p:cNvPr id="5" name="Footer Placeholder 4"/>
           <p:cNvSpPr>
             <a:spLocks noGrp="1"/>
           </p:cNvSpPr>
@@ -937,13 +3024,7 @@
       </p:sp>
       <p:sp>
         <p:nvSpPr>
-          <p:cNvPr id="6" name="Slide Number Placeholder 5">
-            <a:extLst>
-              <a:ext uri="{FF2B5EF4-FFF2-40B4-BE49-F238E27FC236}">
-                <a16:creationId xmlns:a16="http://schemas.microsoft.com/office/drawing/2014/main" id="{5383C7D5-11D6-B52A-BBA6-B3618CA45F9F}"/>
-              </a:ext>
-            </a:extLst>
-          </p:cNvPr>
+          <p:cNvPr id="6" name="Slide Number Placeholder 5"/>
           <p:cNvSpPr>
             <a:spLocks noGrp="1"/>
           </p:cNvSpPr>
@@ -968,7 +3049,7 @@
     </p:spTree>
     <p:extLst>
       <p:ext uri="{BB962C8B-B14F-4D97-AF65-F5344CB8AC3E}">
-        <p14:creationId xmlns:p14="http://schemas.microsoft.com/office/powerpoint/2010/main" val="61110637"/>
+        <p14:creationId xmlns:p14="http://schemas.microsoft.com/office/powerpoint/2010/main" val="1715511457"/>
       </p:ext>
     </p:extLst>
   </p:cSld>
@@ -997,13 +3078,7 @@
       </p:grpSpPr>
       <p:sp>
         <p:nvSpPr>
-          <p:cNvPr id="2" name="Title 1">
-            <a:extLst>
-              <a:ext uri="{FF2B5EF4-FFF2-40B4-BE49-F238E27FC236}">
-                <a16:creationId xmlns:a16="http://schemas.microsoft.com/office/drawing/2014/main" id="{2C04E8B3-A715-BC65-ADA8-6C0E593D52F3}"/>
-              </a:ext>
-            </a:extLst>
-          </p:cNvPr>
+          <p:cNvPr id="2" name="Title 1"/>
           <p:cNvSpPr>
             <a:spLocks noGrp="1"/>
           </p:cNvSpPr>
@@ -1013,15 +3088,15 @@
         </p:nvSpPr>
         <p:spPr>
           <a:xfrm>
-            <a:off x="1247775" y="2564607"/>
-            <a:ext cx="15773400" cy="4279106"/>
+            <a:off x="2626520" y="4962872"/>
+            <a:ext cx="13030200" cy="2203200"/>
           </a:xfrm>
         </p:spPr>
         <p:txBody>
           <a:bodyPr anchor="b"/>
           <a:lstStyle>
-            <a:lvl1pPr>
-              <a:defRPr sz="9000"/>
+            <a:lvl1pPr algn="r">
+              <a:defRPr sz="6000" b="0" cap="all"/>
             </a:lvl1pPr>
           </a:lstStyle>
           <a:p>
@@ -1029,19 +3104,13 @@
               <a:rPr lang="en-US"/>
               <a:t>Click to edit Master title style</a:t>
             </a:r>
-            <a:endParaRPr lang="en-JP"/>
-          </a:p>
-        </p:txBody>
-      </p:sp>
-      <p:sp>
-        <p:nvSpPr>
-          <p:cNvPr id="3" name="Text Placeholder 2">
-            <a:extLst>
-              <a:ext uri="{FF2B5EF4-FFF2-40B4-BE49-F238E27FC236}">
-                <a16:creationId xmlns:a16="http://schemas.microsoft.com/office/drawing/2014/main" id="{9FD85E95-FDA0-1330-B379-76E0FBCF8882}"/>
-              </a:ext>
-            </a:extLst>
-          </p:cNvPr>
+            <a:endParaRPr lang="en-US" dirty="0"/>
+          </a:p>
+        </p:txBody>
+      </p:sp>
+      <p:sp>
+        <p:nvSpPr>
+          <p:cNvPr id="3" name="Text Placeholder 2"/>
           <p:cNvSpPr>
             <a:spLocks noGrp="1"/>
           </p:cNvSpPr>
@@ -1051,102 +3120,113 @@
         </p:nvSpPr>
         <p:spPr>
           <a:xfrm>
-            <a:off x="1247775" y="6884195"/>
-            <a:ext cx="15773400" cy="2250281"/>
+            <a:off x="2626517" y="7166072"/>
+            <a:ext cx="13030202" cy="1290600"/>
           </a:xfrm>
         </p:spPr>
         <p:txBody>
-          <a:bodyPr/>
+          <a:bodyPr anchor="t">
+            <a:normAutofit/>
+          </a:bodyPr>
           <a:lstStyle>
-            <a:lvl1pPr marL="0" indent="0">
-              <a:buNone/>
-              <a:defRPr sz="3600">
+            <a:lvl1pPr marL="0" indent="0" algn="r">
+              <a:buNone/>
+              <a:defRPr sz="3000">
+                <a:gradFill flip="none" rotWithShape="1">
+                  <a:gsLst>
+                    <a:gs pos="0">
+                      <a:schemeClr val="tx1"/>
+                    </a:gs>
+                    <a:gs pos="100000">
+                      <a:schemeClr val="tx1">
+                        <a:lumMod val="75000"/>
+                      </a:schemeClr>
+                    </a:gs>
+                  </a:gsLst>
+                  <a:lin ang="5400000" scaled="0"/>
+                  <a:tileRect/>
+                </a:gradFill>
+              </a:defRPr>
+            </a:lvl1pPr>
+            <a:lvl2pPr marL="685800" indent="0">
+              <a:buNone/>
+              <a:defRPr sz="2700">
                 <a:solidFill>
                   <a:schemeClr val="tx1">
                     <a:tint val="75000"/>
                   </a:schemeClr>
                 </a:solidFill>
               </a:defRPr>
-            </a:lvl1pPr>
-            <a:lvl2pPr marL="685800" indent="0">
-              <a:buNone/>
-              <a:defRPr sz="3000">
+            </a:lvl2pPr>
+            <a:lvl3pPr marL="1371600" indent="0">
+              <a:buNone/>
+              <a:defRPr sz="2400">
                 <a:solidFill>
                   <a:schemeClr val="tx1">
                     <a:tint val="75000"/>
                   </a:schemeClr>
                 </a:solidFill>
               </a:defRPr>
-            </a:lvl2pPr>
-            <a:lvl3pPr marL="1371600" indent="0">
-              <a:buNone/>
-              <a:defRPr sz="2700">
+            </a:lvl3pPr>
+            <a:lvl4pPr marL="2057400" indent="0">
+              <a:buNone/>
+              <a:defRPr sz="2100">
                 <a:solidFill>
                   <a:schemeClr val="tx1">
                     <a:tint val="75000"/>
                   </a:schemeClr>
                 </a:solidFill>
               </a:defRPr>
-            </a:lvl3pPr>
-            <a:lvl4pPr marL="2057400" indent="0">
-              <a:buNone/>
-              <a:defRPr sz="2400">
+            </a:lvl4pPr>
+            <a:lvl5pPr marL="2743200" indent="0">
+              <a:buNone/>
+              <a:defRPr sz="2100">
                 <a:solidFill>
                   <a:schemeClr val="tx1">
                     <a:tint val="75000"/>
                   </a:schemeClr>
                 </a:solidFill>
               </a:defRPr>
-            </a:lvl4pPr>
-            <a:lvl5pPr marL="2743200" indent="0">
-              <a:buNone/>
-              <a:defRPr sz="2400">
+            </a:lvl5pPr>
+            <a:lvl6pPr marL="3429000" indent="0">
+              <a:buNone/>
+              <a:defRPr sz="2100">
                 <a:solidFill>
                   <a:schemeClr val="tx1">
                     <a:tint val="75000"/>
                   </a:schemeClr>
                 </a:solidFill>
               </a:defRPr>
-            </a:lvl5pPr>
-            <a:lvl6pPr marL="3429000" indent="0">
-              <a:buNone/>
-              <a:defRPr sz="2400">
+            </a:lvl6pPr>
+            <a:lvl7pPr marL="4114800" indent="0">
+              <a:buNone/>
+              <a:defRPr sz="2100">
                 <a:solidFill>
                   <a:schemeClr val="tx1">
                     <a:tint val="75000"/>
                   </a:schemeClr>
                 </a:solidFill>
               </a:defRPr>
-            </a:lvl6pPr>
-            <a:lvl7pPr marL="4114800" indent="0">
-              <a:buNone/>
-              <a:defRPr sz="2400">
+            </a:lvl7pPr>
+            <a:lvl8pPr marL="4800600" indent="0">
+              <a:buNone/>
+              <a:defRPr sz="2100">
                 <a:solidFill>
                   <a:schemeClr val="tx1">
                     <a:tint val="75000"/>
                   </a:schemeClr>
                 </a:solidFill>
               </a:defRPr>
-            </a:lvl7pPr>
-            <a:lvl8pPr marL="4800600" indent="0">
-              <a:buNone/>
-              <a:defRPr sz="2400">
+            </a:lvl8pPr>
+            <a:lvl9pPr marL="5486400" indent="0">
+              <a:buNone/>
+              <a:defRPr sz="2100">
                 <a:solidFill>
                   <a:schemeClr val="tx1">
                     <a:tint val="75000"/>
                   </a:schemeClr>
                 </a:solidFill>
               </a:defRPr>
-            </a:lvl8pPr>
-            <a:lvl9pPr marL="5486400" indent="0">
-              <a:buNone/>
-              <a:defRPr sz="2400">
-                <a:solidFill>
-                  <a:schemeClr val="tx1">
-                    <a:tint val="75000"/>
-                  </a:schemeClr>
-                </a:solidFill>
-              </a:defRPr>
             </a:lvl9pPr>
           </a:lstStyle>
           <a:p>
@@ -1160,13 +3240,7 @@
       </p:sp>
       <p:sp>
         <p:nvSpPr>
-          <p:cNvPr id="4" name="Date Placeholder 3">
-            <a:extLst>
-              <a:ext uri="{FF2B5EF4-FFF2-40B4-BE49-F238E27FC236}">
-                <a16:creationId xmlns:a16="http://schemas.microsoft.com/office/drawing/2014/main" id="{99715E67-0B51-F8B0-759C-77E164494F4F}"/>
-              </a:ext>
-            </a:extLst>
-          </p:cNvPr>
+          <p:cNvPr id="4" name="Date Placeholder 3"/>
           <p:cNvSpPr>
             <a:spLocks noGrp="1"/>
           </p:cNvSpPr>
@@ -1182,7 +3256,7 @@
             <a:fld id="{1D8BD707-D9CF-40AE-B4C6-C98DA3205C09}" type="datetimeFigureOut">
               <a:rPr lang="en-US" smtClean="0"/>
               <a:pPr/>
-              <a:t>7/3/23</a:t>
+              <a:t>9/30/2023</a:t>
             </a:fld>
             <a:endParaRPr lang="en-US"/>
           </a:p>
@@ -1190,13 +3264,7 @@
       </p:sp>
       <p:sp>
         <p:nvSpPr>
-          <p:cNvPr id="5" name="Footer Placeholder 4">
-            <a:extLst>
-              <a:ext uri="{FF2B5EF4-FFF2-40B4-BE49-F238E27FC236}">
-                <a16:creationId xmlns:a16="http://schemas.microsoft.com/office/drawing/2014/main" id="{90908D0B-3875-CB01-5AD5-6AA4AC13C97C}"/>
-              </a:ext>
-            </a:extLst>
-          </p:cNvPr>
+          <p:cNvPr id="5" name="Footer Placeholder 4"/>
           <p:cNvSpPr>
             <a:spLocks noGrp="1"/>
           </p:cNvSpPr>
@@ -1215,13 +3283,7 @@
       </p:sp>
       <p:sp>
         <p:nvSpPr>
-          <p:cNvPr id="6" name="Slide Number Placeholder 5">
-            <a:extLst>
-              <a:ext uri="{FF2B5EF4-FFF2-40B4-BE49-F238E27FC236}">
-                <a16:creationId xmlns:a16="http://schemas.microsoft.com/office/drawing/2014/main" id="{B6C9EDC1-A673-E881-9B8C-E1F295EE824A}"/>
-              </a:ext>
-            </a:extLst>
-          </p:cNvPr>
+          <p:cNvPr id="6" name="Slide Number Placeholder 5"/>
           <p:cNvSpPr>
             <a:spLocks noGrp="1"/>
           </p:cNvSpPr>
@@ -1246,7 +3308,7 @@
     </p:spTree>
     <p:extLst>
       <p:ext uri="{BB962C8B-B14F-4D97-AF65-F5344CB8AC3E}">
-        <p14:creationId xmlns:p14="http://schemas.microsoft.com/office/powerpoint/2010/main" val="231932622"/>
+        <p14:creationId xmlns:p14="http://schemas.microsoft.com/office/powerpoint/2010/main" val="624680198"/>
       </p:ext>
     </p:extLst>
   </p:cSld>
@@ -1275,13 +3337,7 @@
       </p:grpSpPr>
       <p:sp>
         <p:nvSpPr>
-          <p:cNvPr id="2" name="Title 1">
-            <a:extLst>
-              <a:ext uri="{FF2B5EF4-FFF2-40B4-BE49-F238E27FC236}">
-                <a16:creationId xmlns:a16="http://schemas.microsoft.com/office/drawing/2014/main" id="{AA1B140F-55A6-9A78-F550-B2E816B36724}"/>
-              </a:ext>
-            </a:extLst>
-          </p:cNvPr>
+          <p:cNvPr id="2" name="Title 1"/>
           <p:cNvSpPr>
             <a:spLocks noGrp="1"/>
           </p:cNvSpPr>
@@ -1298,19 +3354,13 @@
               <a:rPr lang="en-US"/>
               <a:t>Click to edit Master title style</a:t>
             </a:r>
-            <a:endParaRPr lang="en-JP"/>
-          </a:p>
-        </p:txBody>
-      </p:sp>
-      <p:sp>
-        <p:nvSpPr>
-          <p:cNvPr id="3" name="Content Placeholder 2">
-            <a:extLst>
-              <a:ext uri="{FF2B5EF4-FFF2-40B4-BE49-F238E27FC236}">
-                <a16:creationId xmlns:a16="http://schemas.microsoft.com/office/drawing/2014/main" id="{1117671D-1495-D15E-3D13-560E5B0D8153}"/>
-              </a:ext>
-            </a:extLst>
-          </p:cNvPr>
+            <a:endParaRPr lang="en-US" dirty="0"/>
+          </a:p>
+        </p:txBody>
+      </p:sp>
+      <p:sp>
+        <p:nvSpPr>
+          <p:cNvPr id="3" name="Content Placeholder 2"/>
           <p:cNvSpPr>
             <a:spLocks noGrp="1"/>
           </p:cNvSpPr>
@@ -1320,13 +3370,43 @@
         </p:nvSpPr>
         <p:spPr>
           <a:xfrm>
-            <a:off x="1257300" y="2738437"/>
-            <a:ext cx="7772400" cy="6527007"/>
+            <a:off x="1712118" y="4000499"/>
+            <a:ext cx="7315200" cy="4686302"/>
           </a:xfrm>
         </p:spPr>
         <p:txBody>
-          <a:bodyPr/>
-          <a:lstStyle/>
+          <a:bodyPr>
+            <a:normAutofit/>
+          </a:bodyPr>
+          <a:lstStyle>
+            <a:lvl1pPr>
+              <a:defRPr sz="2700"/>
+            </a:lvl1pPr>
+            <a:lvl2pPr>
+              <a:defRPr sz="2400"/>
+            </a:lvl2pPr>
+            <a:lvl3pPr>
+              <a:defRPr sz="2100"/>
+            </a:lvl3pPr>
+            <a:lvl4pPr>
+              <a:defRPr sz="1800"/>
+            </a:lvl4pPr>
+            <a:lvl5pPr>
+              <a:defRPr sz="1800"/>
+            </a:lvl5pPr>
+            <a:lvl6pPr>
+              <a:defRPr sz="1800"/>
+            </a:lvl6pPr>
+            <a:lvl7pPr>
+              <a:defRPr sz="1800"/>
+            </a:lvl7pPr>
+            <a:lvl8pPr>
+              <a:defRPr sz="1800"/>
+            </a:lvl8pPr>
+            <a:lvl9pPr>
+              <a:defRPr sz="1800"/>
+            </a:lvl9pPr>
+          </a:lstStyle>
           <a:p>
             <a:pPr lvl="0"/>
             <a:r>
@@ -1361,19 +3441,13 @@
               <a:rPr lang="en-US"/>
               <a:t>Fifth level</a:t>
             </a:r>
-            <a:endParaRPr lang="en-JP"/>
-          </a:p>
-        </p:txBody>
-      </p:sp>
-      <p:sp>
-        <p:nvSpPr>
-          <p:cNvPr id="4" name="Content Placeholder 3">
-            <a:extLst>
-              <a:ext uri="{FF2B5EF4-FFF2-40B4-BE49-F238E27FC236}">
-                <a16:creationId xmlns:a16="http://schemas.microsoft.com/office/drawing/2014/main" id="{52BA4FC0-B20F-8657-911C-C1BF9D56C5D5}"/>
-              </a:ext>
-            </a:extLst>
-          </p:cNvPr>
+            <a:endParaRPr lang="en-US" dirty="0"/>
+          </a:p>
+        </p:txBody>
+      </p:sp>
+      <p:sp>
+        <p:nvSpPr>
+          <p:cNvPr id="4" name="Content Placeholder 3"/>
           <p:cNvSpPr>
             <a:spLocks noGrp="1"/>
           </p:cNvSpPr>
@@ -1383,13 +3457,43 @@
         </p:nvSpPr>
         <p:spPr>
           <a:xfrm>
-            <a:off x="9258300" y="2738437"/>
-            <a:ext cx="7772400" cy="6527007"/>
+            <a:off x="9255918" y="4000500"/>
+            <a:ext cx="7315200" cy="4686300"/>
           </a:xfrm>
         </p:spPr>
         <p:txBody>
-          <a:bodyPr/>
-          <a:lstStyle/>
+          <a:bodyPr>
+            <a:normAutofit/>
+          </a:bodyPr>
+          <a:lstStyle>
+            <a:lvl1pPr>
+              <a:defRPr sz="2700"/>
+            </a:lvl1pPr>
+            <a:lvl2pPr>
+              <a:defRPr sz="2400"/>
+            </a:lvl2pPr>
+            <a:lvl3pPr>
+              <a:defRPr sz="2100"/>
+            </a:lvl3pPr>
+            <a:lvl4pPr>
+              <a:defRPr sz="1800"/>
+            </a:lvl4pPr>
+            <a:lvl5pPr>
+              <a:defRPr sz="1800"/>
+            </a:lvl5pPr>
+            <a:lvl6pPr>
+              <a:defRPr sz="1800"/>
+            </a:lvl6pPr>
+            <a:lvl7pPr>
+              <a:defRPr sz="1800"/>
+            </a:lvl7pPr>
+            <a:lvl8pPr>
+              <a:defRPr sz="1800"/>
+            </a:lvl8pPr>
+            <a:lvl9pPr>
+              <a:defRPr sz="1800"/>
+            </a:lvl9pPr>
+          </a:lstStyle>
           <a:p>
             <a:pPr lvl="0"/>
             <a:r>
@@ -1424,19 +3528,13 @@
               <a:rPr lang="en-US"/>
               <a:t>Fifth level</a:t>
             </a:r>
-            <a:endParaRPr lang="en-JP"/>
-          </a:p>
-        </p:txBody>
-      </p:sp>
-      <p:sp>
-        <p:nvSpPr>
-          <p:cNvPr id="5" name="Date Placeholder 4">
-            <a:extLst>
-              <a:ext uri="{FF2B5EF4-FFF2-40B4-BE49-F238E27FC236}">
-                <a16:creationId xmlns:a16="http://schemas.microsoft.com/office/drawing/2014/main" id="{64409769-A791-AAA7-D229-A79794B13539}"/>
-              </a:ext>
-            </a:extLst>
-          </p:cNvPr>
+            <a:endParaRPr lang="en-US" dirty="0"/>
+          </a:p>
+        </p:txBody>
+      </p:sp>
+      <p:sp>
+        <p:nvSpPr>
+          <p:cNvPr id="5" name="Date Placeholder 4"/>
           <p:cNvSpPr>
             <a:spLocks noGrp="1"/>
           </p:cNvSpPr>
@@ -1452,7 +3550,7 @@
             <a:fld id="{1D8BD707-D9CF-40AE-B4C6-C98DA3205C09}" type="datetimeFigureOut">
               <a:rPr lang="en-US" smtClean="0"/>
               <a:pPr/>
-              <a:t>7/3/23</a:t>
+              <a:t>9/30/2023</a:t>
             </a:fld>
             <a:endParaRPr lang="en-US"/>
           </a:p>
@@ -1460,13 +3558,7 @@
       </p:sp>
       <p:sp>
         <p:nvSpPr>
-          <p:cNvPr id="6" name="Footer Placeholder 5">
-            <a:extLst>
-              <a:ext uri="{FF2B5EF4-FFF2-40B4-BE49-F238E27FC236}">
-                <a16:creationId xmlns:a16="http://schemas.microsoft.com/office/drawing/2014/main" id="{950FAD00-5E25-8264-D52F-4766E026D650}"/>
-              </a:ext>
-            </a:extLst>
-          </p:cNvPr>
+          <p:cNvPr id="6" name="Footer Placeholder 5"/>
           <p:cNvSpPr>
             <a:spLocks noGrp="1"/>
           </p:cNvSpPr>
@@ -1485,13 +3577,7 @@
       </p:sp>
       <p:sp>
         <p:nvSpPr>
-          <p:cNvPr id="7" name="Slide Number Placeholder 6">
-            <a:extLst>
-              <a:ext uri="{FF2B5EF4-FFF2-40B4-BE49-F238E27FC236}">
-                <a16:creationId xmlns:a16="http://schemas.microsoft.com/office/drawing/2014/main" id="{7B1E3EAF-2EFB-0E66-F896-E3845D28D27A}"/>
-              </a:ext>
-            </a:extLst>
-          </p:cNvPr>
+          <p:cNvPr id="7" name="Slide Number Placeholder 6"/>
           <p:cNvSpPr>
             <a:spLocks noGrp="1"/>
           </p:cNvSpPr>
@@ -1516,7 +3602,7 @@
     </p:spTree>
     <p:extLst>
       <p:ext uri="{BB962C8B-B14F-4D97-AF65-F5344CB8AC3E}">
-        <p14:creationId xmlns:p14="http://schemas.microsoft.com/office/powerpoint/2010/main" val="3001409417"/>
+        <p14:creationId xmlns:p14="http://schemas.microsoft.com/office/powerpoint/2010/main" val="4145851209"/>
       </p:ext>
     </p:extLst>
   </p:cSld>
@@ -1545,66 +3631,55 @@
       </p:grpSpPr>
       <p:sp>
         <p:nvSpPr>
-          <p:cNvPr id="2" name="Title 1">
-            <a:extLst>
-              <a:ext uri="{FF2B5EF4-FFF2-40B4-BE49-F238E27FC236}">
-                <a16:creationId xmlns:a16="http://schemas.microsoft.com/office/drawing/2014/main" id="{2D948BE7-4E06-FFD6-EB2C-C1A6175376A0}"/>
-              </a:ext>
-            </a:extLst>
-          </p:cNvPr>
+          <p:cNvPr id="2" name="Title 1"/>
           <p:cNvSpPr>
             <a:spLocks noGrp="1"/>
           </p:cNvSpPr>
           <p:nvPr>
             <p:ph type="title"/>
+          </p:nvPr>
+        </p:nvSpPr>
+        <p:spPr/>
+        <p:txBody>
+          <a:bodyPr/>
+          <a:lstStyle>
+            <a:lvl1pPr>
+              <a:defRPr/>
+            </a:lvl1pPr>
+          </a:lstStyle>
+          <a:p>
+            <a:r>
+              <a:rPr lang="en-US"/>
+              <a:t>Click to edit Master title style</a:t>
+            </a:r>
+            <a:endParaRPr lang="en-US" dirty="0"/>
+          </a:p>
+        </p:txBody>
+      </p:sp>
+      <p:sp>
+        <p:nvSpPr>
+          <p:cNvPr id="3" name="Text Placeholder 2"/>
+          <p:cNvSpPr>
+            <a:spLocks noGrp="1"/>
+          </p:cNvSpPr>
+          <p:nvPr>
+            <p:ph type="body" idx="1"/>
           </p:nvPr>
         </p:nvSpPr>
         <p:spPr>
           <a:xfrm>
-            <a:off x="1259682" y="547688"/>
-            <a:ext cx="15773400" cy="1988345"/>
+            <a:off x="2143921" y="3987800"/>
+            <a:ext cx="6883397" cy="864393"/>
           </a:xfrm>
         </p:spPr>
         <p:txBody>
-          <a:bodyPr/>
-          <a:lstStyle/>
-          <a:p>
-            <a:r>
-              <a:rPr lang="en-US"/>
-              <a:t>Click to edit Master title style</a:t>
-            </a:r>
-            <a:endParaRPr lang="en-JP"/>
-          </a:p>
-        </p:txBody>
-      </p:sp>
-      <p:sp>
-        <p:nvSpPr>
-          <p:cNvPr id="3" name="Text Placeholder 2">
-            <a:extLst>
-              <a:ext uri="{FF2B5EF4-FFF2-40B4-BE49-F238E27FC236}">
-                <a16:creationId xmlns:a16="http://schemas.microsoft.com/office/drawing/2014/main" id="{9C29EC06-C2DB-75A7-5EB6-AD49BB418AD3}"/>
-              </a:ext>
-            </a:extLst>
-          </p:cNvPr>
-          <p:cNvSpPr>
-            <a:spLocks noGrp="1"/>
-          </p:cNvSpPr>
-          <p:nvPr>
-            <p:ph type="body" idx="1"/>
-          </p:nvPr>
-        </p:nvSpPr>
-        <p:spPr>
-          <a:xfrm>
-            <a:off x="1259683" y="2521745"/>
-            <a:ext cx="7736681" cy="1235868"/>
-          </a:xfrm>
-        </p:spPr>
-        <p:txBody>
-          <a:bodyPr anchor="b"/>
+          <a:bodyPr anchor="b">
+            <a:noAutofit/>
+          </a:bodyPr>
           <a:lstStyle>
             <a:lvl1pPr marL="0" indent="0">
               <a:buNone/>
-              <a:defRPr sz="3600" b="1"/>
+              <a:defRPr sz="4200" b="0"/>
             </a:lvl1pPr>
             <a:lvl2pPr marL="685800" indent="0">
               <a:buNone/>
@@ -1650,13 +3725,7 @@
       </p:sp>
       <p:sp>
         <p:nvSpPr>
-          <p:cNvPr id="4" name="Content Placeholder 3">
-            <a:extLst>
-              <a:ext uri="{FF2B5EF4-FFF2-40B4-BE49-F238E27FC236}">
-                <a16:creationId xmlns:a16="http://schemas.microsoft.com/office/drawing/2014/main" id="{91B256CF-A858-60CC-F4FE-2444E8E1C289}"/>
-              </a:ext>
-            </a:extLst>
-          </p:cNvPr>
+          <p:cNvPr id="4" name="Content Placeholder 3"/>
           <p:cNvSpPr>
             <a:spLocks noGrp="1"/>
           </p:cNvSpPr>
@@ -1666,13 +3735,43 @@
         </p:nvSpPr>
         <p:spPr>
           <a:xfrm>
-            <a:off x="1259683" y="3757613"/>
-            <a:ext cx="7736681" cy="5526882"/>
+            <a:off x="1712118" y="4864894"/>
+            <a:ext cx="7315200" cy="3821906"/>
           </a:xfrm>
         </p:spPr>
         <p:txBody>
-          <a:bodyPr/>
-          <a:lstStyle/>
+          <a:bodyPr anchor="t">
+            <a:normAutofit/>
+          </a:bodyPr>
+          <a:lstStyle>
+            <a:lvl1pPr>
+              <a:defRPr sz="2700"/>
+            </a:lvl1pPr>
+            <a:lvl2pPr>
+              <a:defRPr sz="2400"/>
+            </a:lvl2pPr>
+            <a:lvl3pPr>
+              <a:defRPr sz="2100"/>
+            </a:lvl3pPr>
+            <a:lvl4pPr>
+              <a:defRPr sz="1800"/>
+            </a:lvl4pPr>
+            <a:lvl5pPr>
+              <a:defRPr sz="1800"/>
+            </a:lvl5pPr>
+            <a:lvl6pPr>
+              <a:defRPr sz="1800"/>
+            </a:lvl6pPr>
+            <a:lvl7pPr>
+              <a:defRPr sz="1800"/>
+            </a:lvl7pPr>
+            <a:lvl8pPr>
+              <a:defRPr sz="1800"/>
+            </a:lvl8pPr>
+            <a:lvl9pPr>
+              <a:defRPr sz="1800"/>
+            </a:lvl9pPr>
+          </a:lstStyle>
           <a:p>
             <a:pPr lvl="0"/>
             <a:r>
@@ -1707,19 +3806,13 @@
               <a:rPr lang="en-US"/>
               <a:t>Fifth level</a:t>
             </a:r>
-            <a:endParaRPr lang="en-JP"/>
-          </a:p>
-        </p:txBody>
-      </p:sp>
-      <p:sp>
-        <p:nvSpPr>
-          <p:cNvPr id="5" name="Text Placeholder 4">
-            <a:extLst>
-              <a:ext uri="{FF2B5EF4-FFF2-40B4-BE49-F238E27FC236}">
-                <a16:creationId xmlns:a16="http://schemas.microsoft.com/office/drawing/2014/main" id="{6B68F3BB-A305-B40D-71D8-BD1E9A9CAA0A}"/>
-              </a:ext>
-            </a:extLst>
-          </p:cNvPr>
+            <a:endParaRPr lang="en-US" dirty="0"/>
+          </a:p>
+        </p:txBody>
+      </p:sp>
+      <p:sp>
+        <p:nvSpPr>
+          <p:cNvPr id="5" name="Text Placeholder 4"/>
           <p:cNvSpPr>
             <a:spLocks noGrp="1"/>
           </p:cNvSpPr>
@@ -1729,16 +3822,18 @@
         </p:nvSpPr>
         <p:spPr>
           <a:xfrm>
-            <a:off x="9258300" y="2521745"/>
-            <a:ext cx="7774782" cy="1235868"/>
+            <a:off x="9664700" y="4000500"/>
+            <a:ext cx="6906420" cy="864393"/>
           </a:xfrm>
         </p:spPr>
         <p:txBody>
-          <a:bodyPr anchor="b"/>
+          <a:bodyPr anchor="b">
+            <a:noAutofit/>
+          </a:bodyPr>
           <a:lstStyle>
             <a:lvl1pPr marL="0" indent="0">
               <a:buNone/>
-              <a:defRPr sz="3600" b="1"/>
+              <a:defRPr sz="4200" b="0"/>
             </a:lvl1pPr>
             <a:lvl2pPr marL="685800" indent="0">
               <a:buNone/>
@@ -1784,13 +3879,7 @@
       </p:sp>
       <p:sp>
         <p:nvSpPr>
-          <p:cNvPr id="6" name="Content Placeholder 5">
-            <a:extLst>
-              <a:ext uri="{FF2B5EF4-FFF2-40B4-BE49-F238E27FC236}">
-                <a16:creationId xmlns:a16="http://schemas.microsoft.com/office/drawing/2014/main" id="{4BA92420-B781-5318-A235-BD8CD2A42D58}"/>
-              </a:ext>
-            </a:extLst>
-          </p:cNvPr>
+          <p:cNvPr id="6" name="Content Placeholder 5"/>
           <p:cNvSpPr>
             <a:spLocks noGrp="1"/>
           </p:cNvSpPr>
@@ -1800,13 +3889,43 @@
         </p:nvSpPr>
         <p:spPr>
           <a:xfrm>
-            <a:off x="9258300" y="3757613"/>
-            <a:ext cx="7774782" cy="5526882"/>
+            <a:off x="9255919" y="4864894"/>
+            <a:ext cx="7315202" cy="3821906"/>
           </a:xfrm>
         </p:spPr>
         <p:txBody>
-          <a:bodyPr/>
-          <a:lstStyle/>
+          <a:bodyPr anchor="t">
+            <a:normAutofit/>
+          </a:bodyPr>
+          <a:lstStyle>
+            <a:lvl1pPr>
+              <a:defRPr sz="2700"/>
+            </a:lvl1pPr>
+            <a:lvl2pPr>
+              <a:defRPr sz="2400"/>
+            </a:lvl2pPr>
+            <a:lvl3pPr>
+              <a:defRPr sz="2100"/>
+            </a:lvl3pPr>
+            <a:lvl4pPr>
+              <a:defRPr sz="1800"/>
+            </a:lvl4pPr>
+            <a:lvl5pPr>
+              <a:defRPr sz="1800"/>
+            </a:lvl5pPr>
+            <a:lvl6pPr>
+              <a:defRPr sz="1800"/>
+            </a:lvl6pPr>
+            <a:lvl7pPr>
+              <a:defRPr sz="1800"/>
+            </a:lvl7pPr>
+            <a:lvl8pPr>
+              <a:defRPr sz="1800"/>
+            </a:lvl8pPr>
+            <a:lvl9pPr>
+              <a:defRPr sz="1800"/>
+            </a:lvl9pPr>
+          </a:lstStyle>
           <a:p>
             <a:pPr lvl="0"/>
             <a:r>
@@ -1841,19 +3960,13 @@
               <a:rPr lang="en-US"/>
               <a:t>Fifth level</a:t>
             </a:r>
-            <a:endParaRPr lang="en-JP"/>
-          </a:p>
-        </p:txBody>
-      </p:sp>
-      <p:sp>
-        <p:nvSpPr>
-          <p:cNvPr id="7" name="Date Placeholder 6">
-            <a:extLst>
-              <a:ext uri="{FF2B5EF4-FFF2-40B4-BE49-F238E27FC236}">
-                <a16:creationId xmlns:a16="http://schemas.microsoft.com/office/drawing/2014/main" id="{142E1ED3-46BC-FF94-8FF0-0D4163D5072E}"/>
-              </a:ext>
-            </a:extLst>
-          </p:cNvPr>
+            <a:endParaRPr lang="en-US" dirty="0"/>
+          </a:p>
+        </p:txBody>
+      </p:sp>
+      <p:sp>
+        <p:nvSpPr>
+          <p:cNvPr id="7" name="Date Placeholder 6"/>
           <p:cNvSpPr>
             <a:spLocks noGrp="1"/>
           </p:cNvSpPr>
@@ -1869,7 +3982,7 @@
             <a:fld id="{1D8BD707-D9CF-40AE-B4C6-C98DA3205C09}" type="datetimeFigureOut">
               <a:rPr lang="en-US" smtClean="0"/>
               <a:pPr/>
-              <a:t>7/3/23</a:t>
+              <a:t>9/30/2023</a:t>
             </a:fld>
             <a:endParaRPr lang="en-US"/>
           </a:p>
@@ -1877,13 +3990,7 @@
       </p:sp>
       <p:sp>
         <p:nvSpPr>
-          <p:cNvPr id="8" name="Footer Placeholder 7">
-            <a:extLst>
-              <a:ext uri="{FF2B5EF4-FFF2-40B4-BE49-F238E27FC236}">
-                <a16:creationId xmlns:a16="http://schemas.microsoft.com/office/drawing/2014/main" id="{6D1ED69B-C365-C1FB-FA94-86C5FD9281C5}"/>
-              </a:ext>
-            </a:extLst>
-          </p:cNvPr>
+          <p:cNvPr id="8" name="Footer Placeholder 7"/>
           <p:cNvSpPr>
             <a:spLocks noGrp="1"/>
           </p:cNvSpPr>
@@ -1902,13 +4009,7 @@
       </p:sp>
       <p:sp>
         <p:nvSpPr>
-          <p:cNvPr id="9" name="Slide Number Placeholder 8">
-            <a:extLst>
-              <a:ext uri="{FF2B5EF4-FFF2-40B4-BE49-F238E27FC236}">
-                <a16:creationId xmlns:a16="http://schemas.microsoft.com/office/drawing/2014/main" id="{23265F36-776E-3370-AA61-EE4268DA0A8F}"/>
-              </a:ext>
-            </a:extLst>
-          </p:cNvPr>
+          <p:cNvPr id="9" name="Slide Number Placeholder 8"/>
           <p:cNvSpPr>
             <a:spLocks noGrp="1"/>
           </p:cNvSpPr>
@@ -1933,7 +4034,7 @@
     </p:spTree>
     <p:extLst>
       <p:ext uri="{BB962C8B-B14F-4D97-AF65-F5344CB8AC3E}">
-        <p14:creationId xmlns:p14="http://schemas.microsoft.com/office/powerpoint/2010/main" val="966817920"/>
+        <p14:creationId xmlns:p14="http://schemas.microsoft.com/office/powerpoint/2010/main" val="3648609350"/>
       </p:ext>
     </p:extLst>
   </p:cSld>
@@ -1962,13 +4063,7 @@
       </p:grpSpPr>
       <p:sp>
         <p:nvSpPr>
-          <p:cNvPr id="2" name="Title 1">
-            <a:extLst>
-              <a:ext uri="{FF2B5EF4-FFF2-40B4-BE49-F238E27FC236}">
-                <a16:creationId xmlns:a16="http://schemas.microsoft.com/office/drawing/2014/main" id="{B5FD2758-8F58-F8A6-DE80-B6F5569613AC}"/>
-              </a:ext>
-            </a:extLst>
-          </p:cNvPr>
+          <p:cNvPr id="2" name="Title 1"/>
           <p:cNvSpPr>
             <a:spLocks noGrp="1"/>
           </p:cNvSpPr>
@@ -1985,19 +4080,13 @@
               <a:rPr lang="en-US"/>
               <a:t>Click to edit Master title style</a:t>
             </a:r>
-            <a:endParaRPr lang="en-JP"/>
-          </a:p>
-        </p:txBody>
-      </p:sp>
-      <p:sp>
-        <p:nvSpPr>
-          <p:cNvPr id="3" name="Date Placeholder 2">
-            <a:extLst>
-              <a:ext uri="{FF2B5EF4-FFF2-40B4-BE49-F238E27FC236}">
-                <a16:creationId xmlns:a16="http://schemas.microsoft.com/office/drawing/2014/main" id="{60F6BEA0-FE9E-8952-5375-C5D0B68518DA}"/>
-              </a:ext>
-            </a:extLst>
-          </p:cNvPr>
+            <a:endParaRPr lang="en-US" dirty="0"/>
+          </a:p>
+        </p:txBody>
+      </p:sp>
+      <p:sp>
+        <p:nvSpPr>
+          <p:cNvPr id="3" name="Date Placeholder 2"/>
           <p:cNvSpPr>
             <a:spLocks noGrp="1"/>
           </p:cNvSpPr>
@@ -2013,7 +4102,7 @@
             <a:fld id="{1D8BD707-D9CF-40AE-B4C6-C98DA3205C09}" type="datetimeFigureOut">
               <a:rPr lang="en-US" smtClean="0"/>
               <a:pPr/>
-              <a:t>7/3/23</a:t>
+              <a:t>9/30/2023</a:t>
             </a:fld>
             <a:endParaRPr lang="en-US"/>
           </a:p>
@@ -2021,13 +4110,7 @@
       </p:sp>
       <p:sp>
         <p:nvSpPr>
-          <p:cNvPr id="4" name="Footer Placeholder 3">
-            <a:extLst>
-              <a:ext uri="{FF2B5EF4-FFF2-40B4-BE49-F238E27FC236}">
-                <a16:creationId xmlns:a16="http://schemas.microsoft.com/office/drawing/2014/main" id="{229E3A35-E679-39DC-3E69-9BA18ACC7C9C}"/>
-              </a:ext>
-            </a:extLst>
-          </p:cNvPr>
+          <p:cNvPr id="4" name="Footer Placeholder 3"/>
           <p:cNvSpPr>
             <a:spLocks noGrp="1"/>
           </p:cNvSpPr>
@@ -2046,13 +4129,7 @@
       </p:sp>
       <p:sp>
         <p:nvSpPr>
-          <p:cNvPr id="5" name="Slide Number Placeholder 4">
-            <a:extLst>
-              <a:ext uri="{FF2B5EF4-FFF2-40B4-BE49-F238E27FC236}">
-                <a16:creationId xmlns:a16="http://schemas.microsoft.com/office/drawing/2014/main" id="{DD80FD95-4624-7E77-F44E-A216D1977054}"/>
-              </a:ext>
-            </a:extLst>
-          </p:cNvPr>
+          <p:cNvPr id="5" name="Slide Number Placeholder 4"/>
           <p:cNvSpPr>
             <a:spLocks noGrp="1"/>
           </p:cNvSpPr>
@@ -2077,7 +4154,7 @@
     </p:spTree>
     <p:extLst>
       <p:ext uri="{BB962C8B-B14F-4D97-AF65-F5344CB8AC3E}">
-        <p14:creationId xmlns:p14="http://schemas.microsoft.com/office/powerpoint/2010/main" val="1469264443"/>
+        <p14:creationId xmlns:p14="http://schemas.microsoft.com/office/powerpoint/2010/main" val="1270585865"/>
       </p:ext>
     </p:extLst>
   </p:cSld>
@@ -2106,13 +4183,7 @@
       </p:grpSpPr>
       <p:sp>
         <p:nvSpPr>
-          <p:cNvPr id="2" name="Date Placeholder 1">
-            <a:extLst>
-              <a:ext uri="{FF2B5EF4-FFF2-40B4-BE49-F238E27FC236}">
-                <a16:creationId xmlns:a16="http://schemas.microsoft.com/office/drawing/2014/main" id="{A23B0A7A-B82B-A506-3531-4CBED1A8C1D8}"/>
-              </a:ext>
-            </a:extLst>
-          </p:cNvPr>
+          <p:cNvPr id="2" name="Date Placeholder 1"/>
           <p:cNvSpPr>
             <a:spLocks noGrp="1"/>
           </p:cNvSpPr>
@@ -2128,7 +4199,7 @@
             <a:fld id="{1D8BD707-D9CF-40AE-B4C6-C98DA3205C09}" type="datetimeFigureOut">
               <a:rPr lang="en-US" smtClean="0"/>
               <a:pPr/>
-              <a:t>7/3/23</a:t>
+              <a:t>9/30/2023</a:t>
             </a:fld>
             <a:endParaRPr lang="en-US"/>
           </a:p>
@@ -2136,13 +4207,7 @@
       </p:sp>
       <p:sp>
         <p:nvSpPr>
-          <p:cNvPr id="3" name="Footer Placeholder 2">
-            <a:extLst>
-              <a:ext uri="{FF2B5EF4-FFF2-40B4-BE49-F238E27FC236}">
-                <a16:creationId xmlns:a16="http://schemas.microsoft.com/office/drawing/2014/main" id="{4EB31B6E-15F6-7CF0-913E-676AF5825BA6}"/>
-              </a:ext>
-            </a:extLst>
-          </p:cNvPr>
+          <p:cNvPr id="3" name="Footer Placeholder 2"/>
           <p:cNvSpPr>
             <a:spLocks noGrp="1"/>
           </p:cNvSpPr>
@@ -2161,13 +4226,7 @@
       </p:sp>
       <p:sp>
         <p:nvSpPr>
-          <p:cNvPr id="4" name="Slide Number Placeholder 3">
-            <a:extLst>
-              <a:ext uri="{FF2B5EF4-FFF2-40B4-BE49-F238E27FC236}">
-                <a16:creationId xmlns:a16="http://schemas.microsoft.com/office/drawing/2014/main" id="{AC1DBE2F-CA76-4F49-A4B9-8B8131763110}"/>
-              </a:ext>
-            </a:extLst>
-          </p:cNvPr>
+          <p:cNvPr id="4" name="Slide Number Placeholder 3"/>
           <p:cNvSpPr>
             <a:spLocks noGrp="1"/>
           </p:cNvSpPr>
@@ -2192,7 +4251,7 @@
     </p:spTree>
     <p:extLst>
       <p:ext uri="{BB962C8B-B14F-4D97-AF65-F5344CB8AC3E}">
-        <p14:creationId xmlns:p14="http://schemas.microsoft.com/office/powerpoint/2010/main" val="402358225"/>
+        <p14:creationId xmlns:p14="http://schemas.microsoft.com/office/powerpoint/2010/main" val="2230835746"/>
       </p:ext>
     </p:extLst>
   </p:cSld>
@@ -2221,13 +4280,7 @@
       </p:grpSpPr>
       <p:sp>
         <p:nvSpPr>
-          <p:cNvPr id="2" name="Title 1">
-            <a:extLst>
-              <a:ext uri="{FF2B5EF4-FFF2-40B4-BE49-F238E27FC236}">
-                <a16:creationId xmlns:a16="http://schemas.microsoft.com/office/drawing/2014/main" id="{9F7871F1-B8ED-DA60-4C51-B159EB231EA4}"/>
-              </a:ext>
-            </a:extLst>
-          </p:cNvPr>
+          <p:cNvPr id="2" name="Title 1"/>
           <p:cNvSpPr>
             <a:spLocks noGrp="1"/>
           </p:cNvSpPr>
@@ -2237,141 +4290,135 @@
         </p:nvSpPr>
         <p:spPr>
           <a:xfrm>
-            <a:off x="1259683" y="685800"/>
-            <a:ext cx="5898356" cy="2400300"/>
+            <a:off x="1712117" y="2400300"/>
+            <a:ext cx="5323682" cy="2057400"/>
           </a:xfrm>
         </p:spPr>
         <p:txBody>
-          <a:bodyPr anchor="b"/>
+          <a:bodyPr anchor="b">
+            <a:normAutofit/>
+          </a:bodyPr>
+          <a:lstStyle>
+            <a:lvl1pPr algn="l">
+              <a:defRPr sz="3600" b="0"/>
+            </a:lvl1pPr>
+          </a:lstStyle>
+          <a:p>
+            <a:r>
+              <a:rPr lang="en-US"/>
+              <a:t>Click to edit Master title style</a:t>
+            </a:r>
+            <a:endParaRPr lang="en-US" dirty="0"/>
+          </a:p>
+        </p:txBody>
+      </p:sp>
+      <p:sp>
+        <p:nvSpPr>
+          <p:cNvPr id="3" name="Content Placeholder 2"/>
+          <p:cNvSpPr>
+            <a:spLocks noGrp="1"/>
+          </p:cNvSpPr>
+          <p:nvPr>
+            <p:ph idx="1"/>
+          </p:nvPr>
+        </p:nvSpPr>
+        <p:spPr>
+          <a:xfrm>
+            <a:off x="7655719" y="914402"/>
+            <a:ext cx="8915402" cy="7772400"/>
+          </a:xfrm>
+        </p:spPr>
+        <p:txBody>
+          <a:bodyPr anchor="ctr">
+            <a:normAutofit/>
+          </a:bodyPr>
           <a:lstStyle>
             <a:lvl1pPr>
-              <a:defRPr sz="4800"/>
+              <a:defRPr sz="3000"/>
             </a:lvl1pPr>
+            <a:lvl2pPr>
+              <a:defRPr sz="2700"/>
+            </a:lvl2pPr>
+            <a:lvl3pPr>
+              <a:defRPr sz="2400"/>
+            </a:lvl3pPr>
+            <a:lvl4pPr>
+              <a:defRPr sz="2100"/>
+            </a:lvl4pPr>
+            <a:lvl5pPr>
+              <a:defRPr sz="2100"/>
+            </a:lvl5pPr>
+            <a:lvl6pPr>
+              <a:defRPr sz="2100"/>
+            </a:lvl6pPr>
+            <a:lvl7pPr>
+              <a:defRPr sz="2100"/>
+            </a:lvl7pPr>
+            <a:lvl8pPr>
+              <a:defRPr sz="2100"/>
+            </a:lvl8pPr>
+            <a:lvl9pPr>
+              <a:defRPr sz="2100"/>
+            </a:lvl9pPr>
           </a:lstStyle>
           <a:p>
-            <a:r>
-              <a:rPr lang="en-US"/>
-              <a:t>Click to edit Master title style</a:t>
-            </a:r>
-            <a:endParaRPr lang="en-JP"/>
-          </a:p>
-        </p:txBody>
-      </p:sp>
-      <p:sp>
-        <p:nvSpPr>
-          <p:cNvPr id="3" name="Content Placeholder 2">
-            <a:extLst>
-              <a:ext uri="{FF2B5EF4-FFF2-40B4-BE49-F238E27FC236}">
-                <a16:creationId xmlns:a16="http://schemas.microsoft.com/office/drawing/2014/main" id="{25A51BF6-2FD1-EDEB-8F30-47B5E021D5A4}"/>
-              </a:ext>
-            </a:extLst>
-          </p:cNvPr>
-          <p:cNvSpPr>
-            <a:spLocks noGrp="1"/>
-          </p:cNvSpPr>
-          <p:nvPr>
-            <p:ph idx="1"/>
+            <a:pPr lvl="0"/>
+            <a:r>
+              <a:rPr lang="en-US"/>
+              <a:t>Click to edit Master text styles</a:t>
+            </a:r>
+          </a:p>
+          <a:p>
+            <a:pPr lvl="1"/>
+            <a:r>
+              <a:rPr lang="en-US"/>
+              <a:t>Second level</a:t>
+            </a:r>
+          </a:p>
+          <a:p>
+            <a:pPr lvl="2"/>
+            <a:r>
+              <a:rPr lang="en-US"/>
+              <a:t>Third level</a:t>
+            </a:r>
+          </a:p>
+          <a:p>
+            <a:pPr lvl="3"/>
+            <a:r>
+              <a:rPr lang="en-US"/>
+              <a:t>Fourth level</a:t>
+            </a:r>
+          </a:p>
+          <a:p>
+            <a:pPr lvl="4"/>
+            <a:r>
+              <a:rPr lang="en-US"/>
+              <a:t>Fifth level</a:t>
+            </a:r>
+            <a:endParaRPr lang="en-US" dirty="0"/>
+          </a:p>
+        </p:txBody>
+      </p:sp>
+      <p:sp>
+        <p:nvSpPr>
+          <p:cNvPr id="4" name="Text Placeholder 3"/>
+          <p:cNvSpPr>
+            <a:spLocks noGrp="1"/>
+          </p:cNvSpPr>
+          <p:nvPr>
+            <p:ph type="body" sz="half" idx="2"/>
           </p:nvPr>
         </p:nvSpPr>
         <p:spPr>
           <a:xfrm>
-            <a:off x="7774782" y="1481138"/>
-            <a:ext cx="9258300" cy="7310438"/>
+            <a:off x="1712117" y="4457700"/>
+            <a:ext cx="5323682" cy="2743200"/>
           </a:xfrm>
         </p:spPr>
         <p:txBody>
-          <a:bodyPr/>
-          <a:lstStyle>
-            <a:lvl1pPr>
-              <a:defRPr sz="4800"/>
-            </a:lvl1pPr>
-            <a:lvl2pPr>
-              <a:defRPr sz="4200"/>
-            </a:lvl2pPr>
-            <a:lvl3pPr>
-              <a:defRPr sz="3600"/>
-            </a:lvl3pPr>
-            <a:lvl4pPr>
-              <a:defRPr sz="3000"/>
-            </a:lvl4pPr>
-            <a:lvl5pPr>
-              <a:defRPr sz="3000"/>
-            </a:lvl5pPr>
-            <a:lvl6pPr>
-              <a:defRPr sz="3000"/>
-            </a:lvl6pPr>
-            <a:lvl7pPr>
-              <a:defRPr sz="3000"/>
-            </a:lvl7pPr>
-            <a:lvl8pPr>
-              <a:defRPr sz="3000"/>
-            </a:lvl8pPr>
-            <a:lvl9pPr>
-              <a:defRPr sz="3000"/>
-            </a:lvl9pPr>
-          </a:lstStyle>
-          <a:p>
-            <a:pPr lvl="0"/>
-            <a:r>
-              <a:rPr lang="en-US"/>
-              <a:t>Click to edit Master text styles</a:t>
-            </a:r>
-          </a:p>
-          <a:p>
-            <a:pPr lvl="1"/>
-            <a:r>
-              <a:rPr lang="en-US"/>
-              <a:t>Second level</a:t>
-            </a:r>
-          </a:p>
-          <a:p>
-            <a:pPr lvl="2"/>
-            <a:r>
-              <a:rPr lang="en-US"/>
-              <a:t>Third level</a:t>
-            </a:r>
-          </a:p>
-          <a:p>
-            <a:pPr lvl="3"/>
-            <a:r>
-              <a:rPr lang="en-US"/>
-              <a:t>Fourth level</a:t>
-            </a:r>
-          </a:p>
-          <a:p>
-            <a:pPr lvl="4"/>
-            <a:r>
-              <a:rPr lang="en-US"/>
-              <a:t>Fifth level</a:t>
-            </a:r>
-            <a:endParaRPr lang="en-JP"/>
-          </a:p>
-        </p:txBody>
-      </p:sp>
-      <p:sp>
-        <p:nvSpPr>
-          <p:cNvPr id="4" name="Text Placeholder 3">
-            <a:extLst>
-              <a:ext uri="{FF2B5EF4-FFF2-40B4-BE49-F238E27FC236}">
-                <a16:creationId xmlns:a16="http://schemas.microsoft.com/office/drawing/2014/main" id="{97DC15AD-C21E-0E93-487E-3B5EFD30D492}"/>
-              </a:ext>
-            </a:extLst>
-          </p:cNvPr>
-          <p:cNvSpPr>
-            <a:spLocks noGrp="1"/>
-          </p:cNvSpPr>
-          <p:nvPr>
-            <p:ph type="body" sz="half" idx="2"/>
-          </p:nvPr>
-        </p:nvSpPr>
-        <p:spPr>
-          <a:xfrm>
-            <a:off x="1259683" y="3086100"/>
-            <a:ext cx="5898356" cy="5717382"/>
-          </a:xfrm>
-        </p:spPr>
-        <p:txBody>
-          <a:bodyPr/>
+          <a:bodyPr>
+            <a:normAutofit/>
+          </a:bodyPr>
           <a:lstStyle>
             <a:lvl1pPr marL="0" indent="0">
               <a:buNone/>
@@ -2379,35 +4426,35 @@
             </a:lvl1pPr>
             <a:lvl2pPr marL="685800" indent="0">
               <a:buNone/>
-              <a:defRPr sz="2100"/>
+              <a:defRPr sz="1800"/>
             </a:lvl2pPr>
             <a:lvl3pPr marL="1371600" indent="0">
               <a:buNone/>
-              <a:defRPr sz="1800"/>
+              <a:defRPr sz="1500"/>
             </a:lvl3pPr>
             <a:lvl4pPr marL="2057400" indent="0">
               <a:buNone/>
-              <a:defRPr sz="1500"/>
+              <a:defRPr sz="1350"/>
             </a:lvl4pPr>
             <a:lvl5pPr marL="2743200" indent="0">
               <a:buNone/>
-              <a:defRPr sz="1500"/>
+              <a:defRPr sz="1350"/>
             </a:lvl5pPr>
             <a:lvl6pPr marL="3429000" indent="0">
               <a:buNone/>
-              <a:defRPr sz="1500"/>
+              <a:defRPr sz="1350"/>
             </a:lvl6pPr>
             <a:lvl7pPr marL="4114800" indent="0">
               <a:buNone/>
-              <a:defRPr sz="1500"/>
+              <a:defRPr sz="1350"/>
             </a:lvl7pPr>
             <a:lvl8pPr marL="4800600" indent="0">
               <a:buNone/>
-              <a:defRPr sz="1500"/>
+              <a:defRPr sz="1350"/>
             </a:lvl8pPr>
             <a:lvl9pPr marL="5486400" indent="0">
               <a:buNone/>
-              <a:defRPr sz="1500"/>
+              <a:defRPr sz="1350"/>
             </a:lvl9pPr>
           </a:lstStyle>
           <a:p>
@@ -2421,13 +4468,7 @@
       </p:sp>
       <p:sp>
         <p:nvSpPr>
-          <p:cNvPr id="5" name="Date Placeholder 4">
-            <a:extLst>
-              <a:ext uri="{FF2B5EF4-FFF2-40B4-BE49-F238E27FC236}">
-                <a16:creationId xmlns:a16="http://schemas.microsoft.com/office/drawing/2014/main" id="{DB265912-8197-D0D6-3A5B-521D2CCE864B}"/>
-              </a:ext>
-            </a:extLst>
-          </p:cNvPr>
+          <p:cNvPr id="5" name="Date Placeholder 4"/>
           <p:cNvSpPr>
             <a:spLocks noGrp="1"/>
           </p:cNvSpPr>
@@ -2443,7 +4484,7 @@
             <a:fld id="{1D8BD707-D9CF-40AE-B4C6-C98DA3205C09}" type="datetimeFigureOut">
               <a:rPr lang="en-US" smtClean="0"/>
               <a:pPr/>
-              <a:t>7/3/23</a:t>
+              <a:t>9/30/2023</a:t>
             </a:fld>
             <a:endParaRPr lang="en-US"/>
           </a:p>
@@ -2451,13 +4492,7 @@
       </p:sp>
       <p:sp>
         <p:nvSpPr>
-          <p:cNvPr id="6" name="Footer Placeholder 5">
-            <a:extLst>
-              <a:ext uri="{FF2B5EF4-FFF2-40B4-BE49-F238E27FC236}">
-                <a16:creationId xmlns:a16="http://schemas.microsoft.com/office/drawing/2014/main" id="{AC79B8AF-F423-C5CC-F0C6-59E4390D68F6}"/>
-              </a:ext>
-            </a:extLst>
-          </p:cNvPr>
+          <p:cNvPr id="6" name="Footer Placeholder 5"/>
           <p:cNvSpPr>
             <a:spLocks noGrp="1"/>
           </p:cNvSpPr>
@@ -2476,13 +4511,7 @@
       </p:sp>
       <p:sp>
         <p:nvSpPr>
-          <p:cNvPr id="7" name="Slide Number Placeholder 6">
-            <a:extLst>
-              <a:ext uri="{FF2B5EF4-FFF2-40B4-BE49-F238E27FC236}">
-                <a16:creationId xmlns:a16="http://schemas.microsoft.com/office/drawing/2014/main" id="{1A321FBA-DEB9-DA5B-70EA-AF9C62DF125D}"/>
-              </a:ext>
-            </a:extLst>
-          </p:cNvPr>
+          <p:cNvPr id="7" name="Slide Number Placeholder 6"/>
           <p:cNvSpPr>
             <a:spLocks noGrp="1"/>
           </p:cNvSpPr>
@@ -2507,7 +4536,7 @@
     </p:spTree>
     <p:extLst>
       <p:ext uri="{BB962C8B-B14F-4D97-AF65-F5344CB8AC3E}">
-        <p14:creationId xmlns:p14="http://schemas.microsoft.com/office/powerpoint/2010/main" val="3808638200"/>
+        <p14:creationId xmlns:p14="http://schemas.microsoft.com/office/powerpoint/2010/main" val="21938864"/>
       </p:ext>
     </p:extLst>
   </p:cSld>
@@ -2536,13 +4565,7 @@
       </p:grpSpPr>
       <p:sp>
         <p:nvSpPr>
-          <p:cNvPr id="2" name="Title 1">
-            <a:extLst>
-              <a:ext uri="{FF2B5EF4-FFF2-40B4-BE49-F238E27FC236}">
-                <a16:creationId xmlns:a16="http://schemas.microsoft.com/office/drawing/2014/main" id="{25B39B88-2128-3D47-6F85-AF8C03960F37}"/>
-              </a:ext>
-            </a:extLst>
-          </p:cNvPr>
+          <p:cNvPr id="2" name="Title 1"/>
           <p:cNvSpPr>
             <a:spLocks noGrp="1"/>
           </p:cNvSpPr>
@@ -2552,15 +4575,17 @@
         </p:nvSpPr>
         <p:spPr>
           <a:xfrm>
-            <a:off x="1259683" y="685800"/>
-            <a:ext cx="5898356" cy="2400300"/>
+            <a:off x="1712117" y="2400300"/>
+            <a:ext cx="8001002" cy="2057400"/>
           </a:xfrm>
         </p:spPr>
         <p:txBody>
-          <a:bodyPr anchor="b"/>
+          <a:bodyPr anchor="b">
+            <a:normAutofit/>
+          </a:bodyPr>
           <a:lstStyle>
-            <a:lvl1pPr>
-              <a:defRPr sz="4800"/>
+            <a:lvl1pPr algn="l">
+              <a:defRPr sz="4200" b="0"/>
             </a:lvl1pPr>
           </a:lstStyle>
           <a:p>
@@ -2568,21 +4593,15 @@
               <a:rPr lang="en-US"/>
               <a:t>Click to edit Master title style</a:t>
             </a:r>
-            <a:endParaRPr lang="en-JP"/>
-          </a:p>
-        </p:txBody>
-      </p:sp>
-      <p:sp>
-        <p:nvSpPr>
-          <p:cNvPr id="3" name="Picture Placeholder 2">
-            <a:extLst>
-              <a:ext uri="{FF2B5EF4-FFF2-40B4-BE49-F238E27FC236}">
-                <a16:creationId xmlns:a16="http://schemas.microsoft.com/office/drawing/2014/main" id="{C0F290AC-4DCC-3777-550B-2A49CE056DCB}"/>
-              </a:ext>
-            </a:extLst>
-          </p:cNvPr>
-          <p:cNvSpPr>
-            <a:spLocks noGrp="1"/>
+            <a:endParaRPr lang="en-US" dirty="0"/>
+          </a:p>
+        </p:txBody>
+      </p:sp>
+      <p:sp>
+        <p:nvSpPr>
+          <p:cNvPr id="14" name="Picture Placeholder 2"/>
+          <p:cNvSpPr>
+            <a:spLocks noGrp="1" noChangeAspect="1"/>
           </p:cNvSpPr>
           <p:nvPr>
             <p:ph type="pic" idx="1"/>
@@ -2590,118 +4609,143 @@
         </p:nvSpPr>
         <p:spPr>
           <a:xfrm>
-            <a:off x="7774782" y="1481138"/>
-            <a:ext cx="9258300" cy="7310438"/>
+            <a:off x="11150600" y="-27432"/>
+            <a:ext cx="4914899" cy="10355580"/>
           </a:xfrm>
+          <a:ln w="38100">
+            <a:gradFill flip="none" rotWithShape="1">
+              <a:gsLst>
+                <a:gs pos="0">
+                  <a:schemeClr val="bg2"/>
+                </a:gs>
+                <a:gs pos="100000">
+                  <a:schemeClr val="bg2">
+                    <a:lumMod val="75000"/>
+                  </a:schemeClr>
+                </a:gs>
+              </a:gsLst>
+              <a:lin ang="5400000" scaled="0"/>
+              <a:tileRect/>
+            </a:gradFill>
+          </a:ln>
+          <a:effectLst>
+            <a:innerShdw blurRad="57150" dist="38100" dir="10800000">
+              <a:srgbClr val="000000">
+                <a:alpha val="70000"/>
+              </a:srgbClr>
+            </a:innerShdw>
+          </a:effectLst>
         </p:spPr>
         <p:txBody>
-          <a:bodyPr/>
+          <a:bodyPr anchor="t">
+            <a:normAutofit/>
+          </a:bodyPr>
           <a:lstStyle>
-            <a:lvl1pPr marL="0" indent="0">
-              <a:buNone/>
-              <a:defRPr sz="4800"/>
-            </a:lvl1pPr>
-            <a:lvl2pPr marL="685800" indent="0">
-              <a:buNone/>
-              <a:defRPr sz="4200"/>
-            </a:lvl2pPr>
-            <a:lvl3pPr marL="1371600" indent="0">
-              <a:buNone/>
-              <a:defRPr sz="3600"/>
-            </a:lvl3pPr>
-            <a:lvl4pPr marL="2057400" indent="0">
-              <a:buNone/>
-              <a:defRPr sz="3000"/>
-            </a:lvl4pPr>
-            <a:lvl5pPr marL="2743200" indent="0">
-              <a:buNone/>
-              <a:defRPr sz="3000"/>
-            </a:lvl5pPr>
-            <a:lvl6pPr marL="3429000" indent="0">
-              <a:buNone/>
-              <a:defRPr sz="3000"/>
-            </a:lvl6pPr>
-            <a:lvl7pPr marL="4114800" indent="0">
-              <a:buNone/>
-              <a:defRPr sz="3000"/>
-            </a:lvl7pPr>
-            <a:lvl8pPr marL="4800600" indent="0">
-              <a:buNone/>
-              <a:defRPr sz="3000"/>
-            </a:lvl8pPr>
-            <a:lvl9pPr marL="5486400" indent="0">
-              <a:buNone/>
-              <a:defRPr sz="3000"/>
-            </a:lvl9pPr>
-          </a:lstStyle>
-          <a:p>
-            <a:endParaRPr lang="en-JP"/>
-          </a:p>
-        </p:txBody>
-      </p:sp>
-      <p:sp>
-        <p:nvSpPr>
-          <p:cNvPr id="4" name="Text Placeholder 3">
-            <a:extLst>
-              <a:ext uri="{FF2B5EF4-FFF2-40B4-BE49-F238E27FC236}">
-                <a16:creationId xmlns:a16="http://schemas.microsoft.com/office/drawing/2014/main" id="{D14B7181-36AA-E662-5A94-C3A6C31B2C8A}"/>
-              </a:ext>
-            </a:extLst>
-          </p:cNvPr>
-          <p:cNvSpPr>
-            <a:spLocks noGrp="1"/>
-          </p:cNvSpPr>
-          <p:nvPr>
-            <p:ph type="body" sz="half" idx="2"/>
-          </p:nvPr>
-        </p:nvSpPr>
-        <p:spPr>
-          <a:xfrm>
-            <a:off x="1259683" y="3086100"/>
-            <a:ext cx="5898356" cy="5717382"/>
-          </a:xfrm>
-        </p:spPr>
-        <p:txBody>
-          <a:bodyPr/>
-          <a:lstStyle>
-            <a:lvl1pPr marL="0" indent="0">
+            <a:lvl1pPr marL="0" indent="0" algn="ctr">
               <a:buNone/>
               <a:defRPr sz="2400"/>
             </a:lvl1pPr>
             <a:lvl2pPr marL="685800" indent="0">
               <a:buNone/>
-              <a:defRPr sz="2100"/>
+              <a:defRPr sz="2400"/>
             </a:lvl2pPr>
             <a:lvl3pPr marL="1371600" indent="0">
               <a:buNone/>
-              <a:defRPr sz="1800"/>
+              <a:defRPr sz="2400"/>
             </a:lvl3pPr>
             <a:lvl4pPr marL="2057400" indent="0">
               <a:buNone/>
-              <a:defRPr sz="1500"/>
+              <a:defRPr sz="2400"/>
             </a:lvl4pPr>
             <a:lvl5pPr marL="2743200" indent="0">
               <a:buNone/>
-              <a:defRPr sz="1500"/>
+              <a:defRPr sz="2400"/>
             </a:lvl5pPr>
             <a:lvl6pPr marL="3429000" indent="0">
               <a:buNone/>
-              <a:defRPr sz="1500"/>
+              <a:defRPr sz="2400"/>
             </a:lvl6pPr>
             <a:lvl7pPr marL="4114800" indent="0">
               <a:buNone/>
-              <a:defRPr sz="1500"/>
+              <a:defRPr sz="2400"/>
             </a:lvl7pPr>
             <a:lvl8pPr marL="4800600" indent="0">
               <a:buNone/>
-              <a:defRPr sz="1500"/>
+              <a:defRPr sz="2400"/>
             </a:lvl8pPr>
             <a:lvl9pPr marL="5486400" indent="0">
               <a:buNone/>
-              <a:defRPr sz="1500"/>
+              <a:defRPr sz="2400"/>
             </a:lvl9pPr>
           </a:lstStyle>
           <a:p>
+            <a:r>
+              <a:rPr lang="en-US"/>
+              <a:t>Click icon to add picture</a:t>
+            </a:r>
+            <a:endParaRPr lang="en-US" dirty="0"/>
+          </a:p>
+        </p:txBody>
+      </p:sp>
+      <p:sp>
+        <p:nvSpPr>
+          <p:cNvPr id="4" name="Text Placeholder 3"/>
+          <p:cNvSpPr>
+            <a:spLocks noGrp="1"/>
+          </p:cNvSpPr>
+          <p:nvPr>
+            <p:ph type="body" sz="half" idx="2"/>
+          </p:nvPr>
+        </p:nvSpPr>
+        <p:spPr>
+          <a:xfrm>
+            <a:off x="1712117" y="4457700"/>
+            <a:ext cx="8001002" cy="2743200"/>
+          </a:xfrm>
+        </p:spPr>
+        <p:txBody>
+          <a:bodyPr>
+            <a:normAutofit/>
+          </a:bodyPr>
+          <a:lstStyle>
+            <a:lvl1pPr marL="0" indent="0">
+              <a:buNone/>
+              <a:defRPr sz="2700"/>
+            </a:lvl1pPr>
+            <a:lvl2pPr marL="685800" indent="0">
+              <a:buNone/>
+              <a:defRPr sz="1800"/>
+            </a:lvl2pPr>
+            <a:lvl3pPr marL="1371600" indent="0">
+              <a:buNone/>
+              <a:defRPr sz="1500"/>
+            </a:lvl3pPr>
+            <a:lvl4pPr marL="2057400" indent="0">
+              <a:buNone/>
+              <a:defRPr sz="1350"/>
+            </a:lvl4pPr>
+            <a:lvl5pPr marL="2743200" indent="0">
+              <a:buNone/>
+              <a:defRPr sz="1350"/>
+            </a:lvl5pPr>
+            <a:lvl6pPr marL="3429000" indent="0">
+              <a:buNone/>
+              <a:defRPr sz="1350"/>
+            </a:lvl6pPr>
+            <a:lvl7pPr marL="4114800" indent="0">
+              <a:buNone/>
+              <a:defRPr sz="1350"/>
+            </a:lvl7pPr>
+            <a:lvl8pPr marL="4800600" indent="0">
+              <a:buNone/>
+              <a:defRPr sz="1350"/>
+            </a:lvl8pPr>
+            <a:lvl9pPr marL="5486400" indent="0">
+              <a:buNone/>
+              <a:defRPr sz="1350"/>
+            </a:lvl9pPr>
+          </a:lstStyle>
+          <a:p>
             <a:pPr lvl="0"/>
             <a:r>
               <a:rPr lang="en-US"/>
@@ -2712,13 +4756,7 @@
       </p:sp>
       <p:sp>
         <p:nvSpPr>
-          <p:cNvPr id="5" name="Date Placeholder 4">
-            <a:extLst>
-              <a:ext uri="{FF2B5EF4-FFF2-40B4-BE49-F238E27FC236}">
-                <a16:creationId xmlns:a16="http://schemas.microsoft.com/office/drawing/2014/main" id="{A00C5771-001D-626E-F993-04981DFE3F05}"/>
-              </a:ext>
-            </a:extLst>
-          </p:cNvPr>
+          <p:cNvPr id="5" name="Date Placeholder 4"/>
           <p:cNvSpPr>
             <a:spLocks noGrp="1"/>
           </p:cNvSpPr>
@@ -2726,7 +4764,12 @@
             <p:ph type="dt" sz="half" idx="10"/>
           </p:nvPr>
         </p:nvSpPr>
-        <p:spPr/>
+        <p:spPr>
+          <a:xfrm>
+            <a:off x="9598818" y="8824913"/>
+            <a:ext cx="1371600" cy="547688"/>
+          </a:xfrm>
+        </p:spPr>
         <p:txBody>
           <a:bodyPr/>
           <a:lstStyle/>
@@ -2734,7 +4777,7 @@
             <a:fld id="{1D8BD707-D9CF-40AE-B4C6-C98DA3205C09}" type="datetimeFigureOut">
               <a:rPr lang="en-US" smtClean="0"/>
               <a:pPr/>
-              <a:t>7/3/23</a:t>
+              <a:t>9/30/2023</a:t>
             </a:fld>
             <a:endParaRPr lang="en-US"/>
           </a:p>
@@ -2742,13 +4785,7 @@
       </p:sp>
       <p:sp>
         <p:nvSpPr>
-          <p:cNvPr id="6" name="Footer Placeholder 5">
-            <a:extLst>
-              <a:ext uri="{FF2B5EF4-FFF2-40B4-BE49-F238E27FC236}">
-                <a16:creationId xmlns:a16="http://schemas.microsoft.com/office/drawing/2014/main" id="{6CFD2DC6-EE15-6374-A026-786449C43433}"/>
-              </a:ext>
-            </a:extLst>
-          </p:cNvPr>
+          <p:cNvPr id="6" name="Footer Placeholder 5"/>
           <p:cNvSpPr>
             <a:spLocks noGrp="1"/>
           </p:cNvSpPr>
@@ -2756,7 +4793,12 @@
             <p:ph type="ftr" sz="quarter" idx="11"/>
           </p:nvPr>
         </p:nvSpPr>
-        <p:spPr/>
+        <p:spPr>
+          <a:xfrm>
+            <a:off x="1712118" y="8824913"/>
+            <a:ext cx="7658100" cy="547688"/>
+          </a:xfrm>
+        </p:spPr>
         <p:txBody>
           <a:bodyPr/>
           <a:lstStyle/>
@@ -2767,13 +4809,7 @@
       </p:sp>
       <p:sp>
         <p:nvSpPr>
-          <p:cNvPr id="7" name="Slide Number Placeholder 6">
-            <a:extLst>
-              <a:ext uri="{FF2B5EF4-FFF2-40B4-BE49-F238E27FC236}">
-                <a16:creationId xmlns:a16="http://schemas.microsoft.com/office/drawing/2014/main" id="{C7227B5C-B28F-D4D5-AC36-AD652EF4757A}"/>
-              </a:ext>
-            </a:extLst>
-          </p:cNvPr>
+          <p:cNvPr id="7" name="Slide Number Placeholder 6"/>
           <p:cNvSpPr>
             <a:spLocks noGrp="1"/>
           </p:cNvSpPr>
@@ -2781,7 +4817,12 @@
             <p:ph type="sldNum" sz="quarter" idx="12"/>
           </p:nvPr>
         </p:nvSpPr>
-        <p:spPr/>
+        <p:spPr>
+          <a:xfrm>
+            <a:off x="16113919" y="8824913"/>
+            <a:ext cx="483851" cy="547688"/>
+          </a:xfrm>
+        </p:spPr>
         <p:txBody>
           <a:bodyPr/>
           <a:lstStyle/>
@@ -2798,7 +4839,7 @@
     </p:spTree>
     <p:extLst>
       <p:ext uri="{BB962C8B-B14F-4D97-AF65-F5344CB8AC3E}">
-        <p14:creationId xmlns:p14="http://schemas.microsoft.com/office/powerpoint/2010/main" val="2567880065"/>
+        <p14:creationId xmlns:p14="http://schemas.microsoft.com/office/powerpoint/2010/main" val="4144802610"/>
       </p:ext>
     </p:extLst>
   </p:cSld>
@@ -2812,8 +4853,8 @@
 <p:sldMaster xmlns:a="http://schemas.openxmlformats.org/drawingml/2006/main" xmlns:r="http://schemas.openxmlformats.org/officeDocument/2006/relationships" xmlns:p="http://schemas.openxmlformats.org/presentationml/2006/main">
   <p:cSld>
     <p:bg>
-      <p:bgRef idx="1001">
-        <a:schemeClr val="bg1"/>
+      <p:bgRef idx="1003">
+        <a:schemeClr val="bg2"/>
       </p:bgRef>
     </p:bg>
     <p:spTree>
@@ -2832,13 +4873,7 @@
       </p:grpSpPr>
       <p:sp>
         <p:nvSpPr>
-          <p:cNvPr id="2" name="Title Placeholder 1">
-            <a:extLst>
-              <a:ext uri="{FF2B5EF4-FFF2-40B4-BE49-F238E27FC236}">
-                <a16:creationId xmlns:a16="http://schemas.microsoft.com/office/drawing/2014/main" id="{98DE43E5-9177-D2DF-9FE0-BC0D9B6C4586}"/>
-              </a:ext>
-            </a:extLst>
-          </p:cNvPr>
+          <p:cNvPr id="2" name="Title Placeholder 1"/>
           <p:cNvSpPr>
             <a:spLocks noGrp="1"/>
           </p:cNvSpPr>
@@ -2848,8 +4883,8 @@
         </p:nvSpPr>
         <p:spPr>
           <a:xfrm>
-            <a:off x="1257300" y="547688"/>
-            <a:ext cx="15773400" cy="1988345"/>
+            <a:off x="1712120" y="914400"/>
+            <a:ext cx="14858997" cy="2857500"/>
           </a:xfrm>
           <a:prstGeom prst="rect">
             <a:avLst/>
@@ -2865,19 +4900,13 @@
               <a:rPr lang="en-US"/>
               <a:t>Click to edit Master title style</a:t>
             </a:r>
-            <a:endParaRPr lang="en-JP"/>
-          </a:p>
-        </p:txBody>
-      </p:sp>
-      <p:sp>
-        <p:nvSpPr>
-          <p:cNvPr id="3" name="Text Placeholder 2">
-            <a:extLst>
-              <a:ext uri="{FF2B5EF4-FFF2-40B4-BE49-F238E27FC236}">
-                <a16:creationId xmlns:a16="http://schemas.microsoft.com/office/drawing/2014/main" id="{D3471B27-8C3C-8B29-1CA7-CF924715238D}"/>
-              </a:ext>
-            </a:extLst>
-          </p:cNvPr>
+            <a:endParaRPr lang="en-US" dirty="0"/>
+          </a:p>
+        </p:txBody>
+      </p:sp>
+      <p:sp>
+        <p:nvSpPr>
+          <p:cNvPr id="3" name="Text Placeholder 2"/>
           <p:cNvSpPr>
             <a:spLocks noGrp="1"/>
           </p:cNvSpPr>
@@ -2887,15 +4916,15 @@
         </p:nvSpPr>
         <p:spPr>
           <a:xfrm>
-            <a:off x="1257300" y="2738437"/>
-            <a:ext cx="15773400" cy="6527007"/>
+            <a:off x="1712120" y="4000499"/>
+            <a:ext cx="14858997" cy="4686302"/>
           </a:xfrm>
           <a:prstGeom prst="rect">
             <a:avLst/>
           </a:prstGeom>
         </p:spPr>
         <p:txBody>
-          <a:bodyPr vert="horz" lIns="91440" tIns="45720" rIns="91440" bIns="45720" rtlCol="0">
+          <a:bodyPr vert="horz" lIns="91440" tIns="45720" rIns="91440" bIns="45720" rtlCol="0" anchor="ctr">
             <a:normAutofit/>
           </a:bodyPr>
           <a:lstStyle/>
@@ -2933,19 +4962,13 @@
               <a:rPr lang="en-US"/>
               <a:t>Fifth level</a:t>
             </a:r>
-            <a:endParaRPr lang="en-JP"/>
-          </a:p>
-        </p:txBody>
-      </p:sp>
-      <p:sp>
-        <p:nvSpPr>
-          <p:cNvPr id="4" name="Date Placeholder 3">
-            <a:extLst>
-              <a:ext uri="{FF2B5EF4-FFF2-40B4-BE49-F238E27FC236}">
-                <a16:creationId xmlns:a16="http://schemas.microsoft.com/office/drawing/2014/main" id="{325D54BE-C929-C6DB-E6DB-1875B93A01BB}"/>
-              </a:ext>
-            </a:extLst>
-          </p:cNvPr>
+            <a:endParaRPr lang="en-US" dirty="0"/>
+          </a:p>
+        </p:txBody>
+      </p:sp>
+      <p:sp>
+        <p:nvSpPr>
+          <p:cNvPr id="4" name="Date Placeholder 3"/>
           <p:cNvSpPr>
             <a:spLocks noGrp="1"/>
           </p:cNvSpPr>
@@ -2955,8 +4978,8 @@
         </p:nvSpPr>
         <p:spPr>
           <a:xfrm>
-            <a:off x="1257300" y="9534526"/>
-            <a:ext cx="4114800" cy="547688"/>
+            <a:off x="13256418" y="8824913"/>
+            <a:ext cx="2400300" cy="547688"/>
           </a:xfrm>
           <a:prstGeom prst="rect">
             <a:avLst/>
@@ -2965,13 +4988,21 @@
         <p:txBody>
           <a:bodyPr vert="horz" lIns="91440" tIns="45720" rIns="91440" bIns="45720" rtlCol="0" anchor="ctr"/>
           <a:lstStyle>
-            <a:lvl1pPr algn="l">
-              <a:defRPr sz="1800">
+            <a:lvl1pPr algn="r">
+              <a:defRPr sz="1350" b="1" i="0">
                 <a:solidFill>
                   <a:schemeClr val="tx1">
-                    <a:tint val="75000"/>
+                    <a:lumMod val="75000"/>
                   </a:schemeClr>
                 </a:solidFill>
+                <a:effectLst>
+                  <a:outerShdw blurRad="50800" dist="38100" dir="2700000" algn="tl" rotWithShape="0">
+                    <a:srgbClr val="000000">
+                      <a:alpha val="43000"/>
+                    </a:srgbClr>
+                  </a:outerShdw>
+                </a:effectLst>
+                <a:latin typeface="+mn-lt"/>
               </a:defRPr>
             </a:lvl1pPr>
           </a:lstStyle>
@@ -2979,7 +5010,7 @@
             <a:fld id="{1D8BD707-D9CF-40AE-B4C6-C98DA3205C09}" type="datetimeFigureOut">
               <a:rPr lang="en-US" smtClean="0"/>
               <a:pPr/>
-              <a:t>7/3/23</a:t>
+              <a:t>9/30/2023</a:t>
             </a:fld>
             <a:endParaRPr lang="en-US"/>
           </a:p>
@@ -2987,13 +5018,7 @@
       </p:sp>
       <p:sp>
         <p:nvSpPr>
-          <p:cNvPr id="5" name="Footer Placeholder 4">
-            <a:extLst>
-              <a:ext uri="{FF2B5EF4-FFF2-40B4-BE49-F238E27FC236}">
-                <a16:creationId xmlns:a16="http://schemas.microsoft.com/office/drawing/2014/main" id="{209A80AD-B9D1-CDD6-AC69-1AE6FDE3FAA1}"/>
-              </a:ext>
-            </a:extLst>
-          </p:cNvPr>
+          <p:cNvPr id="5" name="Footer Placeholder 4"/>
           <p:cNvSpPr>
             <a:spLocks noGrp="1"/>
           </p:cNvSpPr>
@@ -3003,8 +5028,8 @@
         </p:nvSpPr>
         <p:spPr>
           <a:xfrm>
-            <a:off x="6057900" y="9534526"/>
-            <a:ext cx="6172200" cy="547688"/>
+            <a:off x="1712118" y="8824913"/>
+            <a:ext cx="11315700" cy="547688"/>
           </a:xfrm>
           <a:prstGeom prst="rect">
             <a:avLst/>
@@ -3013,13 +5038,21 @@
         <p:txBody>
           <a:bodyPr vert="horz" lIns="91440" tIns="45720" rIns="91440" bIns="45720" rtlCol="0" anchor="ctr"/>
           <a:lstStyle>
-            <a:lvl1pPr algn="ctr">
-              <a:defRPr sz="1800">
+            <a:lvl1pPr algn="l">
+              <a:defRPr sz="1350" b="1" i="0">
                 <a:solidFill>
                   <a:schemeClr val="tx1">
-                    <a:tint val="75000"/>
+                    <a:lumMod val="75000"/>
                   </a:schemeClr>
                 </a:solidFill>
+                <a:effectLst>
+                  <a:outerShdw blurRad="50800" dist="38100" dir="2700000" algn="tl" rotWithShape="0">
+                    <a:srgbClr val="000000">
+                      <a:alpha val="43000"/>
+                    </a:srgbClr>
+                  </a:outerShdw>
+                </a:effectLst>
+                <a:latin typeface="+mn-lt"/>
               </a:defRPr>
             </a:lvl1pPr>
           </a:lstStyle>
@@ -3030,13 +5063,7 @@
       </p:sp>
       <p:sp>
         <p:nvSpPr>
-          <p:cNvPr id="6" name="Slide Number Placeholder 5">
-            <a:extLst>
-              <a:ext uri="{FF2B5EF4-FFF2-40B4-BE49-F238E27FC236}">
-                <a16:creationId xmlns:a16="http://schemas.microsoft.com/office/drawing/2014/main" id="{303B3C0B-34DD-7A13-C620-BAA98BF7D4D6}"/>
-              </a:ext>
-            </a:extLst>
-          </p:cNvPr>
+          <p:cNvPr id="6" name="Slide Number Placeholder 5"/>
           <p:cNvSpPr>
             <a:spLocks noGrp="1"/>
           </p:cNvSpPr>
@@ -3046,8 +5073,8 @@
         </p:nvSpPr>
         <p:spPr>
           <a:xfrm>
-            <a:off x="12915900" y="9534526"/>
-            <a:ext cx="4114800" cy="547688"/>
+            <a:off x="15771019" y="8824913"/>
+            <a:ext cx="826751" cy="547688"/>
           </a:xfrm>
           <a:prstGeom prst="rect">
             <a:avLst/>
@@ -3057,12 +5084,20 @@
           <a:bodyPr vert="horz" lIns="91440" tIns="45720" rIns="91440" bIns="45720" rtlCol="0" anchor="ctr"/>
           <a:lstStyle>
             <a:lvl1pPr algn="r">
-              <a:defRPr sz="1800">
+              <a:defRPr sz="1350" b="1" i="0">
                 <a:solidFill>
                   <a:schemeClr val="tx1">
-                    <a:tint val="75000"/>
+                    <a:lumMod val="75000"/>
                   </a:schemeClr>
                 </a:solidFill>
+                <a:effectLst>
+                  <a:outerShdw blurRad="50800" dist="38100" dir="2700000" algn="tl" rotWithShape="0">
+                    <a:srgbClr val="000000">
+                      <a:alpha val="43000"/>
+                    </a:srgbClr>
+                  </a:outerShdw>
+                </a:effectLst>
+                <a:latin typeface="+mn-lt"/>
               </a:defRPr>
             </a:lvl1pPr>
           </a:lstStyle>
@@ -3079,55 +5114,562 @@
     </p:spTree>
     <p:extLst>
       <p:ext uri="{BB962C8B-B14F-4D97-AF65-F5344CB8AC3E}">
-        <p14:creationId xmlns:p14="http://schemas.microsoft.com/office/powerpoint/2010/main" val="650857415"/>
+        <p14:creationId xmlns:p14="http://schemas.microsoft.com/office/powerpoint/2010/main" val="2890053297"/>
       </p:ext>
     </p:extLst>
   </p:cSld>
-  <p:clrMap bg1="lt1" tx1="dk1" bg2="lt2" tx2="dk2" accent1="accent1" accent2="accent2" accent3="accent3" accent4="accent4" accent5="accent5" accent6="accent6" hlink="hlink" folHlink="folHlink"/>
+  <p:clrMap bg1="dk1" tx1="lt1" bg2="dk2" tx2="lt2" accent1="accent1" accent2="accent2" accent3="accent3" accent4="accent4" accent5="accent5" accent6="accent6" hlink="hlink" folHlink="folHlink"/>
   <p:sldLayoutIdLst>
-    <p:sldLayoutId id="2147483678" r:id="rId1"/>
-    <p:sldLayoutId id="2147483679" r:id="rId2"/>
-    <p:sldLayoutId id="2147483680" r:id="rId3"/>
-    <p:sldLayoutId id="2147483681" r:id="rId4"/>
-    <p:sldLayoutId id="2147483682" r:id="rId5"/>
-    <p:sldLayoutId id="2147483683" r:id="rId6"/>
-    <p:sldLayoutId id="2147483684" r:id="rId7"/>
-    <p:sldLayoutId id="2147483685" r:id="rId8"/>
-    <p:sldLayoutId id="2147483686" r:id="rId9"/>
-    <p:sldLayoutId id="2147483687" r:id="rId10"/>
-    <p:sldLayoutId id="2147483688" r:id="rId11"/>
+    <p:sldLayoutId id="2147483809" r:id="rId1"/>
+    <p:sldLayoutId id="2147483810" r:id="rId2"/>
+    <p:sldLayoutId id="2147483811" r:id="rId3"/>
+    <p:sldLayoutId id="2147483812" r:id="rId4"/>
+    <p:sldLayoutId id="2147483813" r:id="rId5"/>
+    <p:sldLayoutId id="2147483814" r:id="rId6"/>
+    <p:sldLayoutId id="2147483815" r:id="rId7"/>
+    <p:sldLayoutId id="2147483816" r:id="rId8"/>
+    <p:sldLayoutId id="2147483817" r:id="rId9"/>
+    <p:sldLayoutId id="2147483818" r:id="rId10"/>
+    <p:sldLayoutId id="2147483819" r:id="rId11"/>
+    <p:sldLayoutId id="2147483820" r:id="rId12"/>
+    <p:sldLayoutId id="2147483821" r:id="rId13"/>
+    <p:sldLayoutId id="2147483822" r:id="rId14"/>
+    <p:sldLayoutId id="2147483823" r:id="rId15"/>
+    <p:sldLayoutId id="2147483824" r:id="rId16"/>
+    <p:sldLayoutId id="2147483825" r:id="rId17"/>
   </p:sldLayoutIdLst>
   <p:txStyles>
     <p:titleStyle>
-      <a:lvl1pPr algn="l" defTabSz="1371600" rtl="0" eaLnBrk="1" latinLnBrk="0" hangingPunct="1">
-        <a:lnSpc>
-          <a:spcPct val="90000"/>
-        </a:lnSpc>
+      <a:lvl1pPr algn="l" defTabSz="685800" rtl="0" eaLnBrk="1" latinLnBrk="0" hangingPunct="1">
         <a:spcBef>
           <a:spcPct val="0"/>
         </a:spcBef>
         <a:buNone/>
-        <a:defRPr sz="6600" kern="1200">
-          <a:solidFill>
-            <a:schemeClr val="tx1"/>
-          </a:solidFill>
+        <a:defRPr sz="4800" kern="1200" cap="all">
+          <a:ln w="3175" cmpd="sng">
+            <a:noFill/>
+          </a:ln>
+          <a:gradFill flip="none" rotWithShape="1">
+            <a:gsLst>
+              <a:gs pos="0">
+                <a:schemeClr val="tx1"/>
+              </a:gs>
+              <a:gs pos="100000">
+                <a:schemeClr val="tx1">
+                  <a:lumMod val="65000"/>
+                </a:schemeClr>
+              </a:gs>
+            </a:gsLst>
+            <a:lin ang="5580000" scaled="0"/>
+            <a:tileRect/>
+          </a:gradFill>
+          <a:effectLst>
+            <a:glow rad="38100">
+              <a:schemeClr val="bg1">
+                <a:lumMod val="65000"/>
+                <a:lumOff val="35000"/>
+                <a:alpha val="40000"/>
+              </a:schemeClr>
+            </a:glow>
+            <a:outerShdw blurRad="28575" dist="38100" dir="14040000" algn="tl" rotWithShape="0">
+              <a:srgbClr val="000000">
+                <a:alpha val="25000"/>
+              </a:srgbClr>
+            </a:outerShdw>
+          </a:effectLst>
           <a:latin typeface="+mj-lt"/>
           <a:ea typeface="+mj-ea"/>
           <a:cs typeface="+mj-cs"/>
         </a:defRPr>
       </a:lvl1pPr>
+      <a:lvl2pPr eaLnBrk="1" hangingPunct="1">
+        <a:defRPr>
+          <a:solidFill>
+            <a:schemeClr val="tx2"/>
+          </a:solidFill>
+        </a:defRPr>
+      </a:lvl2pPr>
+      <a:lvl3pPr eaLnBrk="1" hangingPunct="1">
+        <a:defRPr>
+          <a:solidFill>
+            <a:schemeClr val="tx2"/>
+          </a:solidFill>
+        </a:defRPr>
+      </a:lvl3pPr>
+      <a:lvl4pPr eaLnBrk="1" hangingPunct="1">
+        <a:defRPr>
+          <a:solidFill>
+            <a:schemeClr val="tx2"/>
+          </a:solidFill>
+        </a:defRPr>
+      </a:lvl4pPr>
+      <a:lvl5pPr eaLnBrk="1" hangingPunct="1">
+        <a:defRPr>
+          <a:solidFill>
+            <a:schemeClr val="tx2"/>
+          </a:solidFill>
+        </a:defRPr>
+      </a:lvl5pPr>
+      <a:lvl6pPr eaLnBrk="1" hangingPunct="1">
+        <a:defRPr>
+          <a:solidFill>
+            <a:schemeClr val="tx2"/>
+          </a:solidFill>
+        </a:defRPr>
+      </a:lvl6pPr>
+      <a:lvl7pPr eaLnBrk="1" hangingPunct="1">
+        <a:defRPr>
+          <a:solidFill>
+            <a:schemeClr val="tx2"/>
+          </a:solidFill>
+        </a:defRPr>
+      </a:lvl7pPr>
+      <a:lvl8pPr eaLnBrk="1" hangingPunct="1">
+        <a:defRPr>
+          <a:solidFill>
+            <a:schemeClr val="tx2"/>
+          </a:solidFill>
+        </a:defRPr>
+      </a:lvl8pPr>
+      <a:lvl9pPr eaLnBrk="1" hangingPunct="1">
+        <a:defRPr>
+          <a:solidFill>
+            <a:schemeClr val="tx2"/>
+          </a:solidFill>
+        </a:defRPr>
+      </a:lvl9pPr>
     </p:titleStyle>
     <p:bodyStyle>
-      <a:lvl1pPr marL="342900" indent="-342900" algn="l" defTabSz="1371600" rtl="0" eaLnBrk="1" latinLnBrk="0" hangingPunct="1">
-        <a:lnSpc>
-          <a:spcPct val="90000"/>
-        </a:lnSpc>
+      <a:lvl1pPr marL="428625" indent="-428625" algn="l" defTabSz="685800" rtl="0" eaLnBrk="1" latinLnBrk="0" hangingPunct="1">
         <a:spcBef>
-          <a:spcPts val="1500"/>
+          <a:spcPct val="20000"/>
         </a:spcBef>
-        <a:buFont typeface="Arial" panose="020B0604020202020204" pitchFamily="34" charset="0"/>
+        <a:spcAft>
+          <a:spcPts val="900"/>
+        </a:spcAft>
+        <a:buClr>
+          <a:schemeClr val="tx1"/>
+        </a:buClr>
+        <a:buSzPct val="100000"/>
+        <a:buFont typeface="Arial"/>
         <a:buChar char="•"/>
-        <a:defRPr sz="4200" kern="1200">
+        <a:defRPr sz="3000" kern="1200" cap="small">
+          <a:gradFill flip="none" rotWithShape="1">
+            <a:gsLst>
+              <a:gs pos="0">
+                <a:schemeClr val="tx1"/>
+              </a:gs>
+              <a:gs pos="100000">
+                <a:schemeClr val="tx1">
+                  <a:lumMod val="75000"/>
+                </a:schemeClr>
+              </a:gs>
+            </a:gsLst>
+            <a:lin ang="5580000" scaled="0"/>
+            <a:tileRect/>
+          </a:gradFill>
+          <a:effectLst>
+            <a:glow rad="38100">
+              <a:schemeClr val="bg1">
+                <a:lumMod val="50000"/>
+                <a:lumOff val="50000"/>
+                <a:alpha val="20000"/>
+              </a:schemeClr>
+            </a:glow>
+            <a:outerShdw blurRad="44450" dist="12700" dir="13860000" algn="tl" rotWithShape="0">
+              <a:srgbClr val="000000">
+                <a:alpha val="20000"/>
+              </a:srgbClr>
+            </a:outerShdw>
+          </a:effectLst>
+          <a:latin typeface="+mn-lt"/>
+          <a:ea typeface="+mn-ea"/>
+          <a:cs typeface="+mn-cs"/>
+        </a:defRPr>
+      </a:lvl1pPr>
+      <a:lvl2pPr marL="1114425" indent="-428625" algn="l" defTabSz="685800" rtl="0" eaLnBrk="1" latinLnBrk="0" hangingPunct="1">
+        <a:spcBef>
+          <a:spcPct val="20000"/>
+        </a:spcBef>
+        <a:spcAft>
+          <a:spcPts val="900"/>
+        </a:spcAft>
+        <a:buClr>
+          <a:schemeClr val="tx1"/>
+        </a:buClr>
+        <a:buSzPct val="100000"/>
+        <a:buFont typeface="Arial"/>
+        <a:buChar char="•"/>
+        <a:defRPr sz="2700" kern="1200" cap="small">
+          <a:gradFill flip="none" rotWithShape="1">
+            <a:gsLst>
+              <a:gs pos="0">
+                <a:schemeClr val="tx1"/>
+              </a:gs>
+              <a:gs pos="100000">
+                <a:schemeClr val="tx1">
+                  <a:lumMod val="75000"/>
+                </a:schemeClr>
+              </a:gs>
+            </a:gsLst>
+            <a:lin ang="5580000" scaled="0"/>
+            <a:tileRect/>
+          </a:gradFill>
+          <a:effectLst>
+            <a:glow rad="38100">
+              <a:schemeClr val="bg1">
+                <a:lumMod val="50000"/>
+                <a:lumOff val="50000"/>
+                <a:alpha val="20000"/>
+              </a:schemeClr>
+            </a:glow>
+            <a:outerShdw blurRad="44450" dist="12700" dir="13860000" algn="tl" rotWithShape="0">
+              <a:srgbClr val="000000">
+                <a:alpha val="20000"/>
+              </a:srgbClr>
+            </a:outerShdw>
+          </a:effectLst>
+          <a:latin typeface="+mn-lt"/>
+          <a:ea typeface="+mn-ea"/>
+          <a:cs typeface="+mn-cs"/>
+        </a:defRPr>
+      </a:lvl2pPr>
+      <a:lvl3pPr marL="1800225" indent="-428625" algn="l" defTabSz="685800" rtl="0" eaLnBrk="1" latinLnBrk="0" hangingPunct="1">
+        <a:spcBef>
+          <a:spcPct val="20000"/>
+        </a:spcBef>
+        <a:spcAft>
+          <a:spcPts val="900"/>
+        </a:spcAft>
+        <a:buClr>
+          <a:schemeClr val="tx1"/>
+        </a:buClr>
+        <a:buSzPct val="100000"/>
+        <a:buFont typeface="Arial"/>
+        <a:buChar char="•"/>
+        <a:defRPr sz="2400" kern="1200" cap="small">
+          <a:gradFill flip="none" rotWithShape="1">
+            <a:gsLst>
+              <a:gs pos="0">
+                <a:schemeClr val="tx1"/>
+              </a:gs>
+              <a:gs pos="100000">
+                <a:schemeClr val="tx1">
+                  <a:lumMod val="75000"/>
+                </a:schemeClr>
+              </a:gs>
+            </a:gsLst>
+            <a:lin ang="5580000" scaled="0"/>
+            <a:tileRect/>
+          </a:gradFill>
+          <a:effectLst>
+            <a:glow rad="38100">
+              <a:schemeClr val="bg1">
+                <a:lumMod val="50000"/>
+                <a:lumOff val="50000"/>
+                <a:alpha val="20000"/>
+              </a:schemeClr>
+            </a:glow>
+            <a:outerShdw blurRad="44450" dist="12700" dir="13860000" algn="tl" rotWithShape="0">
+              <a:srgbClr val="000000">
+                <a:alpha val="20000"/>
+              </a:srgbClr>
+            </a:outerShdw>
+          </a:effectLst>
+          <a:latin typeface="+mn-lt"/>
+          <a:ea typeface="+mn-ea"/>
+          <a:cs typeface="+mn-cs"/>
+        </a:defRPr>
+      </a:lvl3pPr>
+      <a:lvl4pPr marL="2314575" indent="-257175" algn="l" defTabSz="685800" rtl="0" eaLnBrk="1" latinLnBrk="0" hangingPunct="1">
+        <a:spcBef>
+          <a:spcPct val="20000"/>
+        </a:spcBef>
+        <a:spcAft>
+          <a:spcPts val="900"/>
+        </a:spcAft>
+        <a:buClr>
+          <a:schemeClr val="tx1"/>
+        </a:buClr>
+        <a:buSzPct val="100000"/>
+        <a:buFont typeface="Arial"/>
+        <a:buChar char="•"/>
+        <a:defRPr sz="2100" kern="1200" cap="small">
+          <a:gradFill flip="none" rotWithShape="1">
+            <a:gsLst>
+              <a:gs pos="0">
+                <a:schemeClr val="tx1"/>
+              </a:gs>
+              <a:gs pos="100000">
+                <a:schemeClr val="tx1">
+                  <a:lumMod val="75000"/>
+                </a:schemeClr>
+              </a:gs>
+            </a:gsLst>
+            <a:lin ang="5580000" scaled="0"/>
+            <a:tileRect/>
+          </a:gradFill>
+          <a:effectLst>
+            <a:glow rad="38100">
+              <a:schemeClr val="bg1">
+                <a:lumMod val="50000"/>
+                <a:lumOff val="50000"/>
+                <a:alpha val="20000"/>
+              </a:schemeClr>
+            </a:glow>
+            <a:outerShdw blurRad="44450" dist="12700" dir="13860000" algn="tl" rotWithShape="0">
+              <a:srgbClr val="000000">
+                <a:alpha val="20000"/>
+              </a:srgbClr>
+            </a:outerShdw>
+          </a:effectLst>
+          <a:latin typeface="+mn-lt"/>
+          <a:ea typeface="+mn-ea"/>
+          <a:cs typeface="+mn-cs"/>
+        </a:defRPr>
+      </a:lvl4pPr>
+      <a:lvl5pPr marL="3000375" indent="-257175" algn="l" defTabSz="685800" rtl="0" eaLnBrk="1" latinLnBrk="0" hangingPunct="1">
+        <a:spcBef>
+          <a:spcPct val="20000"/>
+        </a:spcBef>
+        <a:spcAft>
+          <a:spcPts val="900"/>
+        </a:spcAft>
+        <a:buClr>
+          <a:schemeClr val="tx1"/>
+        </a:buClr>
+        <a:buSzPct val="100000"/>
+        <a:buFont typeface="Arial"/>
+        <a:buChar char="•"/>
+        <a:defRPr sz="2100" kern="1200" cap="small">
+          <a:gradFill flip="none" rotWithShape="1">
+            <a:gsLst>
+              <a:gs pos="0">
+                <a:schemeClr val="tx1"/>
+              </a:gs>
+              <a:gs pos="100000">
+                <a:schemeClr val="tx1">
+                  <a:lumMod val="75000"/>
+                </a:schemeClr>
+              </a:gs>
+            </a:gsLst>
+            <a:lin ang="5580000" scaled="0"/>
+            <a:tileRect/>
+          </a:gradFill>
+          <a:effectLst>
+            <a:glow rad="38100">
+              <a:schemeClr val="bg1">
+                <a:lumMod val="50000"/>
+                <a:lumOff val="50000"/>
+                <a:alpha val="20000"/>
+              </a:schemeClr>
+            </a:glow>
+            <a:outerShdw blurRad="44450" dist="12700" dir="13860000" algn="tl" rotWithShape="0">
+              <a:srgbClr val="000000">
+                <a:alpha val="20000"/>
+              </a:srgbClr>
+            </a:outerShdw>
+          </a:effectLst>
+          <a:latin typeface="+mn-lt"/>
+          <a:ea typeface="+mn-ea"/>
+          <a:cs typeface="+mn-cs"/>
+        </a:defRPr>
+      </a:lvl5pPr>
+      <a:lvl6pPr marL="3771900" indent="-342900" algn="l" defTabSz="685800" rtl="0" eaLnBrk="1" latinLnBrk="0" hangingPunct="1">
+        <a:spcBef>
+          <a:spcPct val="20000"/>
+        </a:spcBef>
+        <a:spcAft>
+          <a:spcPts val="900"/>
+        </a:spcAft>
+        <a:buClr>
+          <a:schemeClr val="tx1"/>
+        </a:buClr>
+        <a:buSzPct val="100000"/>
+        <a:buFont typeface="Arial"/>
+        <a:buChar char="•"/>
+        <a:defRPr sz="1800" kern="1200" cap="small">
+          <a:gradFill flip="none" rotWithShape="1">
+            <a:gsLst>
+              <a:gs pos="0">
+                <a:schemeClr val="tx1"/>
+              </a:gs>
+              <a:gs pos="100000">
+                <a:schemeClr val="tx1">
+                  <a:lumMod val="75000"/>
+                </a:schemeClr>
+              </a:gs>
+            </a:gsLst>
+            <a:lin ang="5580000" scaled="0"/>
+            <a:tileRect/>
+          </a:gradFill>
+          <a:effectLst>
+            <a:glow rad="38100">
+              <a:schemeClr val="bg1">
+                <a:lumMod val="50000"/>
+                <a:lumOff val="50000"/>
+                <a:alpha val="20000"/>
+              </a:schemeClr>
+            </a:glow>
+            <a:outerShdw blurRad="44450" dist="12700" dir="13860000" algn="tl" rotWithShape="0">
+              <a:srgbClr val="000000">
+                <a:alpha val="20000"/>
+              </a:srgbClr>
+            </a:outerShdw>
+          </a:effectLst>
+          <a:latin typeface="+mn-lt"/>
+          <a:ea typeface="+mn-ea"/>
+          <a:cs typeface="+mn-cs"/>
+        </a:defRPr>
+      </a:lvl6pPr>
+      <a:lvl7pPr marL="4457700" indent="-342900" algn="l" defTabSz="685800" rtl="0" eaLnBrk="1" latinLnBrk="0" hangingPunct="1">
+        <a:spcBef>
+          <a:spcPct val="20000"/>
+        </a:spcBef>
+        <a:spcAft>
+          <a:spcPts val="900"/>
+        </a:spcAft>
+        <a:buClr>
+          <a:schemeClr val="tx1"/>
+        </a:buClr>
+        <a:buSzPct val="100000"/>
+        <a:buFont typeface="Arial"/>
+        <a:buChar char="•"/>
+        <a:defRPr sz="1800" kern="1200" cap="small">
+          <a:gradFill flip="none" rotWithShape="1">
+            <a:gsLst>
+              <a:gs pos="0">
+                <a:schemeClr val="tx1"/>
+              </a:gs>
+              <a:gs pos="100000">
+                <a:schemeClr val="tx1">
+                  <a:lumMod val="75000"/>
+                </a:schemeClr>
+              </a:gs>
+            </a:gsLst>
+            <a:lin ang="5580000" scaled="0"/>
+            <a:tileRect/>
+          </a:gradFill>
+          <a:effectLst>
+            <a:glow rad="38100">
+              <a:schemeClr val="bg1">
+                <a:lumMod val="50000"/>
+                <a:lumOff val="50000"/>
+                <a:alpha val="20000"/>
+              </a:schemeClr>
+            </a:glow>
+            <a:outerShdw blurRad="44450" dist="12700" dir="13860000" algn="tl" rotWithShape="0">
+              <a:srgbClr val="000000">
+                <a:alpha val="20000"/>
+              </a:srgbClr>
+            </a:outerShdw>
+          </a:effectLst>
+          <a:latin typeface="+mn-lt"/>
+          <a:ea typeface="+mn-ea"/>
+          <a:cs typeface="+mn-cs"/>
+        </a:defRPr>
+      </a:lvl7pPr>
+      <a:lvl8pPr marL="5143500" indent="-342900" algn="l" defTabSz="685800" rtl="0" eaLnBrk="1" latinLnBrk="0" hangingPunct="1">
+        <a:spcBef>
+          <a:spcPct val="20000"/>
+        </a:spcBef>
+        <a:spcAft>
+          <a:spcPts val="900"/>
+        </a:spcAft>
+        <a:buClr>
+          <a:schemeClr val="tx1"/>
+        </a:buClr>
+        <a:buSzPct val="100000"/>
+        <a:buFont typeface="Arial"/>
+        <a:buChar char="•"/>
+        <a:defRPr sz="1800" kern="1200" cap="small">
+          <a:gradFill flip="none" rotWithShape="1">
+            <a:gsLst>
+              <a:gs pos="0">
+                <a:schemeClr val="tx1"/>
+              </a:gs>
+              <a:gs pos="100000">
+                <a:schemeClr val="tx1">
+                  <a:lumMod val="75000"/>
+                </a:schemeClr>
+              </a:gs>
+            </a:gsLst>
+            <a:lin ang="5580000" scaled="0"/>
+            <a:tileRect/>
+          </a:gradFill>
+          <a:effectLst>
+            <a:glow rad="38100">
+              <a:schemeClr val="bg1">
+                <a:lumMod val="50000"/>
+                <a:lumOff val="50000"/>
+                <a:alpha val="20000"/>
+              </a:schemeClr>
+            </a:glow>
+            <a:outerShdw blurRad="44450" dist="12700" dir="13860000" algn="tl" rotWithShape="0">
+              <a:srgbClr val="000000">
+                <a:alpha val="20000"/>
+              </a:srgbClr>
+            </a:outerShdw>
+          </a:effectLst>
+          <a:latin typeface="+mn-lt"/>
+          <a:ea typeface="+mn-ea"/>
+          <a:cs typeface="+mn-cs"/>
+        </a:defRPr>
+      </a:lvl8pPr>
+      <a:lvl9pPr marL="5829300" indent="-342900" algn="l" defTabSz="685800" rtl="0" eaLnBrk="1" latinLnBrk="0" hangingPunct="1">
+        <a:spcBef>
+          <a:spcPct val="20000"/>
+        </a:spcBef>
+        <a:spcAft>
+          <a:spcPts val="900"/>
+        </a:spcAft>
+        <a:buClr>
+          <a:schemeClr val="tx1"/>
+        </a:buClr>
+        <a:buSzPct val="100000"/>
+        <a:buFont typeface="Arial"/>
+        <a:buChar char="•"/>
+        <a:defRPr sz="1800" kern="1200" cap="small">
+          <a:gradFill flip="none" rotWithShape="1">
+            <a:gsLst>
+              <a:gs pos="0">
+                <a:schemeClr val="tx1"/>
+              </a:gs>
+              <a:gs pos="100000">
+                <a:schemeClr val="tx1">
+                  <a:lumMod val="75000"/>
+                </a:schemeClr>
+              </a:gs>
+            </a:gsLst>
+            <a:lin ang="5580000" scaled="0"/>
+            <a:tileRect/>
+          </a:gradFill>
+          <a:effectLst>
+            <a:glow rad="38100">
+              <a:schemeClr val="bg1">
+                <a:lumMod val="50000"/>
+                <a:lumOff val="50000"/>
+                <a:alpha val="20000"/>
+              </a:schemeClr>
+            </a:glow>
+            <a:outerShdw blurRad="44450" dist="12700" dir="13860000" algn="tl" rotWithShape="0">
+              <a:srgbClr val="000000">
+                <a:alpha val="20000"/>
+              </a:srgbClr>
+            </a:outerShdw>
+          </a:effectLst>
+          <a:latin typeface="+mn-lt"/>
+          <a:ea typeface="+mn-ea"/>
+          <a:cs typeface="+mn-cs"/>
+        </a:defRPr>
+      </a:lvl9pPr>
+    </p:bodyStyle>
+    <p:otherStyle>
+      <a:defPPr>
+        <a:defRPr lang="en-US"/>
+      </a:defPPr>
+      <a:lvl1pPr marL="0" algn="l" defTabSz="685800" rtl="0" eaLnBrk="1" latinLnBrk="0" hangingPunct="1">
+        <a:defRPr sz="2700" kern="1200">
           <a:solidFill>
             <a:schemeClr val="tx1"/>
           </a:solidFill>
@@ -3136,16 +5678,8 @@
           <a:cs typeface="+mn-cs"/>
         </a:defRPr>
       </a:lvl1pPr>
-      <a:lvl2pPr marL="1028700" indent="-342900" algn="l" defTabSz="1371600" rtl="0" eaLnBrk="1" latinLnBrk="0" hangingPunct="1">
-        <a:lnSpc>
-          <a:spcPct val="90000"/>
-        </a:lnSpc>
-        <a:spcBef>
-          <a:spcPts val="750"/>
-        </a:spcBef>
-        <a:buFont typeface="Arial" panose="020B0604020202020204" pitchFamily="34" charset="0"/>
-        <a:buChar char="•"/>
-        <a:defRPr sz="3600" kern="1200">
+      <a:lvl2pPr marL="685800" algn="l" defTabSz="685800" rtl="0" eaLnBrk="1" latinLnBrk="0" hangingPunct="1">
+        <a:defRPr sz="2700" kern="1200">
           <a:solidFill>
             <a:schemeClr val="tx1"/>
           </a:solidFill>
@@ -3154,16 +5688,8 @@
           <a:cs typeface="+mn-cs"/>
         </a:defRPr>
       </a:lvl2pPr>
-      <a:lvl3pPr marL="1714500" indent="-342900" algn="l" defTabSz="1371600" rtl="0" eaLnBrk="1" latinLnBrk="0" hangingPunct="1">
-        <a:lnSpc>
-          <a:spcPct val="90000"/>
-        </a:lnSpc>
-        <a:spcBef>
-          <a:spcPts val="750"/>
-        </a:spcBef>
-        <a:buFont typeface="Arial" panose="020B0604020202020204" pitchFamily="34" charset="0"/>
-        <a:buChar char="•"/>
-        <a:defRPr sz="3000" kern="1200">
+      <a:lvl3pPr marL="1371600" algn="l" defTabSz="685800" rtl="0" eaLnBrk="1" latinLnBrk="0" hangingPunct="1">
+        <a:defRPr sz="2700" kern="1200">
           <a:solidFill>
             <a:schemeClr val="tx1"/>
           </a:solidFill>
@@ -3172,15 +5698,7 @@
           <a:cs typeface="+mn-cs"/>
         </a:defRPr>
       </a:lvl3pPr>
-      <a:lvl4pPr marL="2400300" indent="-342900" algn="l" defTabSz="1371600" rtl="0" eaLnBrk="1" latinLnBrk="0" hangingPunct="1">
-        <a:lnSpc>
-          <a:spcPct val="90000"/>
-        </a:lnSpc>
-        <a:spcBef>
-          <a:spcPts val="750"/>
-        </a:spcBef>
-        <a:buFont typeface="Arial" panose="020B0604020202020204" pitchFamily="34" charset="0"/>
-        <a:buChar char="•"/>
+      <a:lvl4pPr marL="2057400" algn="l" defTabSz="685800" rtl="0" eaLnBrk="1" latinLnBrk="0" hangingPunct="1">
         <a:defRPr sz="2700" kern="1200">
           <a:solidFill>
             <a:schemeClr val="tx1"/>
@@ -3190,15 +5708,7 @@
           <a:cs typeface="+mn-cs"/>
         </a:defRPr>
       </a:lvl4pPr>
-      <a:lvl5pPr marL="3086100" indent="-342900" algn="l" defTabSz="1371600" rtl="0" eaLnBrk="1" latinLnBrk="0" hangingPunct="1">
-        <a:lnSpc>
-          <a:spcPct val="90000"/>
-        </a:lnSpc>
-        <a:spcBef>
-          <a:spcPts val="750"/>
-        </a:spcBef>
-        <a:buFont typeface="Arial" panose="020B0604020202020204" pitchFamily="34" charset="0"/>
-        <a:buChar char="•"/>
+      <a:lvl5pPr marL="2743200" algn="l" defTabSz="685800" rtl="0" eaLnBrk="1" latinLnBrk="0" hangingPunct="1">
         <a:defRPr sz="2700" kern="1200">
           <a:solidFill>
             <a:schemeClr val="tx1"/>
@@ -3208,15 +5718,7 @@
           <a:cs typeface="+mn-cs"/>
         </a:defRPr>
       </a:lvl5pPr>
-      <a:lvl6pPr marL="3771900" indent="-342900" algn="l" defTabSz="1371600" rtl="0" eaLnBrk="1" latinLnBrk="0" hangingPunct="1">
-        <a:lnSpc>
-          <a:spcPct val="90000"/>
-        </a:lnSpc>
-        <a:spcBef>
-          <a:spcPts val="750"/>
-        </a:spcBef>
-        <a:buFont typeface="Arial" panose="020B0604020202020204" pitchFamily="34" charset="0"/>
-        <a:buChar char="•"/>
+      <a:lvl6pPr marL="3429000" algn="l" defTabSz="685800" rtl="0" eaLnBrk="1" latinLnBrk="0" hangingPunct="1">
         <a:defRPr sz="2700" kern="1200">
           <a:solidFill>
             <a:schemeClr val="tx1"/>
@@ -3226,15 +5728,7 @@
           <a:cs typeface="+mn-cs"/>
         </a:defRPr>
       </a:lvl6pPr>
-      <a:lvl7pPr marL="4457700" indent="-342900" algn="l" defTabSz="1371600" rtl="0" eaLnBrk="1" latinLnBrk="0" hangingPunct="1">
-        <a:lnSpc>
-          <a:spcPct val="90000"/>
-        </a:lnSpc>
-        <a:spcBef>
-          <a:spcPts val="750"/>
-        </a:spcBef>
-        <a:buFont typeface="Arial" panose="020B0604020202020204" pitchFamily="34" charset="0"/>
-        <a:buChar char="•"/>
+      <a:lvl7pPr marL="4114800" algn="l" defTabSz="685800" rtl="0" eaLnBrk="1" latinLnBrk="0" hangingPunct="1">
         <a:defRPr sz="2700" kern="1200">
           <a:solidFill>
             <a:schemeClr val="tx1"/>
@@ -3244,15 +5738,7 @@
           <a:cs typeface="+mn-cs"/>
         </a:defRPr>
       </a:lvl7pPr>
-      <a:lvl8pPr marL="5143500" indent="-342900" algn="l" defTabSz="1371600" rtl="0" eaLnBrk="1" latinLnBrk="0" hangingPunct="1">
-        <a:lnSpc>
-          <a:spcPct val="90000"/>
-        </a:lnSpc>
-        <a:spcBef>
-          <a:spcPts val="750"/>
-        </a:spcBef>
-        <a:buFont typeface="Arial" panose="020B0604020202020204" pitchFamily="34" charset="0"/>
-        <a:buChar char="•"/>
+      <a:lvl8pPr marL="4800600" algn="l" defTabSz="685800" rtl="0" eaLnBrk="1" latinLnBrk="0" hangingPunct="1">
         <a:defRPr sz="2700" kern="1200">
           <a:solidFill>
             <a:schemeClr val="tx1"/>
@@ -3262,110 +5748,7 @@
           <a:cs typeface="+mn-cs"/>
         </a:defRPr>
       </a:lvl8pPr>
-      <a:lvl9pPr marL="5829300" indent="-342900" algn="l" defTabSz="1371600" rtl="0" eaLnBrk="1" latinLnBrk="0" hangingPunct="1">
-        <a:lnSpc>
-          <a:spcPct val="90000"/>
-        </a:lnSpc>
-        <a:spcBef>
-          <a:spcPts val="750"/>
-        </a:spcBef>
-        <a:buFont typeface="Arial" panose="020B0604020202020204" pitchFamily="34" charset="0"/>
-        <a:buChar char="•"/>
-        <a:defRPr sz="2700" kern="1200">
-          <a:solidFill>
-            <a:schemeClr val="tx1"/>
-          </a:solidFill>
-          <a:latin typeface="+mn-lt"/>
-          <a:ea typeface="+mn-ea"/>
-          <a:cs typeface="+mn-cs"/>
-        </a:defRPr>
-      </a:lvl9pPr>
-    </p:bodyStyle>
-    <p:otherStyle>
-      <a:defPPr>
-        <a:defRPr lang="en-JP"/>
-      </a:defPPr>
-      <a:lvl1pPr marL="0" algn="l" defTabSz="1371600" rtl="0" eaLnBrk="1" latinLnBrk="0" hangingPunct="1">
-        <a:defRPr sz="2700" kern="1200">
-          <a:solidFill>
-            <a:schemeClr val="tx1"/>
-          </a:solidFill>
-          <a:latin typeface="+mn-lt"/>
-          <a:ea typeface="+mn-ea"/>
-          <a:cs typeface="+mn-cs"/>
-        </a:defRPr>
-      </a:lvl1pPr>
-      <a:lvl2pPr marL="685800" algn="l" defTabSz="1371600" rtl="0" eaLnBrk="1" latinLnBrk="0" hangingPunct="1">
-        <a:defRPr sz="2700" kern="1200">
-          <a:solidFill>
-            <a:schemeClr val="tx1"/>
-          </a:solidFill>
-          <a:latin typeface="+mn-lt"/>
-          <a:ea typeface="+mn-ea"/>
-          <a:cs typeface="+mn-cs"/>
-        </a:defRPr>
-      </a:lvl2pPr>
-      <a:lvl3pPr marL="1371600" algn="l" defTabSz="1371600" rtl="0" eaLnBrk="1" latinLnBrk="0" hangingPunct="1">
-        <a:defRPr sz="2700" kern="1200">
-          <a:solidFill>
-            <a:schemeClr val="tx1"/>
-          </a:solidFill>
-          <a:latin typeface="+mn-lt"/>
-          <a:ea typeface="+mn-ea"/>
-          <a:cs typeface="+mn-cs"/>
-        </a:defRPr>
-      </a:lvl3pPr>
-      <a:lvl4pPr marL="2057400" algn="l" defTabSz="1371600" rtl="0" eaLnBrk="1" latinLnBrk="0" hangingPunct="1">
-        <a:defRPr sz="2700" kern="1200">
-          <a:solidFill>
-            <a:schemeClr val="tx1"/>
-          </a:solidFill>
-          <a:latin typeface="+mn-lt"/>
-          <a:ea typeface="+mn-ea"/>
-          <a:cs typeface="+mn-cs"/>
-        </a:defRPr>
-      </a:lvl4pPr>
-      <a:lvl5pPr marL="2743200" algn="l" defTabSz="1371600" rtl="0" eaLnBrk="1" latinLnBrk="0" hangingPunct="1">
-        <a:defRPr sz="2700" kern="1200">
-          <a:solidFill>
-            <a:schemeClr val="tx1"/>
-          </a:solidFill>
-          <a:latin typeface="+mn-lt"/>
-          <a:ea typeface="+mn-ea"/>
-          <a:cs typeface="+mn-cs"/>
-        </a:defRPr>
-      </a:lvl5pPr>
-      <a:lvl6pPr marL="3429000" algn="l" defTabSz="1371600" rtl="0" eaLnBrk="1" latinLnBrk="0" hangingPunct="1">
-        <a:defRPr sz="2700" kern="1200">
-          <a:solidFill>
-            <a:schemeClr val="tx1"/>
-          </a:solidFill>
-          <a:latin typeface="+mn-lt"/>
-          <a:ea typeface="+mn-ea"/>
-          <a:cs typeface="+mn-cs"/>
-        </a:defRPr>
-      </a:lvl6pPr>
-      <a:lvl7pPr marL="4114800" algn="l" defTabSz="1371600" rtl="0" eaLnBrk="1" latinLnBrk="0" hangingPunct="1">
-        <a:defRPr sz="2700" kern="1200">
-          <a:solidFill>
-            <a:schemeClr val="tx1"/>
-          </a:solidFill>
-          <a:latin typeface="+mn-lt"/>
-          <a:ea typeface="+mn-ea"/>
-          <a:cs typeface="+mn-cs"/>
-        </a:defRPr>
-      </a:lvl7pPr>
-      <a:lvl8pPr marL="4800600" algn="l" defTabSz="1371600" rtl="0" eaLnBrk="1" latinLnBrk="0" hangingPunct="1">
-        <a:defRPr sz="2700" kern="1200">
-          <a:solidFill>
-            <a:schemeClr val="tx1"/>
-          </a:solidFill>
-          <a:latin typeface="+mn-lt"/>
-          <a:ea typeface="+mn-ea"/>
-          <a:cs typeface="+mn-cs"/>
-        </a:defRPr>
-      </a:lvl8pPr>
-      <a:lvl9pPr marL="5486400" algn="l" defTabSz="1371600" rtl="0" eaLnBrk="1" latinLnBrk="0" hangingPunct="1">
+      <a:lvl9pPr marL="5486400" algn="l" defTabSz="685800" rtl="0" eaLnBrk="1" latinLnBrk="0" hangingPunct="1">
         <a:defRPr sz="2700" kern="1200">
           <a:solidFill>
             <a:schemeClr val="tx1"/>
@@ -3418,7 +5801,7 @@
           <a:bodyPr/>
           <a:lstStyle/>
           <a:p>
-            <a:endParaRPr lang="en-JP"/>
+            <a:endParaRPr lang="en-JP" dirty="0"/>
           </a:p>
         </p:txBody>
       </p:sp>
@@ -3443,7 +5826,7 @@
           <a:bodyPr/>
           <a:lstStyle/>
           <a:p>
-            <a:endParaRPr lang="en-JP"/>
+            <a:endParaRPr lang="en-JP" dirty="0"/>
           </a:p>
         </p:txBody>
       </p:sp>
@@ -3457,6 +5840,9 @@
   <p:clrMapOvr>
     <a:masterClrMapping/>
   </p:clrMapOvr>
+  <p:transition spd="slow">
+    <p:push dir="u"/>
+  </p:transition>
 </p:sld>
 </file>
 
@@ -3541,9 +5927,9 @@
 </file>
 
 <file path=ppt/theme/theme1.xml><?xml version="1.0" encoding="utf-8"?>
-<a:theme xmlns:a="http://schemas.openxmlformats.org/drawingml/2006/main" name="Office Theme">
+<a:theme xmlns:a="http://schemas.openxmlformats.org/drawingml/2006/main" name="Mesh">
   <a:themeElements>
-    <a:clrScheme name="Office">
+    <a:clrScheme name="Mesh">
       <a:dk1>
         <a:sysClr val="windowText" lastClr="000000"/>
       </a:dk1>
@@ -3551,100 +5937,48 @@
         <a:sysClr val="window" lastClr="FFFFFF"/>
       </a:lt1>
       <a:dk2>
-        <a:srgbClr val="44546A"/>
+        <a:srgbClr val="363D46"/>
       </a:dk2>
       <a:lt2>
-        <a:srgbClr val="E7E6E6"/>
+        <a:srgbClr val="EBEBEB"/>
       </a:lt2>
       <a:accent1>
-        <a:srgbClr val="4472C4"/>
+        <a:srgbClr val="6F6F6F"/>
       </a:accent1>
       <a:accent2>
-        <a:srgbClr val="ED7D31"/>
+        <a:srgbClr val="BFBFA5"/>
       </a:accent2>
       <a:accent3>
-        <a:srgbClr val="A5A5A5"/>
+        <a:srgbClr val="DCD084"/>
       </a:accent3>
       <a:accent4>
-        <a:srgbClr val="FFC000"/>
+        <a:srgbClr val="E7BF5F"/>
       </a:accent4>
       <a:accent5>
-        <a:srgbClr val="5B9BD5"/>
+        <a:srgbClr val="E9A039"/>
       </a:accent5>
       <a:accent6>
-        <a:srgbClr val="70AD47"/>
+        <a:srgbClr val="CF7133"/>
       </a:accent6>
       <a:hlink>
-        <a:srgbClr val="0563C1"/>
+        <a:srgbClr val="F28943"/>
       </a:hlink>
       <a:folHlink>
-        <a:srgbClr val="954F72"/>
+        <a:srgbClr val="F1B76C"/>
       </a:folHlink>
     </a:clrScheme>
-    <a:fontScheme name="Office">
+    <a:fontScheme name="Mesh">
       <a:majorFont>
-        <a:latin typeface="Calibri Light" panose="020F0302020204030204"/>
+        <a:latin typeface="Century Gothic" panose="020B0502020202020204"/>
         <a:ea typeface=""/>
         <a:cs typeface=""/>
-        <a:font script="Jpan" typeface="游ゴシック Light"/>
+        <a:font script="Jpan" typeface="ＭＳ ゴシック"/>
         <a:font script="Hang" typeface="맑은 고딕"/>
-        <a:font script="Hans" typeface="等线 Light"/>
+        <a:font script="Hans" typeface="宋体"/>
         <a:font script="Hant" typeface="新細明體"/>
-        <a:font script="Arab" typeface="Times New Roman"/>
-        <a:font script="Hebr" typeface="Times New Roman"/>
-        <a:font script="Thai" typeface="Angsana New"/>
-        <a:font script="Ethi" typeface="Nyala"/>
-        <a:font script="Beng" typeface="Vrinda"/>
-        <a:font script="Gujr" typeface="Shruti"/>
-        <a:font script="Khmr" typeface="MoolBoran"/>
-        <a:font script="Knda" typeface="Tunga"/>
-        <a:font script="Guru" typeface="Raavi"/>
-        <a:font script="Cans" typeface="Euphemia"/>
-        <a:font script="Cher" typeface="Plantagenet Cherokee"/>
-        <a:font script="Yiii" typeface="Microsoft Yi Baiti"/>
-        <a:font script="Tibt" typeface="Microsoft Himalaya"/>
-        <a:font script="Thaa" typeface="MV Boli"/>
-        <a:font script="Deva" typeface="Mangal"/>
-        <a:font script="Telu" typeface="Gautami"/>
-        <a:font script="Taml" typeface="Latha"/>
-        <a:font script="Syrc" typeface="Estrangelo Edessa"/>
-        <a:font script="Orya" typeface="Kalinga"/>
-        <a:font script="Mlym" typeface="Kartika"/>
-        <a:font script="Laoo" typeface="DokChampa"/>
-        <a:font script="Sinh" typeface="Iskoola Pota"/>
-        <a:font script="Mong" typeface="Mongolian Baiti"/>
-        <a:font script="Viet" typeface="Times New Roman"/>
-        <a:font script="Uigh" typeface="Microsoft Uighur"/>
-        <a:font script="Geor" typeface="Sylfaen"/>
-        <a:font script="Armn" typeface="Arial"/>
-        <a:font script="Bugi" typeface="Leelawadee UI"/>
-        <a:font script="Bopo" typeface="Microsoft JhengHei"/>
-        <a:font script="Java" typeface="Javanese Text"/>
-        <a:font script="Lisu" typeface="Segoe UI"/>
-        <a:font script="Mymr" typeface="Myanmar Text"/>
-        <a:font script="Nkoo" typeface="Ebrima"/>
-        <a:font script="Olck" typeface="Nirmala UI"/>
-        <a:font script="Osma" typeface="Ebrima"/>
-        <a:font script="Phag" typeface="Phagspa"/>
-        <a:font script="Syrn" typeface="Estrangelo Edessa"/>
-        <a:font script="Syrj" typeface="Estrangelo Edessa"/>
-        <a:font script="Syre" typeface="Estrangelo Edessa"/>
-        <a:font script="Sora" typeface="Nirmala UI"/>
-        <a:font script="Tale" typeface="Microsoft Tai Le"/>
-        <a:font script="Talu" typeface="Microsoft New Tai Lue"/>
-        <a:font script="Tfng" typeface="Ebrima"/>
-      </a:majorFont>
-      <a:minorFont>
-        <a:latin typeface="Calibri" panose="020F0502020204030204"/>
-        <a:ea typeface=""/>
-        <a:cs typeface=""/>
-        <a:font script="Jpan" typeface="游ゴシック"/>
-        <a:font script="Hang" typeface="맑은 고딕"/>
-        <a:font script="Hans" typeface="等线"/>
-        <a:font script="Hant" typeface="新細明體"/>
-        <a:font script="Arab" typeface="Arial"/>
-        <a:font script="Hebr" typeface="Arial"/>
-        <a:font script="Thai" typeface="Cordia New"/>
+        <a:font script="Arab" typeface="Tahoma"/>
+        <a:font script="Hebr" typeface="Gisha"/>
+        <a:font script="Thai" typeface="DilleniaUPC"/>
         <a:font script="Ethi" typeface="Nyala"/>
         <a:font script="Beng" typeface="Vrinda"/>
         <a:font script="Gujr" typeface="Shruti"/>
@@ -3665,29 +5999,47 @@
         <a:font script="Laoo" typeface="DokChampa"/>
         <a:font script="Sinh" typeface="Iskoola Pota"/>
         <a:font script="Mong" typeface="Mongolian Baiti"/>
-        <a:font script="Viet" typeface="Arial"/>
+        <a:font script="Viet" typeface="Tahoma"/>
         <a:font script="Uigh" typeface="Microsoft Uighur"/>
         <a:font script="Geor" typeface="Sylfaen"/>
-        <a:font script="Armn" typeface="Arial"/>
-        <a:font script="Bugi" typeface="Leelawadee UI"/>
-        <a:font script="Bopo" typeface="Microsoft JhengHei"/>
-        <a:font script="Java" typeface="Javanese Text"/>
-        <a:font script="Lisu" typeface="Segoe UI"/>
-        <a:font script="Mymr" typeface="Myanmar Text"/>
-        <a:font script="Nkoo" typeface="Ebrima"/>
-        <a:font script="Olck" typeface="Nirmala UI"/>
-        <a:font script="Osma" typeface="Ebrima"/>
-        <a:font script="Phag" typeface="Phagspa"/>
-        <a:font script="Syrn" typeface="Estrangelo Edessa"/>
-        <a:font script="Syrj" typeface="Estrangelo Edessa"/>
-        <a:font script="Syre" typeface="Estrangelo Edessa"/>
-        <a:font script="Sora" typeface="Nirmala UI"/>
-        <a:font script="Tale" typeface="Microsoft Tai Le"/>
-        <a:font script="Talu" typeface="Microsoft New Tai Lue"/>
-        <a:font script="Tfng" typeface="Ebrima"/>
+      </a:majorFont>
+      <a:minorFont>
+        <a:latin typeface="Century Gothic" panose="020B0502020202020204"/>
+        <a:ea typeface=""/>
+        <a:cs typeface=""/>
+        <a:font script="Jpan" typeface="ＭＳ ゴシック"/>
+        <a:font script="Hang" typeface="맑은 고딕"/>
+        <a:font script="Hans" typeface="宋体"/>
+        <a:font script="Hant" typeface="新細明體"/>
+        <a:font script="Arab" typeface="Tahoma"/>
+        <a:font script="Hebr" typeface="Gisha"/>
+        <a:font script="Thai" typeface="DilleniaUPC"/>
+        <a:font script="Ethi" typeface="Nyala"/>
+        <a:font script="Beng" typeface="Vrinda"/>
+        <a:font script="Gujr" typeface="Shruti"/>
+        <a:font script="Khmr" typeface="DaunPenh"/>
+        <a:font script="Knda" typeface="Tunga"/>
+        <a:font script="Guru" typeface="Raavi"/>
+        <a:font script="Cans" typeface="Euphemia"/>
+        <a:font script="Cher" typeface="Plantagenet Cherokee"/>
+        <a:font script="Yiii" typeface="Microsoft Yi Baiti"/>
+        <a:font script="Tibt" typeface="Microsoft Himalaya"/>
+        <a:font script="Thaa" typeface="MV Boli"/>
+        <a:font script="Deva" typeface="Mangal"/>
+        <a:font script="Telu" typeface="Gautami"/>
+        <a:font script="Taml" typeface="Latha"/>
+        <a:font script="Syrc" typeface="Estrangelo Edessa"/>
+        <a:font script="Orya" typeface="Kalinga"/>
+        <a:font script="Mlym" typeface="Kartika"/>
+        <a:font script="Laoo" typeface="DokChampa"/>
+        <a:font script="Sinh" typeface="Iskoola Pota"/>
+        <a:font script="Mong" typeface="Mongolian Baiti"/>
+        <a:font script="Viet" typeface="Verdana"/>
+        <a:font script="Uigh" typeface="Microsoft Uighur"/>
+        <a:font script="Geor" typeface="Sylfaen"/>
       </a:minorFont>
     </a:fontScheme>
-    <a:fmtScheme name="Office">
+    <a:fmtScheme name="Mesh">
       <a:fillStyleLst>
         <a:solidFill>
           <a:schemeClr val="phClr"/>
@@ -3696,23 +6048,13 @@
           <a:gsLst>
             <a:gs pos="0">
               <a:schemeClr val="phClr">
+                <a:tint val="60000"/>
                 <a:lumMod val="110000"/>
-                <a:satMod val="105000"/>
-                <a:tint val="67000"/>
-              </a:schemeClr>
-            </a:gs>
-            <a:gs pos="50000">
-              <a:schemeClr val="phClr">
-                <a:lumMod val="105000"/>
-                <a:satMod val="103000"/>
-                <a:tint val="73000"/>
               </a:schemeClr>
             </a:gs>
             <a:gs pos="100000">
               <a:schemeClr val="phClr">
-                <a:lumMod val="105000"/>
-                <a:satMod val="109000"/>
-                <a:tint val="81000"/>
+                <a:tint val="82000"/>
               </a:schemeClr>
             </a:gs>
           </a:gsLst>
@@ -3722,23 +6064,14 @@
           <a:gsLst>
             <a:gs pos="0">
               <a:schemeClr val="phClr">
-                <a:satMod val="103000"/>
-                <a:lumMod val="102000"/>
-                <a:tint val="94000"/>
-              </a:schemeClr>
-            </a:gs>
-            <a:gs pos="50000">
-              <a:schemeClr val="phClr">
-                <a:satMod val="110000"/>
-                <a:lumMod val="100000"/>
-                <a:shade val="100000"/>
+                <a:tint val="96000"/>
+                <a:lumMod val="104000"/>
               </a:schemeClr>
             </a:gs>
             <a:gs pos="100000">
               <a:schemeClr val="phClr">
-                <a:lumMod val="99000"/>
-                <a:satMod val="120000"/>
-                <a:shade val="78000"/>
+                <a:shade val="84000"/>
+                <a:lumMod val="84000"/>
               </a:schemeClr>
             </a:gs>
           </a:gsLst>
@@ -3746,26 +6079,23 @@
         </a:gradFill>
       </a:fillStyleLst>
       <a:lnStyleLst>
-        <a:ln w="6350" cap="flat" cmpd="sng" algn="ctr">
+        <a:ln w="9525" cap="rnd" cmpd="sng" algn="ctr">
           <a:solidFill>
             <a:schemeClr val="phClr"/>
           </a:solidFill>
           <a:prstDash val="solid"/>
-          <a:miter lim="800000"/>
         </a:ln>
-        <a:ln w="12700" cap="flat" cmpd="sng" algn="ctr">
+        <a:ln w="19050" cap="rnd" cmpd="sng" algn="ctr">
           <a:solidFill>
             <a:schemeClr val="phClr"/>
           </a:solidFill>
           <a:prstDash val="solid"/>
-          <a:miter lim="800000"/>
         </a:ln>
-        <a:ln w="19050" cap="flat" cmpd="sng" algn="ctr">
+        <a:ln w="25400" cap="rnd" cmpd="sng" algn="ctr">
           <a:solidFill>
             <a:schemeClr val="phClr"/>
           </a:solidFill>
           <a:prstDash val="solid"/>
-          <a:miter lim="800000"/>
         </a:ln>
       </a:lnStyleLst>
       <a:effectStyleLst>
@@ -3773,55 +6103,72 @@
           <a:effectLst/>
         </a:effectStyle>
         <a:effectStyle>
-          <a:effectLst/>
+          <a:effectLst>
+            <a:innerShdw blurRad="50800" dist="25400" dir="13500000">
+              <a:srgbClr val="000000">
+                <a:alpha val="55000"/>
+              </a:srgbClr>
+            </a:innerShdw>
+          </a:effectLst>
         </a:effectStyle>
         <a:effectStyle>
           <a:effectLst>
-            <a:outerShdw blurRad="57150" dist="19050" dir="5400000" algn="ctr" rotWithShape="0">
+            <a:outerShdw blurRad="50800" dist="38100" dir="5400000" rotWithShape="0">
               <a:srgbClr val="000000">
-                <a:alpha val="63000"/>
+                <a:alpha val="60000"/>
               </a:srgbClr>
             </a:outerShdw>
           </a:effectLst>
+          <a:scene3d>
+            <a:camera prst="orthographicFront">
+              <a:rot lat="0" lon="0" rev="0"/>
+            </a:camera>
+            <a:lightRig rig="threePt" dir="tl"/>
+          </a:scene3d>
+          <a:sp3d>
+            <a:bevelT w="25400" h="25400" prst="slope"/>
+          </a:sp3d>
         </a:effectStyle>
       </a:effectStyleLst>
       <a:bgFillStyleLst>
         <a:solidFill>
           <a:schemeClr val="phClr"/>
         </a:solidFill>
-        <a:solidFill>
-          <a:schemeClr val="phClr">
-            <a:tint val="95000"/>
-            <a:satMod val="170000"/>
-          </a:schemeClr>
-        </a:solidFill>
         <a:gradFill rotWithShape="1">
           <a:gsLst>
             <a:gs pos="0">
               <a:schemeClr val="phClr">
-                <a:tint val="93000"/>
-                <a:satMod val="150000"/>
-                <a:shade val="98000"/>
-                <a:lumMod val="102000"/>
-              </a:schemeClr>
-            </a:gs>
-            <a:gs pos="50000">
-              <a:schemeClr val="phClr">
-                <a:tint val="98000"/>
-                <a:satMod val="130000"/>
-                <a:shade val="90000"/>
-                <a:lumMod val="103000"/>
+                <a:tint val="90000"/>
+                <a:lumMod val="110000"/>
               </a:schemeClr>
             </a:gs>
             <a:gs pos="100000">
               <a:schemeClr val="phClr">
-                <a:shade val="63000"/>
-                <a:satMod val="120000"/>
+                <a:shade val="64000"/>
+                <a:lumMod val="98000"/>
               </a:schemeClr>
             </a:gs>
           </a:gsLst>
           <a:lin ang="5400000" scaled="0"/>
         </a:gradFill>
+        <a:blipFill rotWithShape="1">
+          <a:blip xmlns:r="http://schemas.openxmlformats.org/officeDocument/2006/relationships" r:embed="rId1">
+            <a:duotone>
+              <a:schemeClr val="phClr">
+                <a:shade val="28000"/>
+                <a:satMod val="94000"/>
+                <a:lumMod val="20000"/>
+              </a:schemeClr>
+              <a:schemeClr val="phClr">
+                <a:tint val="94000"/>
+                <a:shade val="84000"/>
+                <a:satMod val="148000"/>
+                <a:lumMod val="114000"/>
+              </a:schemeClr>
+            </a:duotone>
+          </a:blip>
+          <a:stretch/>
+        </a:blipFill>
       </a:bgFillStyleLst>
     </a:fmtScheme>
   </a:themeElements>
@@ -3829,7 +6176,7 @@
   <a:extraClrSchemeLst/>
   <a:extLst>
     <a:ext uri="{05A4C25C-085E-4340-85A3-A5531E510DB2}">
-      <thm15:themeFamily xmlns:thm15="http://schemas.microsoft.com/office/thememl/2012/main" name="Office Theme" id="{62F939B6-93AF-4DB8-9C6B-D6C7DFDC589F}" vid="{4A3C46E8-61CC-4603-A589-7422A47A8E4A}"/>
+      <thm15:themeFamily xmlns:thm15="http://schemas.microsoft.com/office/thememl/2012/main" name="Mesh" id="{789EC3FE-34FD-429C-9918-760025E6C145}" vid="{B8BE45C0-8141-4D58-8C71-A009BC26FBBB}"/>
     </a:ext>
   </a:extLst>
 </a:theme>
